--- a/docs/diagrams/ModuleInfoStorage.pptx
+++ b/docs/diagrams/ModuleInfoStorage.pptx
@@ -129,7 +129,7 @@
           <p:cNvPr id="2" name="Title 1">
             <a:extLst>
               <a:ext uri="{FF2B5EF4-FFF2-40B4-BE49-F238E27FC236}">
-                <a16:creationId xmlns:a16="http://schemas.microsoft.com/office/drawing/2014/main" id="{46F23A1B-4E55-48BE-BBEA-F953392966CB}"/>
+                <a16:creationId xmlns:a16="http://schemas.microsoft.com/office/drawing/2014/main" xmlns="" id="{46F23A1B-4E55-48BE-BBEA-F953392966CB}"/>
               </a:ext>
             </a:extLst>
           </p:cNvPr>
@@ -167,7 +167,7 @@
           <p:cNvPr id="3" name="Subtitle 2">
             <a:extLst>
               <a:ext uri="{FF2B5EF4-FFF2-40B4-BE49-F238E27FC236}">
-                <a16:creationId xmlns:a16="http://schemas.microsoft.com/office/drawing/2014/main" id="{71333CF8-28C9-49F0-8BBC-3160A7A7C1D9}"/>
+                <a16:creationId xmlns:a16="http://schemas.microsoft.com/office/drawing/2014/main" xmlns="" id="{71333CF8-28C9-49F0-8BBC-3160A7A7C1D9}"/>
               </a:ext>
             </a:extLst>
           </p:cNvPr>
@@ -238,7 +238,7 @@
           <p:cNvPr id="4" name="Date Placeholder 3">
             <a:extLst>
               <a:ext uri="{FF2B5EF4-FFF2-40B4-BE49-F238E27FC236}">
-                <a16:creationId xmlns:a16="http://schemas.microsoft.com/office/drawing/2014/main" id="{1379E62B-C5C6-491E-8FEB-8A59A05E6872}"/>
+                <a16:creationId xmlns:a16="http://schemas.microsoft.com/office/drawing/2014/main" xmlns="" id="{1379E62B-C5C6-491E-8FEB-8A59A05E6872}"/>
               </a:ext>
             </a:extLst>
           </p:cNvPr>
@@ -256,9 +256,10 @@
           <a:p>
             <a:fld id="{45E299CC-B24E-4C4C-977B-77A5B3D21CEB}" type="datetimeFigureOut">
               <a:rPr lang="en-SG" smtClean="0"/>
-              <a:t>6/4/2019</a:t>
+              <a:pPr/>
+              <a:t>11/4/2019</a:t>
             </a:fld>
-            <a:endParaRPr lang="en-SG"/>
+            <a:endParaRPr lang="en-SG" dirty="0"/>
           </a:p>
         </p:txBody>
       </p:sp>
@@ -267,7 +268,7 @@
           <p:cNvPr id="5" name="Footer Placeholder 4">
             <a:extLst>
               <a:ext uri="{FF2B5EF4-FFF2-40B4-BE49-F238E27FC236}">
-                <a16:creationId xmlns:a16="http://schemas.microsoft.com/office/drawing/2014/main" id="{4A7D1912-1F37-4814-AF54-D597C0082E52}"/>
+                <a16:creationId xmlns:a16="http://schemas.microsoft.com/office/drawing/2014/main" xmlns="" id="{4A7D1912-1F37-4814-AF54-D597C0082E52}"/>
               </a:ext>
             </a:extLst>
           </p:cNvPr>
@@ -283,7 +284,7 @@
           <a:bodyPr/>
           <a:lstStyle/>
           <a:p>
-            <a:endParaRPr lang="en-SG"/>
+            <a:endParaRPr lang="en-SG" dirty="0"/>
           </a:p>
         </p:txBody>
       </p:sp>
@@ -292,7 +293,7 @@
           <p:cNvPr id="6" name="Slide Number Placeholder 5">
             <a:extLst>
               <a:ext uri="{FF2B5EF4-FFF2-40B4-BE49-F238E27FC236}">
-                <a16:creationId xmlns:a16="http://schemas.microsoft.com/office/drawing/2014/main" id="{A7103BEF-4738-42D8-9D54-6A7D3157BF56}"/>
+                <a16:creationId xmlns:a16="http://schemas.microsoft.com/office/drawing/2014/main" xmlns="" id="{A7103BEF-4738-42D8-9D54-6A7D3157BF56}"/>
               </a:ext>
             </a:extLst>
           </p:cNvPr>
@@ -310,16 +311,17 @@
           <a:p>
             <a:fld id="{417BF66A-1977-4C9C-9E23-55FCD6A770CB}" type="slidenum">
               <a:rPr lang="en-SG" smtClean="0"/>
+              <a:pPr/>
               <a:t>‹#›</a:t>
             </a:fld>
-            <a:endParaRPr lang="en-SG"/>
+            <a:endParaRPr lang="en-SG" dirty="0"/>
           </a:p>
         </p:txBody>
       </p:sp>
     </p:spTree>
     <p:extLst>
       <p:ext uri="{BB962C8B-B14F-4D97-AF65-F5344CB8AC3E}">
-        <p14:creationId xmlns:p14="http://schemas.microsoft.com/office/powerpoint/2010/main" val="4122929622"/>
+        <p14:creationId xmlns:p14="http://schemas.microsoft.com/office/powerpoint/2010/main" xmlns="" val="4122929622"/>
       </p:ext>
     </p:extLst>
   </p:cSld>
@@ -351,7 +353,7 @@
           <p:cNvPr id="2" name="Title 1">
             <a:extLst>
               <a:ext uri="{FF2B5EF4-FFF2-40B4-BE49-F238E27FC236}">
-                <a16:creationId xmlns:a16="http://schemas.microsoft.com/office/drawing/2014/main" id="{B863B3FC-A541-47D3-8ED5-D0F6B10C4B3C}"/>
+                <a16:creationId xmlns:a16="http://schemas.microsoft.com/office/drawing/2014/main" xmlns="" id="{B863B3FC-A541-47D3-8ED5-D0F6B10C4B3C}"/>
               </a:ext>
             </a:extLst>
           </p:cNvPr>
@@ -380,7 +382,7 @@
           <p:cNvPr id="3" name="Vertical Text Placeholder 2">
             <a:extLst>
               <a:ext uri="{FF2B5EF4-FFF2-40B4-BE49-F238E27FC236}">
-                <a16:creationId xmlns:a16="http://schemas.microsoft.com/office/drawing/2014/main" id="{41842B8B-F73C-460C-A8A5-49D175C119C6}"/>
+                <a16:creationId xmlns:a16="http://schemas.microsoft.com/office/drawing/2014/main" xmlns="" id="{41842B8B-F73C-460C-A8A5-49D175C119C6}"/>
               </a:ext>
             </a:extLst>
           </p:cNvPr>
@@ -438,7 +440,7 @@
           <p:cNvPr id="4" name="Date Placeholder 3">
             <a:extLst>
               <a:ext uri="{FF2B5EF4-FFF2-40B4-BE49-F238E27FC236}">
-                <a16:creationId xmlns:a16="http://schemas.microsoft.com/office/drawing/2014/main" id="{21D6363A-2677-4458-A213-79195239AD47}"/>
+                <a16:creationId xmlns:a16="http://schemas.microsoft.com/office/drawing/2014/main" xmlns="" id="{21D6363A-2677-4458-A213-79195239AD47}"/>
               </a:ext>
             </a:extLst>
           </p:cNvPr>
@@ -456,9 +458,10 @@
           <a:p>
             <a:fld id="{45E299CC-B24E-4C4C-977B-77A5B3D21CEB}" type="datetimeFigureOut">
               <a:rPr lang="en-SG" smtClean="0"/>
-              <a:t>6/4/2019</a:t>
+              <a:pPr/>
+              <a:t>11/4/2019</a:t>
             </a:fld>
-            <a:endParaRPr lang="en-SG"/>
+            <a:endParaRPr lang="en-SG" dirty="0"/>
           </a:p>
         </p:txBody>
       </p:sp>
@@ -467,7 +470,7 @@
           <p:cNvPr id="5" name="Footer Placeholder 4">
             <a:extLst>
               <a:ext uri="{FF2B5EF4-FFF2-40B4-BE49-F238E27FC236}">
-                <a16:creationId xmlns:a16="http://schemas.microsoft.com/office/drawing/2014/main" id="{28001726-DB95-47E6-86CF-8638B3039C7E}"/>
+                <a16:creationId xmlns:a16="http://schemas.microsoft.com/office/drawing/2014/main" xmlns="" id="{28001726-DB95-47E6-86CF-8638B3039C7E}"/>
               </a:ext>
             </a:extLst>
           </p:cNvPr>
@@ -483,7 +486,7 @@
           <a:bodyPr/>
           <a:lstStyle/>
           <a:p>
-            <a:endParaRPr lang="en-SG"/>
+            <a:endParaRPr lang="en-SG" dirty="0"/>
           </a:p>
         </p:txBody>
       </p:sp>
@@ -492,7 +495,7 @@
           <p:cNvPr id="6" name="Slide Number Placeholder 5">
             <a:extLst>
               <a:ext uri="{FF2B5EF4-FFF2-40B4-BE49-F238E27FC236}">
-                <a16:creationId xmlns:a16="http://schemas.microsoft.com/office/drawing/2014/main" id="{9394C9BA-D5D5-41BA-A8C0-559DAD6E557B}"/>
+                <a16:creationId xmlns:a16="http://schemas.microsoft.com/office/drawing/2014/main" xmlns="" id="{9394C9BA-D5D5-41BA-A8C0-559DAD6E557B}"/>
               </a:ext>
             </a:extLst>
           </p:cNvPr>
@@ -510,16 +513,17 @@
           <a:p>
             <a:fld id="{417BF66A-1977-4C9C-9E23-55FCD6A770CB}" type="slidenum">
               <a:rPr lang="en-SG" smtClean="0"/>
+              <a:pPr/>
               <a:t>‹#›</a:t>
             </a:fld>
-            <a:endParaRPr lang="en-SG"/>
+            <a:endParaRPr lang="en-SG" dirty="0"/>
           </a:p>
         </p:txBody>
       </p:sp>
     </p:spTree>
     <p:extLst>
       <p:ext uri="{BB962C8B-B14F-4D97-AF65-F5344CB8AC3E}">
-        <p14:creationId xmlns:p14="http://schemas.microsoft.com/office/powerpoint/2010/main" val="1078133986"/>
+        <p14:creationId xmlns:p14="http://schemas.microsoft.com/office/powerpoint/2010/main" xmlns="" val="1078133986"/>
       </p:ext>
     </p:extLst>
   </p:cSld>
@@ -551,7 +555,7 @@
           <p:cNvPr id="2" name="Vertical Title 1">
             <a:extLst>
               <a:ext uri="{FF2B5EF4-FFF2-40B4-BE49-F238E27FC236}">
-                <a16:creationId xmlns:a16="http://schemas.microsoft.com/office/drawing/2014/main" id="{65644FD3-B1E4-48D8-9428-CD30E5EB994F}"/>
+                <a16:creationId xmlns:a16="http://schemas.microsoft.com/office/drawing/2014/main" xmlns="" id="{65644FD3-B1E4-48D8-9428-CD30E5EB994F}"/>
               </a:ext>
             </a:extLst>
           </p:cNvPr>
@@ -585,7 +589,7 @@
           <p:cNvPr id="3" name="Vertical Text Placeholder 2">
             <a:extLst>
               <a:ext uri="{FF2B5EF4-FFF2-40B4-BE49-F238E27FC236}">
-                <a16:creationId xmlns:a16="http://schemas.microsoft.com/office/drawing/2014/main" id="{FCFE348E-47D8-462B-931D-30950811F911}"/>
+                <a16:creationId xmlns:a16="http://schemas.microsoft.com/office/drawing/2014/main" xmlns="" id="{FCFE348E-47D8-462B-931D-30950811F911}"/>
               </a:ext>
             </a:extLst>
           </p:cNvPr>
@@ -648,7 +652,7 @@
           <p:cNvPr id="4" name="Date Placeholder 3">
             <a:extLst>
               <a:ext uri="{FF2B5EF4-FFF2-40B4-BE49-F238E27FC236}">
-                <a16:creationId xmlns:a16="http://schemas.microsoft.com/office/drawing/2014/main" id="{5D356C39-73E7-48C8-90ED-55C1605E5158}"/>
+                <a16:creationId xmlns:a16="http://schemas.microsoft.com/office/drawing/2014/main" xmlns="" id="{5D356C39-73E7-48C8-90ED-55C1605E5158}"/>
               </a:ext>
             </a:extLst>
           </p:cNvPr>
@@ -666,9 +670,10 @@
           <a:p>
             <a:fld id="{45E299CC-B24E-4C4C-977B-77A5B3D21CEB}" type="datetimeFigureOut">
               <a:rPr lang="en-SG" smtClean="0"/>
-              <a:t>6/4/2019</a:t>
+              <a:pPr/>
+              <a:t>11/4/2019</a:t>
             </a:fld>
-            <a:endParaRPr lang="en-SG"/>
+            <a:endParaRPr lang="en-SG" dirty="0"/>
           </a:p>
         </p:txBody>
       </p:sp>
@@ -677,7 +682,7 @@
           <p:cNvPr id="5" name="Footer Placeholder 4">
             <a:extLst>
               <a:ext uri="{FF2B5EF4-FFF2-40B4-BE49-F238E27FC236}">
-                <a16:creationId xmlns:a16="http://schemas.microsoft.com/office/drawing/2014/main" id="{4CF973E7-0189-4B4A-99B6-310BE8B1A81B}"/>
+                <a16:creationId xmlns:a16="http://schemas.microsoft.com/office/drawing/2014/main" xmlns="" id="{4CF973E7-0189-4B4A-99B6-310BE8B1A81B}"/>
               </a:ext>
             </a:extLst>
           </p:cNvPr>
@@ -693,7 +698,7 @@
           <a:bodyPr/>
           <a:lstStyle/>
           <a:p>
-            <a:endParaRPr lang="en-SG"/>
+            <a:endParaRPr lang="en-SG" dirty="0"/>
           </a:p>
         </p:txBody>
       </p:sp>
@@ -702,7 +707,7 @@
           <p:cNvPr id="6" name="Slide Number Placeholder 5">
             <a:extLst>
               <a:ext uri="{FF2B5EF4-FFF2-40B4-BE49-F238E27FC236}">
-                <a16:creationId xmlns:a16="http://schemas.microsoft.com/office/drawing/2014/main" id="{B4EE051C-3381-45B7-A426-B78623099C35}"/>
+                <a16:creationId xmlns:a16="http://schemas.microsoft.com/office/drawing/2014/main" xmlns="" id="{B4EE051C-3381-45B7-A426-B78623099C35}"/>
               </a:ext>
             </a:extLst>
           </p:cNvPr>
@@ -720,16 +725,17 @@
           <a:p>
             <a:fld id="{417BF66A-1977-4C9C-9E23-55FCD6A770CB}" type="slidenum">
               <a:rPr lang="en-SG" smtClean="0"/>
+              <a:pPr/>
               <a:t>‹#›</a:t>
             </a:fld>
-            <a:endParaRPr lang="en-SG"/>
+            <a:endParaRPr lang="en-SG" dirty="0"/>
           </a:p>
         </p:txBody>
       </p:sp>
     </p:spTree>
     <p:extLst>
       <p:ext uri="{BB962C8B-B14F-4D97-AF65-F5344CB8AC3E}">
-        <p14:creationId xmlns:p14="http://schemas.microsoft.com/office/powerpoint/2010/main" val="4214822293"/>
+        <p14:creationId xmlns:p14="http://schemas.microsoft.com/office/powerpoint/2010/main" xmlns="" val="4214822293"/>
       </p:ext>
     </p:extLst>
   </p:cSld>
@@ -761,7 +767,7 @@
           <p:cNvPr id="2" name="Title 1">
             <a:extLst>
               <a:ext uri="{FF2B5EF4-FFF2-40B4-BE49-F238E27FC236}">
-                <a16:creationId xmlns:a16="http://schemas.microsoft.com/office/drawing/2014/main" id="{03065B0C-7C91-431A-A22A-2B2BEDB2F888}"/>
+                <a16:creationId xmlns:a16="http://schemas.microsoft.com/office/drawing/2014/main" xmlns="" id="{03065B0C-7C91-431A-A22A-2B2BEDB2F888}"/>
               </a:ext>
             </a:extLst>
           </p:cNvPr>
@@ -790,7 +796,7 @@
           <p:cNvPr id="3" name="Content Placeholder 2">
             <a:extLst>
               <a:ext uri="{FF2B5EF4-FFF2-40B4-BE49-F238E27FC236}">
-                <a16:creationId xmlns:a16="http://schemas.microsoft.com/office/drawing/2014/main" id="{93A81FD7-7C83-4477-8BF3-D995F5047B9D}"/>
+                <a16:creationId xmlns:a16="http://schemas.microsoft.com/office/drawing/2014/main" xmlns="" id="{93A81FD7-7C83-4477-8BF3-D995F5047B9D}"/>
               </a:ext>
             </a:extLst>
           </p:cNvPr>
@@ -848,7 +854,7 @@
           <p:cNvPr id="4" name="Date Placeholder 3">
             <a:extLst>
               <a:ext uri="{FF2B5EF4-FFF2-40B4-BE49-F238E27FC236}">
-                <a16:creationId xmlns:a16="http://schemas.microsoft.com/office/drawing/2014/main" id="{A689F6AB-2A13-48CC-87B4-C0331F263ACB}"/>
+                <a16:creationId xmlns:a16="http://schemas.microsoft.com/office/drawing/2014/main" xmlns="" id="{A689F6AB-2A13-48CC-87B4-C0331F263ACB}"/>
               </a:ext>
             </a:extLst>
           </p:cNvPr>
@@ -866,9 +872,10 @@
           <a:p>
             <a:fld id="{45E299CC-B24E-4C4C-977B-77A5B3D21CEB}" type="datetimeFigureOut">
               <a:rPr lang="en-SG" smtClean="0"/>
-              <a:t>6/4/2019</a:t>
+              <a:pPr/>
+              <a:t>11/4/2019</a:t>
             </a:fld>
-            <a:endParaRPr lang="en-SG"/>
+            <a:endParaRPr lang="en-SG" dirty="0"/>
           </a:p>
         </p:txBody>
       </p:sp>
@@ -877,7 +884,7 @@
           <p:cNvPr id="5" name="Footer Placeholder 4">
             <a:extLst>
               <a:ext uri="{FF2B5EF4-FFF2-40B4-BE49-F238E27FC236}">
-                <a16:creationId xmlns:a16="http://schemas.microsoft.com/office/drawing/2014/main" id="{3BDD7653-413C-447A-858A-869C6C66843C}"/>
+                <a16:creationId xmlns:a16="http://schemas.microsoft.com/office/drawing/2014/main" xmlns="" id="{3BDD7653-413C-447A-858A-869C6C66843C}"/>
               </a:ext>
             </a:extLst>
           </p:cNvPr>
@@ -893,7 +900,7 @@
           <a:bodyPr/>
           <a:lstStyle/>
           <a:p>
-            <a:endParaRPr lang="en-SG"/>
+            <a:endParaRPr lang="en-SG" dirty="0"/>
           </a:p>
         </p:txBody>
       </p:sp>
@@ -902,7 +909,7 @@
           <p:cNvPr id="6" name="Slide Number Placeholder 5">
             <a:extLst>
               <a:ext uri="{FF2B5EF4-FFF2-40B4-BE49-F238E27FC236}">
-                <a16:creationId xmlns:a16="http://schemas.microsoft.com/office/drawing/2014/main" id="{3D262309-C31B-4DAD-862B-1D82EDD48DE2}"/>
+                <a16:creationId xmlns:a16="http://schemas.microsoft.com/office/drawing/2014/main" xmlns="" id="{3D262309-C31B-4DAD-862B-1D82EDD48DE2}"/>
               </a:ext>
             </a:extLst>
           </p:cNvPr>
@@ -920,16 +927,17 @@
           <a:p>
             <a:fld id="{417BF66A-1977-4C9C-9E23-55FCD6A770CB}" type="slidenum">
               <a:rPr lang="en-SG" smtClean="0"/>
+              <a:pPr/>
               <a:t>‹#›</a:t>
             </a:fld>
-            <a:endParaRPr lang="en-SG"/>
+            <a:endParaRPr lang="en-SG" dirty="0"/>
           </a:p>
         </p:txBody>
       </p:sp>
     </p:spTree>
     <p:extLst>
       <p:ext uri="{BB962C8B-B14F-4D97-AF65-F5344CB8AC3E}">
-        <p14:creationId xmlns:p14="http://schemas.microsoft.com/office/powerpoint/2010/main" val="261356214"/>
+        <p14:creationId xmlns:p14="http://schemas.microsoft.com/office/powerpoint/2010/main" xmlns="" val="261356214"/>
       </p:ext>
     </p:extLst>
   </p:cSld>
@@ -961,7 +969,7 @@
           <p:cNvPr id="2" name="Title 1">
             <a:extLst>
               <a:ext uri="{FF2B5EF4-FFF2-40B4-BE49-F238E27FC236}">
-                <a16:creationId xmlns:a16="http://schemas.microsoft.com/office/drawing/2014/main" id="{A9E5BC9D-240A-4F82-8C1F-4EF830275F3A}"/>
+                <a16:creationId xmlns:a16="http://schemas.microsoft.com/office/drawing/2014/main" xmlns="" id="{A9E5BC9D-240A-4F82-8C1F-4EF830275F3A}"/>
               </a:ext>
             </a:extLst>
           </p:cNvPr>
@@ -999,7 +1007,7 @@
           <p:cNvPr id="3" name="Text Placeholder 2">
             <a:extLst>
               <a:ext uri="{FF2B5EF4-FFF2-40B4-BE49-F238E27FC236}">
-                <a16:creationId xmlns:a16="http://schemas.microsoft.com/office/drawing/2014/main" id="{C42CB556-738F-402F-A176-D63237942CF1}"/>
+                <a16:creationId xmlns:a16="http://schemas.microsoft.com/office/drawing/2014/main" xmlns="" id="{C42CB556-738F-402F-A176-D63237942CF1}"/>
               </a:ext>
             </a:extLst>
           </p:cNvPr>
@@ -1124,7 +1132,7 @@
           <p:cNvPr id="4" name="Date Placeholder 3">
             <a:extLst>
               <a:ext uri="{FF2B5EF4-FFF2-40B4-BE49-F238E27FC236}">
-                <a16:creationId xmlns:a16="http://schemas.microsoft.com/office/drawing/2014/main" id="{2376FBD3-C0AE-48F9-BEDD-7951235FE348}"/>
+                <a16:creationId xmlns:a16="http://schemas.microsoft.com/office/drawing/2014/main" xmlns="" id="{2376FBD3-C0AE-48F9-BEDD-7951235FE348}"/>
               </a:ext>
             </a:extLst>
           </p:cNvPr>
@@ -1142,9 +1150,10 @@
           <a:p>
             <a:fld id="{45E299CC-B24E-4C4C-977B-77A5B3D21CEB}" type="datetimeFigureOut">
               <a:rPr lang="en-SG" smtClean="0"/>
-              <a:t>6/4/2019</a:t>
+              <a:pPr/>
+              <a:t>11/4/2019</a:t>
             </a:fld>
-            <a:endParaRPr lang="en-SG"/>
+            <a:endParaRPr lang="en-SG" dirty="0"/>
           </a:p>
         </p:txBody>
       </p:sp>
@@ -1153,7 +1162,7 @@
           <p:cNvPr id="5" name="Footer Placeholder 4">
             <a:extLst>
               <a:ext uri="{FF2B5EF4-FFF2-40B4-BE49-F238E27FC236}">
-                <a16:creationId xmlns:a16="http://schemas.microsoft.com/office/drawing/2014/main" id="{D4ECC15D-F40C-4E51-9D1D-6F30EA67F0A6}"/>
+                <a16:creationId xmlns:a16="http://schemas.microsoft.com/office/drawing/2014/main" xmlns="" id="{D4ECC15D-F40C-4E51-9D1D-6F30EA67F0A6}"/>
               </a:ext>
             </a:extLst>
           </p:cNvPr>
@@ -1169,7 +1178,7 @@
           <a:bodyPr/>
           <a:lstStyle/>
           <a:p>
-            <a:endParaRPr lang="en-SG"/>
+            <a:endParaRPr lang="en-SG" dirty="0"/>
           </a:p>
         </p:txBody>
       </p:sp>
@@ -1178,7 +1187,7 @@
           <p:cNvPr id="6" name="Slide Number Placeholder 5">
             <a:extLst>
               <a:ext uri="{FF2B5EF4-FFF2-40B4-BE49-F238E27FC236}">
-                <a16:creationId xmlns:a16="http://schemas.microsoft.com/office/drawing/2014/main" id="{7B4EE082-2D7D-4015-88D6-B4E5E57452E4}"/>
+                <a16:creationId xmlns:a16="http://schemas.microsoft.com/office/drawing/2014/main" xmlns="" id="{7B4EE082-2D7D-4015-88D6-B4E5E57452E4}"/>
               </a:ext>
             </a:extLst>
           </p:cNvPr>
@@ -1196,16 +1205,17 @@
           <a:p>
             <a:fld id="{417BF66A-1977-4C9C-9E23-55FCD6A770CB}" type="slidenum">
               <a:rPr lang="en-SG" smtClean="0"/>
+              <a:pPr/>
               <a:t>‹#›</a:t>
             </a:fld>
-            <a:endParaRPr lang="en-SG"/>
+            <a:endParaRPr lang="en-SG" dirty="0"/>
           </a:p>
         </p:txBody>
       </p:sp>
     </p:spTree>
     <p:extLst>
       <p:ext uri="{BB962C8B-B14F-4D97-AF65-F5344CB8AC3E}">
-        <p14:creationId xmlns:p14="http://schemas.microsoft.com/office/powerpoint/2010/main" val="1606179182"/>
+        <p14:creationId xmlns:p14="http://schemas.microsoft.com/office/powerpoint/2010/main" xmlns="" val="1606179182"/>
       </p:ext>
     </p:extLst>
   </p:cSld>
@@ -1237,7 +1247,7 @@
           <p:cNvPr id="2" name="Title 1">
             <a:extLst>
               <a:ext uri="{FF2B5EF4-FFF2-40B4-BE49-F238E27FC236}">
-                <a16:creationId xmlns:a16="http://schemas.microsoft.com/office/drawing/2014/main" id="{3E512C4B-7C5B-4C9D-AE96-CE3F37900369}"/>
+                <a16:creationId xmlns:a16="http://schemas.microsoft.com/office/drawing/2014/main" xmlns="" id="{3E512C4B-7C5B-4C9D-AE96-CE3F37900369}"/>
               </a:ext>
             </a:extLst>
           </p:cNvPr>
@@ -1266,7 +1276,7 @@
           <p:cNvPr id="3" name="Content Placeholder 2">
             <a:extLst>
               <a:ext uri="{FF2B5EF4-FFF2-40B4-BE49-F238E27FC236}">
-                <a16:creationId xmlns:a16="http://schemas.microsoft.com/office/drawing/2014/main" id="{703188CD-6792-415A-8682-D925101A412B}"/>
+                <a16:creationId xmlns:a16="http://schemas.microsoft.com/office/drawing/2014/main" xmlns="" id="{703188CD-6792-415A-8682-D925101A412B}"/>
               </a:ext>
             </a:extLst>
           </p:cNvPr>
@@ -1329,7 +1339,7 @@
           <p:cNvPr id="4" name="Content Placeholder 3">
             <a:extLst>
               <a:ext uri="{FF2B5EF4-FFF2-40B4-BE49-F238E27FC236}">
-                <a16:creationId xmlns:a16="http://schemas.microsoft.com/office/drawing/2014/main" id="{24153D18-12C4-4B18-A320-85AC4F7FC272}"/>
+                <a16:creationId xmlns:a16="http://schemas.microsoft.com/office/drawing/2014/main" xmlns="" id="{24153D18-12C4-4B18-A320-85AC4F7FC272}"/>
               </a:ext>
             </a:extLst>
           </p:cNvPr>
@@ -1392,7 +1402,7 @@
           <p:cNvPr id="5" name="Date Placeholder 4">
             <a:extLst>
               <a:ext uri="{FF2B5EF4-FFF2-40B4-BE49-F238E27FC236}">
-                <a16:creationId xmlns:a16="http://schemas.microsoft.com/office/drawing/2014/main" id="{2BD81DEF-8719-4B1A-9093-26B0146668CA}"/>
+                <a16:creationId xmlns:a16="http://schemas.microsoft.com/office/drawing/2014/main" xmlns="" id="{2BD81DEF-8719-4B1A-9093-26B0146668CA}"/>
               </a:ext>
             </a:extLst>
           </p:cNvPr>
@@ -1410,9 +1420,10 @@
           <a:p>
             <a:fld id="{45E299CC-B24E-4C4C-977B-77A5B3D21CEB}" type="datetimeFigureOut">
               <a:rPr lang="en-SG" smtClean="0"/>
-              <a:t>6/4/2019</a:t>
+              <a:pPr/>
+              <a:t>11/4/2019</a:t>
             </a:fld>
-            <a:endParaRPr lang="en-SG"/>
+            <a:endParaRPr lang="en-SG" dirty="0"/>
           </a:p>
         </p:txBody>
       </p:sp>
@@ -1421,7 +1432,7 @@
           <p:cNvPr id="6" name="Footer Placeholder 5">
             <a:extLst>
               <a:ext uri="{FF2B5EF4-FFF2-40B4-BE49-F238E27FC236}">
-                <a16:creationId xmlns:a16="http://schemas.microsoft.com/office/drawing/2014/main" id="{905EC2E7-C27E-4C55-A700-BB93B8529C82}"/>
+                <a16:creationId xmlns:a16="http://schemas.microsoft.com/office/drawing/2014/main" xmlns="" id="{905EC2E7-C27E-4C55-A700-BB93B8529C82}"/>
               </a:ext>
             </a:extLst>
           </p:cNvPr>
@@ -1437,7 +1448,7 @@
           <a:bodyPr/>
           <a:lstStyle/>
           <a:p>
-            <a:endParaRPr lang="en-SG"/>
+            <a:endParaRPr lang="en-SG" dirty="0"/>
           </a:p>
         </p:txBody>
       </p:sp>
@@ -1446,7 +1457,7 @@
           <p:cNvPr id="7" name="Slide Number Placeholder 6">
             <a:extLst>
               <a:ext uri="{FF2B5EF4-FFF2-40B4-BE49-F238E27FC236}">
-                <a16:creationId xmlns:a16="http://schemas.microsoft.com/office/drawing/2014/main" id="{FCC8BDC4-451B-42FF-B6BF-C0E39B6F156D}"/>
+                <a16:creationId xmlns:a16="http://schemas.microsoft.com/office/drawing/2014/main" xmlns="" id="{FCC8BDC4-451B-42FF-B6BF-C0E39B6F156D}"/>
               </a:ext>
             </a:extLst>
           </p:cNvPr>
@@ -1464,16 +1475,17 @@
           <a:p>
             <a:fld id="{417BF66A-1977-4C9C-9E23-55FCD6A770CB}" type="slidenum">
               <a:rPr lang="en-SG" smtClean="0"/>
+              <a:pPr/>
               <a:t>‹#›</a:t>
             </a:fld>
-            <a:endParaRPr lang="en-SG"/>
+            <a:endParaRPr lang="en-SG" dirty="0"/>
           </a:p>
         </p:txBody>
       </p:sp>
     </p:spTree>
     <p:extLst>
       <p:ext uri="{BB962C8B-B14F-4D97-AF65-F5344CB8AC3E}">
-        <p14:creationId xmlns:p14="http://schemas.microsoft.com/office/powerpoint/2010/main" val="3514381980"/>
+        <p14:creationId xmlns:p14="http://schemas.microsoft.com/office/powerpoint/2010/main" xmlns="" val="3514381980"/>
       </p:ext>
     </p:extLst>
   </p:cSld>
@@ -1505,7 +1517,7 @@
           <p:cNvPr id="2" name="Title 1">
             <a:extLst>
               <a:ext uri="{FF2B5EF4-FFF2-40B4-BE49-F238E27FC236}">
-                <a16:creationId xmlns:a16="http://schemas.microsoft.com/office/drawing/2014/main" id="{C298CB0A-A018-4CCB-B989-AD9839C488E8}"/>
+                <a16:creationId xmlns:a16="http://schemas.microsoft.com/office/drawing/2014/main" xmlns="" id="{C298CB0A-A018-4CCB-B989-AD9839C488E8}"/>
               </a:ext>
             </a:extLst>
           </p:cNvPr>
@@ -1539,7 +1551,7 @@
           <p:cNvPr id="3" name="Text Placeholder 2">
             <a:extLst>
               <a:ext uri="{FF2B5EF4-FFF2-40B4-BE49-F238E27FC236}">
-                <a16:creationId xmlns:a16="http://schemas.microsoft.com/office/drawing/2014/main" id="{8A72536C-3977-4D9F-847D-6DC60E4F9EA2}"/>
+                <a16:creationId xmlns:a16="http://schemas.microsoft.com/office/drawing/2014/main" xmlns="" id="{8A72536C-3977-4D9F-847D-6DC60E4F9EA2}"/>
               </a:ext>
             </a:extLst>
           </p:cNvPr>
@@ -1610,7 +1622,7 @@
           <p:cNvPr id="4" name="Content Placeholder 3">
             <a:extLst>
               <a:ext uri="{FF2B5EF4-FFF2-40B4-BE49-F238E27FC236}">
-                <a16:creationId xmlns:a16="http://schemas.microsoft.com/office/drawing/2014/main" id="{21501F71-6457-4DD4-A904-157E9AAFCA78}"/>
+                <a16:creationId xmlns:a16="http://schemas.microsoft.com/office/drawing/2014/main" xmlns="" id="{21501F71-6457-4DD4-A904-157E9AAFCA78}"/>
               </a:ext>
             </a:extLst>
           </p:cNvPr>
@@ -1673,7 +1685,7 @@
           <p:cNvPr id="5" name="Text Placeholder 4">
             <a:extLst>
               <a:ext uri="{FF2B5EF4-FFF2-40B4-BE49-F238E27FC236}">
-                <a16:creationId xmlns:a16="http://schemas.microsoft.com/office/drawing/2014/main" id="{2B995843-4706-44B8-930E-AEA24EC07536}"/>
+                <a16:creationId xmlns:a16="http://schemas.microsoft.com/office/drawing/2014/main" xmlns="" id="{2B995843-4706-44B8-930E-AEA24EC07536}"/>
               </a:ext>
             </a:extLst>
           </p:cNvPr>
@@ -1744,7 +1756,7 @@
           <p:cNvPr id="6" name="Content Placeholder 5">
             <a:extLst>
               <a:ext uri="{FF2B5EF4-FFF2-40B4-BE49-F238E27FC236}">
-                <a16:creationId xmlns:a16="http://schemas.microsoft.com/office/drawing/2014/main" id="{2C0AC40B-3775-4FAC-991F-2C957046A8ED}"/>
+                <a16:creationId xmlns:a16="http://schemas.microsoft.com/office/drawing/2014/main" xmlns="" id="{2C0AC40B-3775-4FAC-991F-2C957046A8ED}"/>
               </a:ext>
             </a:extLst>
           </p:cNvPr>
@@ -1807,7 +1819,7 @@
           <p:cNvPr id="7" name="Date Placeholder 6">
             <a:extLst>
               <a:ext uri="{FF2B5EF4-FFF2-40B4-BE49-F238E27FC236}">
-                <a16:creationId xmlns:a16="http://schemas.microsoft.com/office/drawing/2014/main" id="{E497593D-EF34-488A-AB8F-1074CE6035AB}"/>
+                <a16:creationId xmlns:a16="http://schemas.microsoft.com/office/drawing/2014/main" xmlns="" id="{E497593D-EF34-488A-AB8F-1074CE6035AB}"/>
               </a:ext>
             </a:extLst>
           </p:cNvPr>
@@ -1825,9 +1837,10 @@
           <a:p>
             <a:fld id="{45E299CC-B24E-4C4C-977B-77A5B3D21CEB}" type="datetimeFigureOut">
               <a:rPr lang="en-SG" smtClean="0"/>
-              <a:t>6/4/2019</a:t>
+              <a:pPr/>
+              <a:t>11/4/2019</a:t>
             </a:fld>
-            <a:endParaRPr lang="en-SG"/>
+            <a:endParaRPr lang="en-SG" dirty="0"/>
           </a:p>
         </p:txBody>
       </p:sp>
@@ -1836,7 +1849,7 @@
           <p:cNvPr id="8" name="Footer Placeholder 7">
             <a:extLst>
               <a:ext uri="{FF2B5EF4-FFF2-40B4-BE49-F238E27FC236}">
-                <a16:creationId xmlns:a16="http://schemas.microsoft.com/office/drawing/2014/main" id="{94C845F4-FD35-4C85-86DE-530173EA5568}"/>
+                <a16:creationId xmlns:a16="http://schemas.microsoft.com/office/drawing/2014/main" xmlns="" id="{94C845F4-FD35-4C85-86DE-530173EA5568}"/>
               </a:ext>
             </a:extLst>
           </p:cNvPr>
@@ -1852,7 +1865,7 @@
           <a:bodyPr/>
           <a:lstStyle/>
           <a:p>
-            <a:endParaRPr lang="en-SG"/>
+            <a:endParaRPr lang="en-SG" dirty="0"/>
           </a:p>
         </p:txBody>
       </p:sp>
@@ -1861,7 +1874,7 @@
           <p:cNvPr id="9" name="Slide Number Placeholder 8">
             <a:extLst>
               <a:ext uri="{FF2B5EF4-FFF2-40B4-BE49-F238E27FC236}">
-                <a16:creationId xmlns:a16="http://schemas.microsoft.com/office/drawing/2014/main" id="{92981AD3-34EB-4D1D-9EA5-957A756667E9}"/>
+                <a16:creationId xmlns:a16="http://schemas.microsoft.com/office/drawing/2014/main" xmlns="" id="{92981AD3-34EB-4D1D-9EA5-957A756667E9}"/>
               </a:ext>
             </a:extLst>
           </p:cNvPr>
@@ -1879,16 +1892,17 @@
           <a:p>
             <a:fld id="{417BF66A-1977-4C9C-9E23-55FCD6A770CB}" type="slidenum">
               <a:rPr lang="en-SG" smtClean="0"/>
+              <a:pPr/>
               <a:t>‹#›</a:t>
             </a:fld>
-            <a:endParaRPr lang="en-SG"/>
+            <a:endParaRPr lang="en-SG" dirty="0"/>
           </a:p>
         </p:txBody>
       </p:sp>
     </p:spTree>
     <p:extLst>
       <p:ext uri="{BB962C8B-B14F-4D97-AF65-F5344CB8AC3E}">
-        <p14:creationId xmlns:p14="http://schemas.microsoft.com/office/powerpoint/2010/main" val="67771103"/>
+        <p14:creationId xmlns:p14="http://schemas.microsoft.com/office/powerpoint/2010/main" xmlns="" val="67771103"/>
       </p:ext>
     </p:extLst>
   </p:cSld>
@@ -1920,7 +1934,7 @@
           <p:cNvPr id="2" name="Title 1">
             <a:extLst>
               <a:ext uri="{FF2B5EF4-FFF2-40B4-BE49-F238E27FC236}">
-                <a16:creationId xmlns:a16="http://schemas.microsoft.com/office/drawing/2014/main" id="{93B155EC-D9C1-48E7-B5E3-538A7888E7FF}"/>
+                <a16:creationId xmlns:a16="http://schemas.microsoft.com/office/drawing/2014/main" xmlns="" id="{93B155EC-D9C1-48E7-B5E3-538A7888E7FF}"/>
               </a:ext>
             </a:extLst>
           </p:cNvPr>
@@ -1949,7 +1963,7 @@
           <p:cNvPr id="3" name="Date Placeholder 2">
             <a:extLst>
               <a:ext uri="{FF2B5EF4-FFF2-40B4-BE49-F238E27FC236}">
-                <a16:creationId xmlns:a16="http://schemas.microsoft.com/office/drawing/2014/main" id="{9FA299F8-135C-4134-B71A-3351C90089C9}"/>
+                <a16:creationId xmlns:a16="http://schemas.microsoft.com/office/drawing/2014/main" xmlns="" id="{9FA299F8-135C-4134-B71A-3351C90089C9}"/>
               </a:ext>
             </a:extLst>
           </p:cNvPr>
@@ -1967,9 +1981,10 @@
           <a:p>
             <a:fld id="{45E299CC-B24E-4C4C-977B-77A5B3D21CEB}" type="datetimeFigureOut">
               <a:rPr lang="en-SG" smtClean="0"/>
-              <a:t>6/4/2019</a:t>
+              <a:pPr/>
+              <a:t>11/4/2019</a:t>
             </a:fld>
-            <a:endParaRPr lang="en-SG"/>
+            <a:endParaRPr lang="en-SG" dirty="0"/>
           </a:p>
         </p:txBody>
       </p:sp>
@@ -1978,7 +1993,7 @@
           <p:cNvPr id="4" name="Footer Placeholder 3">
             <a:extLst>
               <a:ext uri="{FF2B5EF4-FFF2-40B4-BE49-F238E27FC236}">
-                <a16:creationId xmlns:a16="http://schemas.microsoft.com/office/drawing/2014/main" id="{523C1539-6390-4359-A637-FDD44FB97D1B}"/>
+                <a16:creationId xmlns:a16="http://schemas.microsoft.com/office/drawing/2014/main" xmlns="" id="{523C1539-6390-4359-A637-FDD44FB97D1B}"/>
               </a:ext>
             </a:extLst>
           </p:cNvPr>
@@ -1994,7 +2009,7 @@
           <a:bodyPr/>
           <a:lstStyle/>
           <a:p>
-            <a:endParaRPr lang="en-SG"/>
+            <a:endParaRPr lang="en-SG" dirty="0"/>
           </a:p>
         </p:txBody>
       </p:sp>
@@ -2003,7 +2018,7 @@
           <p:cNvPr id="5" name="Slide Number Placeholder 4">
             <a:extLst>
               <a:ext uri="{FF2B5EF4-FFF2-40B4-BE49-F238E27FC236}">
-                <a16:creationId xmlns:a16="http://schemas.microsoft.com/office/drawing/2014/main" id="{53DE7556-5566-4071-9606-45F2341ACDA7}"/>
+                <a16:creationId xmlns:a16="http://schemas.microsoft.com/office/drawing/2014/main" xmlns="" id="{53DE7556-5566-4071-9606-45F2341ACDA7}"/>
               </a:ext>
             </a:extLst>
           </p:cNvPr>
@@ -2021,16 +2036,17 @@
           <a:p>
             <a:fld id="{417BF66A-1977-4C9C-9E23-55FCD6A770CB}" type="slidenum">
               <a:rPr lang="en-SG" smtClean="0"/>
+              <a:pPr/>
               <a:t>‹#›</a:t>
             </a:fld>
-            <a:endParaRPr lang="en-SG"/>
+            <a:endParaRPr lang="en-SG" dirty="0"/>
           </a:p>
         </p:txBody>
       </p:sp>
     </p:spTree>
     <p:extLst>
       <p:ext uri="{BB962C8B-B14F-4D97-AF65-F5344CB8AC3E}">
-        <p14:creationId xmlns:p14="http://schemas.microsoft.com/office/powerpoint/2010/main" val="451135523"/>
+        <p14:creationId xmlns:p14="http://schemas.microsoft.com/office/powerpoint/2010/main" xmlns="" val="451135523"/>
       </p:ext>
     </p:extLst>
   </p:cSld>
@@ -2062,7 +2078,7 @@
           <p:cNvPr id="2" name="Date Placeholder 1">
             <a:extLst>
               <a:ext uri="{FF2B5EF4-FFF2-40B4-BE49-F238E27FC236}">
-                <a16:creationId xmlns:a16="http://schemas.microsoft.com/office/drawing/2014/main" id="{EAE1C86A-E378-4BBE-B257-9978FCB26769}"/>
+                <a16:creationId xmlns:a16="http://schemas.microsoft.com/office/drawing/2014/main" xmlns="" id="{EAE1C86A-E378-4BBE-B257-9978FCB26769}"/>
               </a:ext>
             </a:extLst>
           </p:cNvPr>
@@ -2080,9 +2096,10 @@
           <a:p>
             <a:fld id="{45E299CC-B24E-4C4C-977B-77A5B3D21CEB}" type="datetimeFigureOut">
               <a:rPr lang="en-SG" smtClean="0"/>
-              <a:t>6/4/2019</a:t>
+              <a:pPr/>
+              <a:t>11/4/2019</a:t>
             </a:fld>
-            <a:endParaRPr lang="en-SG"/>
+            <a:endParaRPr lang="en-SG" dirty="0"/>
           </a:p>
         </p:txBody>
       </p:sp>
@@ -2091,7 +2108,7 @@
           <p:cNvPr id="3" name="Footer Placeholder 2">
             <a:extLst>
               <a:ext uri="{FF2B5EF4-FFF2-40B4-BE49-F238E27FC236}">
-                <a16:creationId xmlns:a16="http://schemas.microsoft.com/office/drawing/2014/main" id="{B9473256-F63B-4F9B-A77B-ED5126BB4EB4}"/>
+                <a16:creationId xmlns:a16="http://schemas.microsoft.com/office/drawing/2014/main" xmlns="" id="{B9473256-F63B-4F9B-A77B-ED5126BB4EB4}"/>
               </a:ext>
             </a:extLst>
           </p:cNvPr>
@@ -2107,7 +2124,7 @@
           <a:bodyPr/>
           <a:lstStyle/>
           <a:p>
-            <a:endParaRPr lang="en-SG"/>
+            <a:endParaRPr lang="en-SG" dirty="0"/>
           </a:p>
         </p:txBody>
       </p:sp>
@@ -2116,7 +2133,7 @@
           <p:cNvPr id="4" name="Slide Number Placeholder 3">
             <a:extLst>
               <a:ext uri="{FF2B5EF4-FFF2-40B4-BE49-F238E27FC236}">
-                <a16:creationId xmlns:a16="http://schemas.microsoft.com/office/drawing/2014/main" id="{04D9921A-958F-464F-A567-43FA65C0FAF7}"/>
+                <a16:creationId xmlns:a16="http://schemas.microsoft.com/office/drawing/2014/main" xmlns="" id="{04D9921A-958F-464F-A567-43FA65C0FAF7}"/>
               </a:ext>
             </a:extLst>
           </p:cNvPr>
@@ -2134,16 +2151,17 @@
           <a:p>
             <a:fld id="{417BF66A-1977-4C9C-9E23-55FCD6A770CB}" type="slidenum">
               <a:rPr lang="en-SG" smtClean="0"/>
+              <a:pPr/>
               <a:t>‹#›</a:t>
             </a:fld>
-            <a:endParaRPr lang="en-SG"/>
+            <a:endParaRPr lang="en-SG" dirty="0"/>
           </a:p>
         </p:txBody>
       </p:sp>
     </p:spTree>
     <p:extLst>
       <p:ext uri="{BB962C8B-B14F-4D97-AF65-F5344CB8AC3E}">
-        <p14:creationId xmlns:p14="http://schemas.microsoft.com/office/powerpoint/2010/main" val="3241681854"/>
+        <p14:creationId xmlns:p14="http://schemas.microsoft.com/office/powerpoint/2010/main" xmlns="" val="3241681854"/>
       </p:ext>
     </p:extLst>
   </p:cSld>
@@ -2175,7 +2193,7 @@
           <p:cNvPr id="2" name="Title 1">
             <a:extLst>
               <a:ext uri="{FF2B5EF4-FFF2-40B4-BE49-F238E27FC236}">
-                <a16:creationId xmlns:a16="http://schemas.microsoft.com/office/drawing/2014/main" id="{CB6B154D-5381-4B4D-9B6B-1E95530FCAD6}"/>
+                <a16:creationId xmlns:a16="http://schemas.microsoft.com/office/drawing/2014/main" xmlns="" id="{CB6B154D-5381-4B4D-9B6B-1E95530FCAD6}"/>
               </a:ext>
             </a:extLst>
           </p:cNvPr>
@@ -2213,7 +2231,7 @@
           <p:cNvPr id="3" name="Content Placeholder 2">
             <a:extLst>
               <a:ext uri="{FF2B5EF4-FFF2-40B4-BE49-F238E27FC236}">
-                <a16:creationId xmlns:a16="http://schemas.microsoft.com/office/drawing/2014/main" id="{3F09B105-B152-46E9-9FB2-5C9B83CE9D6E}"/>
+                <a16:creationId xmlns:a16="http://schemas.microsoft.com/office/drawing/2014/main" xmlns="" id="{3F09B105-B152-46E9-9FB2-5C9B83CE9D6E}"/>
               </a:ext>
             </a:extLst>
           </p:cNvPr>
@@ -2304,7 +2322,7 @@
           <p:cNvPr id="4" name="Text Placeholder 3">
             <a:extLst>
               <a:ext uri="{FF2B5EF4-FFF2-40B4-BE49-F238E27FC236}">
-                <a16:creationId xmlns:a16="http://schemas.microsoft.com/office/drawing/2014/main" id="{DA85BB15-1799-450A-8529-74063C84623E}"/>
+                <a16:creationId xmlns:a16="http://schemas.microsoft.com/office/drawing/2014/main" xmlns="" id="{DA85BB15-1799-450A-8529-74063C84623E}"/>
               </a:ext>
             </a:extLst>
           </p:cNvPr>
@@ -2375,7 +2393,7 @@
           <p:cNvPr id="5" name="Date Placeholder 4">
             <a:extLst>
               <a:ext uri="{FF2B5EF4-FFF2-40B4-BE49-F238E27FC236}">
-                <a16:creationId xmlns:a16="http://schemas.microsoft.com/office/drawing/2014/main" id="{DB2DAE36-DC50-4CDA-BEC0-1934883094C2}"/>
+                <a16:creationId xmlns:a16="http://schemas.microsoft.com/office/drawing/2014/main" xmlns="" id="{DB2DAE36-DC50-4CDA-BEC0-1934883094C2}"/>
               </a:ext>
             </a:extLst>
           </p:cNvPr>
@@ -2393,9 +2411,10 @@
           <a:p>
             <a:fld id="{45E299CC-B24E-4C4C-977B-77A5B3D21CEB}" type="datetimeFigureOut">
               <a:rPr lang="en-SG" smtClean="0"/>
-              <a:t>6/4/2019</a:t>
+              <a:pPr/>
+              <a:t>11/4/2019</a:t>
             </a:fld>
-            <a:endParaRPr lang="en-SG"/>
+            <a:endParaRPr lang="en-SG" dirty="0"/>
           </a:p>
         </p:txBody>
       </p:sp>
@@ -2404,7 +2423,7 @@
           <p:cNvPr id="6" name="Footer Placeholder 5">
             <a:extLst>
               <a:ext uri="{FF2B5EF4-FFF2-40B4-BE49-F238E27FC236}">
-                <a16:creationId xmlns:a16="http://schemas.microsoft.com/office/drawing/2014/main" id="{835E4EC2-24D8-449D-8EDE-85808532534C}"/>
+                <a16:creationId xmlns:a16="http://schemas.microsoft.com/office/drawing/2014/main" xmlns="" id="{835E4EC2-24D8-449D-8EDE-85808532534C}"/>
               </a:ext>
             </a:extLst>
           </p:cNvPr>
@@ -2420,7 +2439,7 @@
           <a:bodyPr/>
           <a:lstStyle/>
           <a:p>
-            <a:endParaRPr lang="en-SG"/>
+            <a:endParaRPr lang="en-SG" dirty="0"/>
           </a:p>
         </p:txBody>
       </p:sp>
@@ -2429,7 +2448,7 @@
           <p:cNvPr id="7" name="Slide Number Placeholder 6">
             <a:extLst>
               <a:ext uri="{FF2B5EF4-FFF2-40B4-BE49-F238E27FC236}">
-                <a16:creationId xmlns:a16="http://schemas.microsoft.com/office/drawing/2014/main" id="{F845E54A-1E7C-41FF-A29C-1DB490F2B8A6}"/>
+                <a16:creationId xmlns:a16="http://schemas.microsoft.com/office/drawing/2014/main" xmlns="" id="{F845E54A-1E7C-41FF-A29C-1DB490F2B8A6}"/>
               </a:ext>
             </a:extLst>
           </p:cNvPr>
@@ -2447,16 +2466,17 @@
           <a:p>
             <a:fld id="{417BF66A-1977-4C9C-9E23-55FCD6A770CB}" type="slidenum">
               <a:rPr lang="en-SG" smtClean="0"/>
+              <a:pPr/>
               <a:t>‹#›</a:t>
             </a:fld>
-            <a:endParaRPr lang="en-SG"/>
+            <a:endParaRPr lang="en-SG" dirty="0"/>
           </a:p>
         </p:txBody>
       </p:sp>
     </p:spTree>
     <p:extLst>
       <p:ext uri="{BB962C8B-B14F-4D97-AF65-F5344CB8AC3E}">
-        <p14:creationId xmlns:p14="http://schemas.microsoft.com/office/powerpoint/2010/main" val="848554236"/>
+        <p14:creationId xmlns:p14="http://schemas.microsoft.com/office/powerpoint/2010/main" xmlns="" val="848554236"/>
       </p:ext>
     </p:extLst>
   </p:cSld>
@@ -2488,7 +2508,7 @@
           <p:cNvPr id="2" name="Title 1">
             <a:extLst>
               <a:ext uri="{FF2B5EF4-FFF2-40B4-BE49-F238E27FC236}">
-                <a16:creationId xmlns:a16="http://schemas.microsoft.com/office/drawing/2014/main" id="{28FD91E2-27F7-48DF-B49E-4DA666F6CD1F}"/>
+                <a16:creationId xmlns:a16="http://schemas.microsoft.com/office/drawing/2014/main" xmlns="" id="{28FD91E2-27F7-48DF-B49E-4DA666F6CD1F}"/>
               </a:ext>
             </a:extLst>
           </p:cNvPr>
@@ -2526,7 +2546,7 @@
           <p:cNvPr id="3" name="Picture Placeholder 2">
             <a:extLst>
               <a:ext uri="{FF2B5EF4-FFF2-40B4-BE49-F238E27FC236}">
-                <a16:creationId xmlns:a16="http://schemas.microsoft.com/office/drawing/2014/main" id="{14D30C0F-C165-4081-84D0-640DC3E35FAA}"/>
+                <a16:creationId xmlns:a16="http://schemas.microsoft.com/office/drawing/2014/main" xmlns="" id="{14D30C0F-C165-4081-84D0-640DC3E35FAA}"/>
               </a:ext>
             </a:extLst>
           </p:cNvPr>
@@ -2584,7 +2604,7 @@
             </a:lvl9pPr>
           </a:lstStyle>
           <a:p>
-            <a:endParaRPr lang="en-SG"/>
+            <a:endParaRPr lang="en-SG" dirty="0"/>
           </a:p>
         </p:txBody>
       </p:sp>
@@ -2593,7 +2613,7 @@
           <p:cNvPr id="4" name="Text Placeholder 3">
             <a:extLst>
               <a:ext uri="{FF2B5EF4-FFF2-40B4-BE49-F238E27FC236}">
-                <a16:creationId xmlns:a16="http://schemas.microsoft.com/office/drawing/2014/main" id="{D9A5450C-FA28-42F6-80CD-95A38E3ED273}"/>
+                <a16:creationId xmlns:a16="http://schemas.microsoft.com/office/drawing/2014/main" xmlns="" id="{D9A5450C-FA28-42F6-80CD-95A38E3ED273}"/>
               </a:ext>
             </a:extLst>
           </p:cNvPr>
@@ -2664,7 +2684,7 @@
           <p:cNvPr id="5" name="Date Placeholder 4">
             <a:extLst>
               <a:ext uri="{FF2B5EF4-FFF2-40B4-BE49-F238E27FC236}">
-                <a16:creationId xmlns:a16="http://schemas.microsoft.com/office/drawing/2014/main" id="{A9C5B96D-1259-419C-83D1-8D0DBB8FD341}"/>
+                <a16:creationId xmlns:a16="http://schemas.microsoft.com/office/drawing/2014/main" xmlns="" id="{A9C5B96D-1259-419C-83D1-8D0DBB8FD341}"/>
               </a:ext>
             </a:extLst>
           </p:cNvPr>
@@ -2682,9 +2702,10 @@
           <a:p>
             <a:fld id="{45E299CC-B24E-4C4C-977B-77A5B3D21CEB}" type="datetimeFigureOut">
               <a:rPr lang="en-SG" smtClean="0"/>
-              <a:t>6/4/2019</a:t>
+              <a:pPr/>
+              <a:t>11/4/2019</a:t>
             </a:fld>
-            <a:endParaRPr lang="en-SG"/>
+            <a:endParaRPr lang="en-SG" dirty="0"/>
           </a:p>
         </p:txBody>
       </p:sp>
@@ -2693,7 +2714,7 @@
           <p:cNvPr id="6" name="Footer Placeholder 5">
             <a:extLst>
               <a:ext uri="{FF2B5EF4-FFF2-40B4-BE49-F238E27FC236}">
-                <a16:creationId xmlns:a16="http://schemas.microsoft.com/office/drawing/2014/main" id="{C135D0C5-3170-46BC-888D-6575081F043C}"/>
+                <a16:creationId xmlns:a16="http://schemas.microsoft.com/office/drawing/2014/main" xmlns="" id="{C135D0C5-3170-46BC-888D-6575081F043C}"/>
               </a:ext>
             </a:extLst>
           </p:cNvPr>
@@ -2709,7 +2730,7 @@
           <a:bodyPr/>
           <a:lstStyle/>
           <a:p>
-            <a:endParaRPr lang="en-SG"/>
+            <a:endParaRPr lang="en-SG" dirty="0"/>
           </a:p>
         </p:txBody>
       </p:sp>
@@ -2718,7 +2739,7 @@
           <p:cNvPr id="7" name="Slide Number Placeholder 6">
             <a:extLst>
               <a:ext uri="{FF2B5EF4-FFF2-40B4-BE49-F238E27FC236}">
-                <a16:creationId xmlns:a16="http://schemas.microsoft.com/office/drawing/2014/main" id="{BC8AD96A-BFEA-460E-90D9-921DB33CB2CA}"/>
+                <a16:creationId xmlns:a16="http://schemas.microsoft.com/office/drawing/2014/main" xmlns="" id="{BC8AD96A-BFEA-460E-90D9-921DB33CB2CA}"/>
               </a:ext>
             </a:extLst>
           </p:cNvPr>
@@ -2736,16 +2757,17 @@
           <a:p>
             <a:fld id="{417BF66A-1977-4C9C-9E23-55FCD6A770CB}" type="slidenum">
               <a:rPr lang="en-SG" smtClean="0"/>
+              <a:pPr/>
               <a:t>‹#›</a:t>
             </a:fld>
-            <a:endParaRPr lang="en-SG"/>
+            <a:endParaRPr lang="en-SG" dirty="0"/>
           </a:p>
         </p:txBody>
       </p:sp>
     </p:spTree>
     <p:extLst>
       <p:ext uri="{BB962C8B-B14F-4D97-AF65-F5344CB8AC3E}">
-        <p14:creationId xmlns:p14="http://schemas.microsoft.com/office/powerpoint/2010/main" val="3513491808"/>
+        <p14:creationId xmlns:p14="http://schemas.microsoft.com/office/powerpoint/2010/main" xmlns="" val="3513491808"/>
       </p:ext>
     </p:extLst>
   </p:cSld>
@@ -2782,7 +2804,7 @@
           <p:cNvPr id="2" name="Title Placeholder 1">
             <a:extLst>
               <a:ext uri="{FF2B5EF4-FFF2-40B4-BE49-F238E27FC236}">
-                <a16:creationId xmlns:a16="http://schemas.microsoft.com/office/drawing/2014/main" id="{030549FF-569A-4414-9799-428281B5270A}"/>
+                <a16:creationId xmlns:a16="http://schemas.microsoft.com/office/drawing/2014/main" xmlns="" id="{030549FF-569A-4414-9799-428281B5270A}"/>
               </a:ext>
             </a:extLst>
           </p:cNvPr>
@@ -2821,7 +2843,7 @@
           <p:cNvPr id="3" name="Text Placeholder 2">
             <a:extLst>
               <a:ext uri="{FF2B5EF4-FFF2-40B4-BE49-F238E27FC236}">
-                <a16:creationId xmlns:a16="http://schemas.microsoft.com/office/drawing/2014/main" id="{893B069A-D9E5-4801-BC00-78285710CD77}"/>
+                <a16:creationId xmlns:a16="http://schemas.microsoft.com/office/drawing/2014/main" xmlns="" id="{893B069A-D9E5-4801-BC00-78285710CD77}"/>
               </a:ext>
             </a:extLst>
           </p:cNvPr>
@@ -2889,7 +2911,7 @@
           <p:cNvPr id="4" name="Date Placeholder 3">
             <a:extLst>
               <a:ext uri="{FF2B5EF4-FFF2-40B4-BE49-F238E27FC236}">
-                <a16:creationId xmlns:a16="http://schemas.microsoft.com/office/drawing/2014/main" id="{4F10679A-A4CE-44EC-A197-C96B17348254}"/>
+                <a16:creationId xmlns:a16="http://schemas.microsoft.com/office/drawing/2014/main" xmlns="" id="{4F10679A-A4CE-44EC-A197-C96B17348254}"/>
               </a:ext>
             </a:extLst>
           </p:cNvPr>
@@ -2925,9 +2947,10 @@
           <a:p>
             <a:fld id="{45E299CC-B24E-4C4C-977B-77A5B3D21CEB}" type="datetimeFigureOut">
               <a:rPr lang="en-SG" smtClean="0"/>
-              <a:t>6/4/2019</a:t>
+              <a:pPr/>
+              <a:t>11/4/2019</a:t>
             </a:fld>
-            <a:endParaRPr lang="en-SG"/>
+            <a:endParaRPr lang="en-SG" dirty="0"/>
           </a:p>
         </p:txBody>
       </p:sp>
@@ -2936,7 +2959,7 @@
           <p:cNvPr id="5" name="Footer Placeholder 4">
             <a:extLst>
               <a:ext uri="{FF2B5EF4-FFF2-40B4-BE49-F238E27FC236}">
-                <a16:creationId xmlns:a16="http://schemas.microsoft.com/office/drawing/2014/main" id="{02AC525D-289E-4D06-B39F-7FD44A185C09}"/>
+                <a16:creationId xmlns:a16="http://schemas.microsoft.com/office/drawing/2014/main" xmlns="" id="{02AC525D-289E-4D06-B39F-7FD44A185C09}"/>
               </a:ext>
             </a:extLst>
           </p:cNvPr>
@@ -2970,7 +2993,7 @@
             </a:lvl1pPr>
           </a:lstStyle>
           <a:p>
-            <a:endParaRPr lang="en-SG"/>
+            <a:endParaRPr lang="en-SG" dirty="0"/>
           </a:p>
         </p:txBody>
       </p:sp>
@@ -2979,7 +3002,7 @@
           <p:cNvPr id="6" name="Slide Number Placeholder 5">
             <a:extLst>
               <a:ext uri="{FF2B5EF4-FFF2-40B4-BE49-F238E27FC236}">
-                <a16:creationId xmlns:a16="http://schemas.microsoft.com/office/drawing/2014/main" id="{8802C0D6-942D-497C-8C71-7EA2E68322DB}"/>
+                <a16:creationId xmlns:a16="http://schemas.microsoft.com/office/drawing/2014/main" xmlns="" id="{8802C0D6-942D-497C-8C71-7EA2E68322DB}"/>
               </a:ext>
             </a:extLst>
           </p:cNvPr>
@@ -3015,16 +3038,17 @@
           <a:p>
             <a:fld id="{417BF66A-1977-4C9C-9E23-55FCD6A770CB}" type="slidenum">
               <a:rPr lang="en-SG" smtClean="0"/>
+              <a:pPr/>
               <a:t>‹#›</a:t>
             </a:fld>
-            <a:endParaRPr lang="en-SG"/>
+            <a:endParaRPr lang="en-SG" dirty="0"/>
           </a:p>
         </p:txBody>
       </p:sp>
     </p:spTree>
     <p:extLst>
       <p:ext uri="{BB962C8B-B14F-4D97-AF65-F5344CB8AC3E}">
-        <p14:creationId xmlns:p14="http://schemas.microsoft.com/office/powerpoint/2010/main" val="2993723544"/>
+        <p14:creationId xmlns:p14="http://schemas.microsoft.com/office/powerpoint/2010/main" xmlns="" val="2993723544"/>
       </p:ext>
     </p:extLst>
   </p:cSld>
@@ -3347,7 +3371,7 @@
           <p:cNvPr id="5" name="Rectangle 65">
             <a:extLst>
               <a:ext uri="{FF2B5EF4-FFF2-40B4-BE49-F238E27FC236}">
-                <a16:creationId xmlns:a16="http://schemas.microsoft.com/office/drawing/2014/main" id="{8E3C357E-ABB5-41A9-A5C1-69A02DC38604}"/>
+                <a16:creationId xmlns:a16="http://schemas.microsoft.com/office/drawing/2014/main" xmlns="" id="{8E3C357E-ABB5-41A9-A5C1-69A02DC38604}"/>
               </a:ext>
             </a:extLst>
           </p:cNvPr>
@@ -3394,16 +3418,6 @@
           <a:lstStyle/>
           <a:p>
             <a:r>
-              <a:rPr lang="en-US" sz="1200" b="1" dirty="0" err="1">
-                <a:solidFill>
-                  <a:schemeClr val="accent6">
-                    <a:lumMod val="75000"/>
-                  </a:schemeClr>
-                </a:solidFill>
-              </a:rPr>
-              <a:t>ModuleInfo</a:t>
-            </a:r>
-            <a:r>
               <a:rPr lang="en-US" sz="1200" b="1" dirty="0">
                 <a:solidFill>
                   <a:schemeClr val="accent6">
@@ -3411,7 +3425,7 @@
                   </a:schemeClr>
                 </a:solidFill>
               </a:rPr>
-              <a:t> Storage</a:t>
+              <a:t>ModuleInfo Storage</a:t>
             </a:r>
             <a:endParaRPr lang="en-SG" sz="1200" b="1" dirty="0">
               <a:solidFill>
@@ -3428,7 +3442,7 @@
           <p:cNvPr id="6" name="Rectangle 8">
             <a:extLst>
               <a:ext uri="{FF2B5EF4-FFF2-40B4-BE49-F238E27FC236}">
-                <a16:creationId xmlns:a16="http://schemas.microsoft.com/office/drawing/2014/main" id="{73EA49FA-4779-420D-8C5C-EE180E5D79D0}"/>
+                <a16:creationId xmlns:a16="http://schemas.microsoft.com/office/drawing/2014/main" xmlns="" id="{73EA49FA-4779-420D-8C5C-EE180E5D79D0}"/>
               </a:ext>
             </a:extLst>
           </p:cNvPr>
@@ -3492,7 +3506,7 @@
               </a:rPr>
             </a:br>
             <a:r>
-              <a:rPr lang="en-US" sz="1050" dirty="0" err="1">
+              <a:rPr lang="en-US" sz="1050" dirty="0">
                 <a:solidFill>
                   <a:schemeClr val="bg1"/>
                 </a:solidFill>
@@ -3512,7 +3526,7 @@
           <p:cNvPr id="7" name="Rectangle 62">
             <a:extLst>
               <a:ext uri="{FF2B5EF4-FFF2-40B4-BE49-F238E27FC236}">
-                <a16:creationId xmlns:a16="http://schemas.microsoft.com/office/drawing/2014/main" id="{89FAEFCA-D8A2-4BAE-9465-E32A8C6F0E7B}"/>
+                <a16:creationId xmlns:a16="http://schemas.microsoft.com/office/drawing/2014/main" xmlns="" id="{89FAEFCA-D8A2-4BAE-9465-E32A8C6F0E7B}"/>
               </a:ext>
             </a:extLst>
           </p:cNvPr>
@@ -3561,7 +3575,7 @@
           <a:p>
             <a:pPr algn="ctr"/>
             <a:r>
-              <a:rPr lang="en-US" sz="1050" dirty="0" err="1">
+              <a:rPr lang="en-US" sz="1050" dirty="0">
                 <a:solidFill>
                   <a:schemeClr val="bg1"/>
                 </a:solidFill>
@@ -3581,7 +3595,7 @@
           <p:cNvPr id="8" name="Rectangle 62">
             <a:extLst>
               <a:ext uri="{FF2B5EF4-FFF2-40B4-BE49-F238E27FC236}">
-                <a16:creationId xmlns:a16="http://schemas.microsoft.com/office/drawing/2014/main" id="{196BBDA1-90BC-471E-9E66-AF5E2130C384}"/>
+                <a16:creationId xmlns:a16="http://schemas.microsoft.com/office/drawing/2014/main" xmlns="" id="{196BBDA1-90BC-471E-9E66-AF5E2130C384}"/>
               </a:ext>
             </a:extLst>
           </p:cNvPr>
@@ -3641,7 +3655,7 @@
           <a:p>
             <a:pPr algn="ctr"/>
             <a:r>
-              <a:rPr lang="en-US" sz="1050" dirty="0" err="1">
+              <a:rPr lang="en-US" sz="1050" dirty="0">
                 <a:solidFill>
                   <a:schemeClr val="bg1"/>
                 </a:solidFill>
@@ -3661,7 +3675,7 @@
           <p:cNvPr id="9" name="Isosceles Triangle 102">
             <a:extLst>
               <a:ext uri="{FF2B5EF4-FFF2-40B4-BE49-F238E27FC236}">
-                <a16:creationId xmlns:a16="http://schemas.microsoft.com/office/drawing/2014/main" id="{89C120DC-1306-4ECC-9BF3-5683387CAC2E}"/>
+                <a16:creationId xmlns:a16="http://schemas.microsoft.com/office/drawing/2014/main" xmlns="" id="{89C120DC-1306-4ECC-9BF3-5683387CAC2E}"/>
               </a:ext>
             </a:extLst>
           </p:cNvPr>
@@ -3709,7 +3723,7 @@
           <a:lstStyle/>
           <a:p>
             <a:pPr algn="ctr"/>
-            <a:endParaRPr lang="en-SG" sz="1050">
+            <a:endParaRPr lang="en-SG" sz="1050" dirty="0">
               <a:solidFill>
                 <a:schemeClr val="bg1"/>
               </a:solidFill>
@@ -3722,7 +3736,7 @@
           <p:cNvPr id="10" name="Straight Arrow Connector 9">
             <a:extLst>
               <a:ext uri="{FF2B5EF4-FFF2-40B4-BE49-F238E27FC236}">
-                <a16:creationId xmlns:a16="http://schemas.microsoft.com/office/drawing/2014/main" id="{C5047962-D635-4CCF-960C-774A175EDC0D}"/>
+                <a16:creationId xmlns:a16="http://schemas.microsoft.com/office/drawing/2014/main" xmlns="" id="{C5047962-D635-4CCF-960C-774A175EDC0D}"/>
               </a:ext>
             </a:extLst>
           </p:cNvPr>
@@ -3771,7 +3785,7 @@
           <p:cNvPr id="11" name="Elbow Connector 122">
             <a:extLst>
               <a:ext uri="{FF2B5EF4-FFF2-40B4-BE49-F238E27FC236}">
-                <a16:creationId xmlns:a16="http://schemas.microsoft.com/office/drawing/2014/main" id="{CE8DF955-1F71-4B34-B4E7-21541E34F173}"/>
+                <a16:creationId xmlns:a16="http://schemas.microsoft.com/office/drawing/2014/main" xmlns="" id="{CE8DF955-1F71-4B34-B4E7-21541E34F173}"/>
               </a:ext>
             </a:extLst>
           </p:cNvPr>
@@ -3820,7 +3834,7 @@
           <p:cNvPr id="12" name="Straight Connector 11">
             <a:extLst>
               <a:ext uri="{FF2B5EF4-FFF2-40B4-BE49-F238E27FC236}">
-                <a16:creationId xmlns:a16="http://schemas.microsoft.com/office/drawing/2014/main" id="{50D4C326-2E1D-4E48-B2BF-4A79B3764A69}"/>
+                <a16:creationId xmlns:a16="http://schemas.microsoft.com/office/drawing/2014/main" xmlns="" id="{50D4C326-2E1D-4E48-B2BF-4A79B3764A69}"/>
               </a:ext>
             </a:extLst>
           </p:cNvPr>
@@ -3869,7 +3883,7 @@
           <p:cNvPr id="13" name="Flowchart: Decision 96">
             <a:extLst>
               <a:ext uri="{FF2B5EF4-FFF2-40B4-BE49-F238E27FC236}">
-                <a16:creationId xmlns:a16="http://schemas.microsoft.com/office/drawing/2014/main" id="{7C3FF855-EC78-4D5F-8474-B26B4566D6D2}"/>
+                <a16:creationId xmlns:a16="http://schemas.microsoft.com/office/drawing/2014/main" xmlns="" id="{7C3FF855-EC78-4D5F-8474-B26B4566D6D2}"/>
               </a:ext>
             </a:extLst>
           </p:cNvPr>
@@ -3913,7 +3927,7 @@
           <a:lstStyle/>
           <a:p>
             <a:pPr algn="ctr"/>
-            <a:endParaRPr lang="en-US" sz="1050">
+            <a:endParaRPr lang="en-US" sz="1050" dirty="0">
               <a:solidFill>
                 <a:schemeClr val="bg1"/>
               </a:solidFill>
@@ -3926,7 +3940,7 @@
           <p:cNvPr id="14" name="Elbow Connector 63">
             <a:extLst>
               <a:ext uri="{FF2B5EF4-FFF2-40B4-BE49-F238E27FC236}">
-                <a16:creationId xmlns:a16="http://schemas.microsoft.com/office/drawing/2014/main" id="{62F90075-15A2-4431-AC19-EB38E0E2218F}"/>
+                <a16:creationId xmlns:a16="http://schemas.microsoft.com/office/drawing/2014/main" xmlns="" id="{62F90075-15A2-4431-AC19-EB38E0E2218F}"/>
               </a:ext>
             </a:extLst>
           </p:cNvPr>
@@ -3978,7 +3992,7 @@
           <p:cNvPr id="15" name="Isosceles Triangle 102">
             <a:extLst>
               <a:ext uri="{FF2B5EF4-FFF2-40B4-BE49-F238E27FC236}">
-                <a16:creationId xmlns:a16="http://schemas.microsoft.com/office/drawing/2014/main" id="{C6DB5BE7-00B3-4309-9989-CC54E9523125}"/>
+                <a16:creationId xmlns:a16="http://schemas.microsoft.com/office/drawing/2014/main" xmlns="" id="{C6DB5BE7-00B3-4309-9989-CC54E9523125}"/>
               </a:ext>
             </a:extLst>
           </p:cNvPr>
@@ -4026,7 +4040,7 @@
           <a:lstStyle/>
           <a:p>
             <a:pPr algn="ctr"/>
-            <a:endParaRPr lang="en-SG" sz="1050">
+            <a:endParaRPr lang="en-SG" sz="1050" dirty="0">
               <a:solidFill>
                 <a:schemeClr val="bg1"/>
               </a:solidFill>
@@ -4039,7 +4053,7 @@
           <p:cNvPr id="16" name="Elbow Connector 122">
             <a:extLst>
               <a:ext uri="{FF2B5EF4-FFF2-40B4-BE49-F238E27FC236}">
-                <a16:creationId xmlns:a16="http://schemas.microsoft.com/office/drawing/2014/main" id="{1A5EBAA3-4935-4D7A-963D-D7A0DC4A1790}"/>
+                <a16:creationId xmlns:a16="http://schemas.microsoft.com/office/drawing/2014/main" xmlns="" id="{1A5EBAA3-4935-4D7A-963D-D7A0DC4A1790}"/>
               </a:ext>
             </a:extLst>
           </p:cNvPr>
@@ -4091,7 +4105,7 @@
           <p:cNvPr id="17" name="Rectangle 8">
             <a:extLst>
               <a:ext uri="{FF2B5EF4-FFF2-40B4-BE49-F238E27FC236}">
-                <a16:creationId xmlns:a16="http://schemas.microsoft.com/office/drawing/2014/main" id="{BBDC8D3D-AD41-43EE-8084-774283A0A20F}"/>
+                <a16:creationId xmlns:a16="http://schemas.microsoft.com/office/drawing/2014/main" xmlns="" id="{BBDC8D3D-AD41-43EE-8084-774283A0A20F}"/>
               </a:ext>
             </a:extLst>
           </p:cNvPr>
@@ -4129,7 +4143,7 @@
           <a:p>
             <a:pPr algn="ctr"/>
             <a:r>
-              <a:rPr lang="en-US" sz="1050" b="1" dirty="0" err="1">
+              <a:rPr lang="en-US" sz="1050" b="1" dirty="0">
                 <a:solidFill>
                   <a:schemeClr val="accent6">
                     <a:lumMod val="75000"/>
@@ -4172,7 +4186,7 @@
           <p:cNvPr id="24" name="Rectangle 8">
             <a:extLst>
               <a:ext uri="{FF2B5EF4-FFF2-40B4-BE49-F238E27FC236}">
-                <a16:creationId xmlns:a16="http://schemas.microsoft.com/office/drawing/2014/main" id="{35B69C66-C857-4D8B-9B4B-058607D5DEC1}"/>
+                <a16:creationId xmlns:a16="http://schemas.microsoft.com/office/drawing/2014/main" xmlns="" id="{35B69C66-C857-4D8B-9B4B-058607D5DEC1}"/>
               </a:ext>
             </a:extLst>
           </p:cNvPr>
@@ -4210,7 +4224,7 @@
           <a:p>
             <a:pPr algn="ctr"/>
             <a:r>
-              <a:rPr lang="en-US" sz="1050" b="1" dirty="0" err="1">
+              <a:rPr lang="en-US" sz="1050" b="1" dirty="0">
                 <a:solidFill>
                   <a:schemeClr val="accent6">
                     <a:lumMod val="75000"/>
@@ -4229,7 +4243,7 @@
               </a:rPr>
             </a:br>
             <a:r>
-              <a:rPr lang="en-US" sz="1050" b="1" dirty="0" err="1">
+              <a:rPr lang="en-US" sz="1050" b="1" dirty="0">
                 <a:solidFill>
                   <a:schemeClr val="accent6">
                     <a:lumMod val="75000"/>
@@ -4253,7 +4267,7 @@
           <p:cNvPr id="27" name="Rectangle 8">
             <a:extLst>
               <a:ext uri="{FF2B5EF4-FFF2-40B4-BE49-F238E27FC236}">
-                <a16:creationId xmlns:a16="http://schemas.microsoft.com/office/drawing/2014/main" id="{74AE5BF5-DA18-4BF5-96BE-F42DFE3E455C}"/>
+                <a16:creationId xmlns:a16="http://schemas.microsoft.com/office/drawing/2014/main" xmlns="" id="{74AE5BF5-DA18-4BF5-96BE-F42DFE3E455C}"/>
               </a:ext>
             </a:extLst>
           </p:cNvPr>
@@ -4291,14 +4305,27 @@
           <a:p>
             <a:pPr algn="ctr"/>
             <a:r>
-              <a:rPr lang="en-US" sz="1030" b="1" dirty="0" err="1">
+              <a:rPr lang="en-US" sz="1030" b="1" dirty="0" smtClean="0">
                 <a:solidFill>
                   <a:schemeClr val="accent6">
                     <a:lumMod val="75000"/>
                   </a:schemeClr>
                 </a:solidFill>
               </a:rPr>
-              <a:t>JsonAdaptedModuleInfo</a:t>
+              <a:t>JsonAdapted</a:t>
+            </a:r>
+          </a:p>
+          <a:p>
+            <a:pPr algn="ctr"/>
+            <a:r>
+              <a:rPr lang="en-US" sz="1030" b="1" dirty="0" smtClean="0">
+                <a:solidFill>
+                  <a:schemeClr val="accent6">
+                    <a:lumMod val="75000"/>
+                  </a:schemeClr>
+                </a:solidFill>
+              </a:rPr>
+              <a:t>ModuleInfo</a:t>
             </a:r>
             <a:endParaRPr lang="en-SG" sz="1030" b="1" dirty="0">
               <a:solidFill>
@@ -4315,7 +4342,7 @@
           <p:cNvPr id="28" name="Elbow Connector 122">
             <a:extLst>
               <a:ext uri="{FF2B5EF4-FFF2-40B4-BE49-F238E27FC236}">
-                <a16:creationId xmlns:a16="http://schemas.microsoft.com/office/drawing/2014/main" id="{A80466DF-9A8C-4296-A612-F392652DC6CD}"/>
+                <a16:creationId xmlns:a16="http://schemas.microsoft.com/office/drawing/2014/main" xmlns="" id="{A80466DF-9A8C-4296-A612-F392652DC6CD}"/>
               </a:ext>
             </a:extLst>
           </p:cNvPr>
@@ -4360,7 +4387,7 @@
     </p:spTree>
     <p:extLst>
       <p:ext uri="{BB962C8B-B14F-4D97-AF65-F5344CB8AC3E}">
-        <p14:creationId xmlns:p14="http://schemas.microsoft.com/office/powerpoint/2010/main" val="3895757043"/>
+        <p14:creationId xmlns:p14="http://schemas.microsoft.com/office/powerpoint/2010/main" xmlns="" val="3895757043"/>
       </p:ext>
     </p:extLst>
   </p:cSld>
@@ -4413,7 +4440,7 @@
     </a:clrScheme>
     <a:fontScheme name="Office">
       <a:majorFont>
-        <a:latin typeface="Calibri Light" panose="020F0302020204030204"/>
+        <a:latin typeface="Calibri Light"/>
         <a:ea typeface=""/>
         <a:cs typeface=""/>
         <a:font script="Jpan" typeface="游ゴシック Light"/>
@@ -4465,7 +4492,7 @@
         <a:font script="Tfng" typeface="Ebrima"/>
       </a:majorFont>
       <a:minorFont>
-        <a:latin typeface="Calibri" panose="020F0502020204030204"/>
+        <a:latin typeface="Calibri"/>
         <a:ea typeface=""/>
         <a:cs typeface=""/>
         <a:font script="Jpan" typeface="游ゴシック"/>
@@ -4659,7 +4686,7 @@
   <a:extraClrSchemeLst/>
   <a:extLst>
     <a:ext uri="{05A4C25C-085E-4340-85A3-A5531E510DB2}">
-      <thm15:themeFamily xmlns:thm15="http://schemas.microsoft.com/office/thememl/2012/main" name="Office Theme" id="{62F939B6-93AF-4DB8-9C6B-D6C7DFDC589F}" vid="{4A3C46E8-61CC-4603-A589-7422A47A8E4A}"/>
+      <thm15:themeFamily xmlns:thm15="http://schemas.microsoft.com/office/thememl/2012/main" xmlns="" name="Office Theme" id="{62F939B6-93AF-4DB8-9C6B-D6C7DFDC589F}" vid="{4A3C46E8-61CC-4603-A589-7422A47A8E4A}"/>
     </a:ext>
   </a:extLst>
 </a:theme>

--- a/docs/diagrams/ModuleInfoStorage.pptx
+++ b/docs/diagrams/ModuleInfoStorage.pptx
@@ -6,6 +6,7 @@
   </p:sldMasterIdLst>
   <p:sldIdLst>
     <p:sldId id="256" r:id="rId2"/>
+    <p:sldId id="257" r:id="rId3"/>
   </p:sldIdLst>
   <p:sldSz cx="12192000" cy="6858000"/>
   <p:notesSz cx="6858000" cy="9144000"/>
@@ -104,6 +105,22 @@
       </a:defRPr>
     </a:lvl9pPr>
   </p:defaultTextStyle>
+  <p:extLst>
+    <p:ext uri="{EFAFB233-063F-42B5-8137-9DF3F51BA10A}">
+      <p15:sldGuideLst xmlns:p15="http://schemas.microsoft.com/office/powerpoint/2012/main">
+        <p15:guide id="1" orient="horz" pos="2160">
+          <p15:clr>
+            <a:srgbClr val="A4A3A4"/>
+          </p15:clr>
+        </p15:guide>
+        <p15:guide id="2" pos="3840">
+          <p15:clr>
+            <a:srgbClr val="A4A3A4"/>
+          </p15:clr>
+        </p15:guide>
+      </p15:sldGuideLst>
+    </p:ext>
+  </p:extLst>
 </p:presentation>
 </file>
 
@@ -129,7 +146,7 @@
           <p:cNvPr id="2" name="Title 1">
             <a:extLst>
               <a:ext uri="{FF2B5EF4-FFF2-40B4-BE49-F238E27FC236}">
-                <a16:creationId xmlns:a16="http://schemas.microsoft.com/office/drawing/2014/main" xmlns="" id="{46F23A1B-4E55-48BE-BBEA-F953392966CB}"/>
+                <a16:creationId xmlns:a16="http://schemas.microsoft.com/office/drawing/2014/main" id="{46F23A1B-4E55-48BE-BBEA-F953392966CB}"/>
               </a:ext>
             </a:extLst>
           </p:cNvPr>
@@ -167,7 +184,7 @@
           <p:cNvPr id="3" name="Subtitle 2">
             <a:extLst>
               <a:ext uri="{FF2B5EF4-FFF2-40B4-BE49-F238E27FC236}">
-                <a16:creationId xmlns:a16="http://schemas.microsoft.com/office/drawing/2014/main" xmlns="" id="{71333CF8-28C9-49F0-8BBC-3160A7A7C1D9}"/>
+                <a16:creationId xmlns:a16="http://schemas.microsoft.com/office/drawing/2014/main" id="{71333CF8-28C9-49F0-8BBC-3160A7A7C1D9}"/>
               </a:ext>
             </a:extLst>
           </p:cNvPr>
@@ -238,7 +255,7 @@
           <p:cNvPr id="4" name="Date Placeholder 3">
             <a:extLst>
               <a:ext uri="{FF2B5EF4-FFF2-40B4-BE49-F238E27FC236}">
-                <a16:creationId xmlns:a16="http://schemas.microsoft.com/office/drawing/2014/main" xmlns="" id="{1379E62B-C5C6-491E-8FEB-8A59A05E6872}"/>
+                <a16:creationId xmlns:a16="http://schemas.microsoft.com/office/drawing/2014/main" id="{1379E62B-C5C6-491E-8FEB-8A59A05E6872}"/>
               </a:ext>
             </a:extLst>
           </p:cNvPr>
@@ -257,7 +274,7 @@
             <a:fld id="{45E299CC-B24E-4C4C-977B-77A5B3D21CEB}" type="datetimeFigureOut">
               <a:rPr lang="en-SG" smtClean="0"/>
               <a:pPr/>
-              <a:t>11/4/2019</a:t>
+              <a:t>13/4/2019</a:t>
             </a:fld>
             <a:endParaRPr lang="en-SG" dirty="0"/>
           </a:p>
@@ -268,7 +285,7 @@
           <p:cNvPr id="5" name="Footer Placeholder 4">
             <a:extLst>
               <a:ext uri="{FF2B5EF4-FFF2-40B4-BE49-F238E27FC236}">
-                <a16:creationId xmlns:a16="http://schemas.microsoft.com/office/drawing/2014/main" xmlns="" id="{4A7D1912-1F37-4814-AF54-D597C0082E52}"/>
+                <a16:creationId xmlns:a16="http://schemas.microsoft.com/office/drawing/2014/main" id="{4A7D1912-1F37-4814-AF54-D597C0082E52}"/>
               </a:ext>
             </a:extLst>
           </p:cNvPr>
@@ -293,7 +310,7 @@
           <p:cNvPr id="6" name="Slide Number Placeholder 5">
             <a:extLst>
               <a:ext uri="{FF2B5EF4-FFF2-40B4-BE49-F238E27FC236}">
-                <a16:creationId xmlns:a16="http://schemas.microsoft.com/office/drawing/2014/main" xmlns="" id="{A7103BEF-4738-42D8-9D54-6A7D3157BF56}"/>
+                <a16:creationId xmlns:a16="http://schemas.microsoft.com/office/drawing/2014/main" id="{A7103BEF-4738-42D8-9D54-6A7D3157BF56}"/>
               </a:ext>
             </a:extLst>
           </p:cNvPr>
@@ -321,7 +338,7 @@
     </p:spTree>
     <p:extLst>
       <p:ext uri="{BB962C8B-B14F-4D97-AF65-F5344CB8AC3E}">
-        <p14:creationId xmlns:p14="http://schemas.microsoft.com/office/powerpoint/2010/main" xmlns="" val="4122929622"/>
+        <p14:creationId xmlns:p14="http://schemas.microsoft.com/office/powerpoint/2010/main" val="4122929622"/>
       </p:ext>
     </p:extLst>
   </p:cSld>
@@ -353,7 +370,7 @@
           <p:cNvPr id="2" name="Title 1">
             <a:extLst>
               <a:ext uri="{FF2B5EF4-FFF2-40B4-BE49-F238E27FC236}">
-                <a16:creationId xmlns:a16="http://schemas.microsoft.com/office/drawing/2014/main" xmlns="" id="{B863B3FC-A541-47D3-8ED5-D0F6B10C4B3C}"/>
+                <a16:creationId xmlns:a16="http://schemas.microsoft.com/office/drawing/2014/main" id="{B863B3FC-A541-47D3-8ED5-D0F6B10C4B3C}"/>
               </a:ext>
             </a:extLst>
           </p:cNvPr>
@@ -382,7 +399,7 @@
           <p:cNvPr id="3" name="Vertical Text Placeholder 2">
             <a:extLst>
               <a:ext uri="{FF2B5EF4-FFF2-40B4-BE49-F238E27FC236}">
-                <a16:creationId xmlns:a16="http://schemas.microsoft.com/office/drawing/2014/main" xmlns="" id="{41842B8B-F73C-460C-A8A5-49D175C119C6}"/>
+                <a16:creationId xmlns:a16="http://schemas.microsoft.com/office/drawing/2014/main" id="{41842B8B-F73C-460C-A8A5-49D175C119C6}"/>
               </a:ext>
             </a:extLst>
           </p:cNvPr>
@@ -440,7 +457,7 @@
           <p:cNvPr id="4" name="Date Placeholder 3">
             <a:extLst>
               <a:ext uri="{FF2B5EF4-FFF2-40B4-BE49-F238E27FC236}">
-                <a16:creationId xmlns:a16="http://schemas.microsoft.com/office/drawing/2014/main" xmlns="" id="{21D6363A-2677-4458-A213-79195239AD47}"/>
+                <a16:creationId xmlns:a16="http://schemas.microsoft.com/office/drawing/2014/main" id="{21D6363A-2677-4458-A213-79195239AD47}"/>
               </a:ext>
             </a:extLst>
           </p:cNvPr>
@@ -459,7 +476,7 @@
             <a:fld id="{45E299CC-B24E-4C4C-977B-77A5B3D21CEB}" type="datetimeFigureOut">
               <a:rPr lang="en-SG" smtClean="0"/>
               <a:pPr/>
-              <a:t>11/4/2019</a:t>
+              <a:t>13/4/2019</a:t>
             </a:fld>
             <a:endParaRPr lang="en-SG" dirty="0"/>
           </a:p>
@@ -470,7 +487,7 @@
           <p:cNvPr id="5" name="Footer Placeholder 4">
             <a:extLst>
               <a:ext uri="{FF2B5EF4-FFF2-40B4-BE49-F238E27FC236}">
-                <a16:creationId xmlns:a16="http://schemas.microsoft.com/office/drawing/2014/main" xmlns="" id="{28001726-DB95-47E6-86CF-8638B3039C7E}"/>
+                <a16:creationId xmlns:a16="http://schemas.microsoft.com/office/drawing/2014/main" id="{28001726-DB95-47E6-86CF-8638B3039C7E}"/>
               </a:ext>
             </a:extLst>
           </p:cNvPr>
@@ -495,7 +512,7 @@
           <p:cNvPr id="6" name="Slide Number Placeholder 5">
             <a:extLst>
               <a:ext uri="{FF2B5EF4-FFF2-40B4-BE49-F238E27FC236}">
-                <a16:creationId xmlns:a16="http://schemas.microsoft.com/office/drawing/2014/main" xmlns="" id="{9394C9BA-D5D5-41BA-A8C0-559DAD6E557B}"/>
+                <a16:creationId xmlns:a16="http://schemas.microsoft.com/office/drawing/2014/main" id="{9394C9BA-D5D5-41BA-A8C0-559DAD6E557B}"/>
               </a:ext>
             </a:extLst>
           </p:cNvPr>
@@ -523,7 +540,7 @@
     </p:spTree>
     <p:extLst>
       <p:ext uri="{BB962C8B-B14F-4D97-AF65-F5344CB8AC3E}">
-        <p14:creationId xmlns:p14="http://schemas.microsoft.com/office/powerpoint/2010/main" xmlns="" val="1078133986"/>
+        <p14:creationId xmlns:p14="http://schemas.microsoft.com/office/powerpoint/2010/main" val="1078133986"/>
       </p:ext>
     </p:extLst>
   </p:cSld>
@@ -555,7 +572,7 @@
           <p:cNvPr id="2" name="Vertical Title 1">
             <a:extLst>
               <a:ext uri="{FF2B5EF4-FFF2-40B4-BE49-F238E27FC236}">
-                <a16:creationId xmlns:a16="http://schemas.microsoft.com/office/drawing/2014/main" xmlns="" id="{65644FD3-B1E4-48D8-9428-CD30E5EB994F}"/>
+                <a16:creationId xmlns:a16="http://schemas.microsoft.com/office/drawing/2014/main" id="{65644FD3-B1E4-48D8-9428-CD30E5EB994F}"/>
               </a:ext>
             </a:extLst>
           </p:cNvPr>
@@ -589,7 +606,7 @@
           <p:cNvPr id="3" name="Vertical Text Placeholder 2">
             <a:extLst>
               <a:ext uri="{FF2B5EF4-FFF2-40B4-BE49-F238E27FC236}">
-                <a16:creationId xmlns:a16="http://schemas.microsoft.com/office/drawing/2014/main" xmlns="" id="{FCFE348E-47D8-462B-931D-30950811F911}"/>
+                <a16:creationId xmlns:a16="http://schemas.microsoft.com/office/drawing/2014/main" id="{FCFE348E-47D8-462B-931D-30950811F911}"/>
               </a:ext>
             </a:extLst>
           </p:cNvPr>
@@ -652,7 +669,7 @@
           <p:cNvPr id="4" name="Date Placeholder 3">
             <a:extLst>
               <a:ext uri="{FF2B5EF4-FFF2-40B4-BE49-F238E27FC236}">
-                <a16:creationId xmlns:a16="http://schemas.microsoft.com/office/drawing/2014/main" xmlns="" id="{5D356C39-73E7-48C8-90ED-55C1605E5158}"/>
+                <a16:creationId xmlns:a16="http://schemas.microsoft.com/office/drawing/2014/main" id="{5D356C39-73E7-48C8-90ED-55C1605E5158}"/>
               </a:ext>
             </a:extLst>
           </p:cNvPr>
@@ -671,7 +688,7 @@
             <a:fld id="{45E299CC-B24E-4C4C-977B-77A5B3D21CEB}" type="datetimeFigureOut">
               <a:rPr lang="en-SG" smtClean="0"/>
               <a:pPr/>
-              <a:t>11/4/2019</a:t>
+              <a:t>13/4/2019</a:t>
             </a:fld>
             <a:endParaRPr lang="en-SG" dirty="0"/>
           </a:p>
@@ -682,7 +699,7 @@
           <p:cNvPr id="5" name="Footer Placeholder 4">
             <a:extLst>
               <a:ext uri="{FF2B5EF4-FFF2-40B4-BE49-F238E27FC236}">
-                <a16:creationId xmlns:a16="http://schemas.microsoft.com/office/drawing/2014/main" xmlns="" id="{4CF973E7-0189-4B4A-99B6-310BE8B1A81B}"/>
+                <a16:creationId xmlns:a16="http://schemas.microsoft.com/office/drawing/2014/main" id="{4CF973E7-0189-4B4A-99B6-310BE8B1A81B}"/>
               </a:ext>
             </a:extLst>
           </p:cNvPr>
@@ -707,7 +724,7 @@
           <p:cNvPr id="6" name="Slide Number Placeholder 5">
             <a:extLst>
               <a:ext uri="{FF2B5EF4-FFF2-40B4-BE49-F238E27FC236}">
-                <a16:creationId xmlns:a16="http://schemas.microsoft.com/office/drawing/2014/main" xmlns="" id="{B4EE051C-3381-45B7-A426-B78623099C35}"/>
+                <a16:creationId xmlns:a16="http://schemas.microsoft.com/office/drawing/2014/main" id="{B4EE051C-3381-45B7-A426-B78623099C35}"/>
               </a:ext>
             </a:extLst>
           </p:cNvPr>
@@ -735,7 +752,7 @@
     </p:spTree>
     <p:extLst>
       <p:ext uri="{BB962C8B-B14F-4D97-AF65-F5344CB8AC3E}">
-        <p14:creationId xmlns:p14="http://schemas.microsoft.com/office/powerpoint/2010/main" xmlns="" val="4214822293"/>
+        <p14:creationId xmlns:p14="http://schemas.microsoft.com/office/powerpoint/2010/main" val="4214822293"/>
       </p:ext>
     </p:extLst>
   </p:cSld>
@@ -767,7 +784,7 @@
           <p:cNvPr id="2" name="Title 1">
             <a:extLst>
               <a:ext uri="{FF2B5EF4-FFF2-40B4-BE49-F238E27FC236}">
-                <a16:creationId xmlns:a16="http://schemas.microsoft.com/office/drawing/2014/main" xmlns="" id="{03065B0C-7C91-431A-A22A-2B2BEDB2F888}"/>
+                <a16:creationId xmlns:a16="http://schemas.microsoft.com/office/drawing/2014/main" id="{03065B0C-7C91-431A-A22A-2B2BEDB2F888}"/>
               </a:ext>
             </a:extLst>
           </p:cNvPr>
@@ -796,7 +813,7 @@
           <p:cNvPr id="3" name="Content Placeholder 2">
             <a:extLst>
               <a:ext uri="{FF2B5EF4-FFF2-40B4-BE49-F238E27FC236}">
-                <a16:creationId xmlns:a16="http://schemas.microsoft.com/office/drawing/2014/main" xmlns="" id="{93A81FD7-7C83-4477-8BF3-D995F5047B9D}"/>
+                <a16:creationId xmlns:a16="http://schemas.microsoft.com/office/drawing/2014/main" id="{93A81FD7-7C83-4477-8BF3-D995F5047B9D}"/>
               </a:ext>
             </a:extLst>
           </p:cNvPr>
@@ -854,7 +871,7 @@
           <p:cNvPr id="4" name="Date Placeholder 3">
             <a:extLst>
               <a:ext uri="{FF2B5EF4-FFF2-40B4-BE49-F238E27FC236}">
-                <a16:creationId xmlns:a16="http://schemas.microsoft.com/office/drawing/2014/main" xmlns="" id="{A689F6AB-2A13-48CC-87B4-C0331F263ACB}"/>
+                <a16:creationId xmlns:a16="http://schemas.microsoft.com/office/drawing/2014/main" id="{A689F6AB-2A13-48CC-87B4-C0331F263ACB}"/>
               </a:ext>
             </a:extLst>
           </p:cNvPr>
@@ -873,7 +890,7 @@
             <a:fld id="{45E299CC-B24E-4C4C-977B-77A5B3D21CEB}" type="datetimeFigureOut">
               <a:rPr lang="en-SG" smtClean="0"/>
               <a:pPr/>
-              <a:t>11/4/2019</a:t>
+              <a:t>13/4/2019</a:t>
             </a:fld>
             <a:endParaRPr lang="en-SG" dirty="0"/>
           </a:p>
@@ -884,7 +901,7 @@
           <p:cNvPr id="5" name="Footer Placeholder 4">
             <a:extLst>
               <a:ext uri="{FF2B5EF4-FFF2-40B4-BE49-F238E27FC236}">
-                <a16:creationId xmlns:a16="http://schemas.microsoft.com/office/drawing/2014/main" xmlns="" id="{3BDD7653-413C-447A-858A-869C6C66843C}"/>
+                <a16:creationId xmlns:a16="http://schemas.microsoft.com/office/drawing/2014/main" id="{3BDD7653-413C-447A-858A-869C6C66843C}"/>
               </a:ext>
             </a:extLst>
           </p:cNvPr>
@@ -909,7 +926,7 @@
           <p:cNvPr id="6" name="Slide Number Placeholder 5">
             <a:extLst>
               <a:ext uri="{FF2B5EF4-FFF2-40B4-BE49-F238E27FC236}">
-                <a16:creationId xmlns:a16="http://schemas.microsoft.com/office/drawing/2014/main" xmlns="" id="{3D262309-C31B-4DAD-862B-1D82EDD48DE2}"/>
+                <a16:creationId xmlns:a16="http://schemas.microsoft.com/office/drawing/2014/main" id="{3D262309-C31B-4DAD-862B-1D82EDD48DE2}"/>
               </a:ext>
             </a:extLst>
           </p:cNvPr>
@@ -937,7 +954,7 @@
     </p:spTree>
     <p:extLst>
       <p:ext uri="{BB962C8B-B14F-4D97-AF65-F5344CB8AC3E}">
-        <p14:creationId xmlns:p14="http://schemas.microsoft.com/office/powerpoint/2010/main" xmlns="" val="261356214"/>
+        <p14:creationId xmlns:p14="http://schemas.microsoft.com/office/powerpoint/2010/main" val="261356214"/>
       </p:ext>
     </p:extLst>
   </p:cSld>
@@ -969,7 +986,7 @@
           <p:cNvPr id="2" name="Title 1">
             <a:extLst>
               <a:ext uri="{FF2B5EF4-FFF2-40B4-BE49-F238E27FC236}">
-                <a16:creationId xmlns:a16="http://schemas.microsoft.com/office/drawing/2014/main" xmlns="" id="{A9E5BC9D-240A-4F82-8C1F-4EF830275F3A}"/>
+                <a16:creationId xmlns:a16="http://schemas.microsoft.com/office/drawing/2014/main" id="{A9E5BC9D-240A-4F82-8C1F-4EF830275F3A}"/>
               </a:ext>
             </a:extLst>
           </p:cNvPr>
@@ -1007,7 +1024,7 @@
           <p:cNvPr id="3" name="Text Placeholder 2">
             <a:extLst>
               <a:ext uri="{FF2B5EF4-FFF2-40B4-BE49-F238E27FC236}">
-                <a16:creationId xmlns:a16="http://schemas.microsoft.com/office/drawing/2014/main" xmlns="" id="{C42CB556-738F-402F-A176-D63237942CF1}"/>
+                <a16:creationId xmlns:a16="http://schemas.microsoft.com/office/drawing/2014/main" id="{C42CB556-738F-402F-A176-D63237942CF1}"/>
               </a:ext>
             </a:extLst>
           </p:cNvPr>
@@ -1132,7 +1149,7 @@
           <p:cNvPr id="4" name="Date Placeholder 3">
             <a:extLst>
               <a:ext uri="{FF2B5EF4-FFF2-40B4-BE49-F238E27FC236}">
-                <a16:creationId xmlns:a16="http://schemas.microsoft.com/office/drawing/2014/main" xmlns="" id="{2376FBD3-C0AE-48F9-BEDD-7951235FE348}"/>
+                <a16:creationId xmlns:a16="http://schemas.microsoft.com/office/drawing/2014/main" id="{2376FBD3-C0AE-48F9-BEDD-7951235FE348}"/>
               </a:ext>
             </a:extLst>
           </p:cNvPr>
@@ -1151,7 +1168,7 @@
             <a:fld id="{45E299CC-B24E-4C4C-977B-77A5B3D21CEB}" type="datetimeFigureOut">
               <a:rPr lang="en-SG" smtClean="0"/>
               <a:pPr/>
-              <a:t>11/4/2019</a:t>
+              <a:t>13/4/2019</a:t>
             </a:fld>
             <a:endParaRPr lang="en-SG" dirty="0"/>
           </a:p>
@@ -1162,7 +1179,7 @@
           <p:cNvPr id="5" name="Footer Placeholder 4">
             <a:extLst>
               <a:ext uri="{FF2B5EF4-FFF2-40B4-BE49-F238E27FC236}">
-                <a16:creationId xmlns:a16="http://schemas.microsoft.com/office/drawing/2014/main" xmlns="" id="{D4ECC15D-F40C-4E51-9D1D-6F30EA67F0A6}"/>
+                <a16:creationId xmlns:a16="http://schemas.microsoft.com/office/drawing/2014/main" id="{D4ECC15D-F40C-4E51-9D1D-6F30EA67F0A6}"/>
               </a:ext>
             </a:extLst>
           </p:cNvPr>
@@ -1187,7 +1204,7 @@
           <p:cNvPr id="6" name="Slide Number Placeholder 5">
             <a:extLst>
               <a:ext uri="{FF2B5EF4-FFF2-40B4-BE49-F238E27FC236}">
-                <a16:creationId xmlns:a16="http://schemas.microsoft.com/office/drawing/2014/main" xmlns="" id="{7B4EE082-2D7D-4015-88D6-B4E5E57452E4}"/>
+                <a16:creationId xmlns:a16="http://schemas.microsoft.com/office/drawing/2014/main" id="{7B4EE082-2D7D-4015-88D6-B4E5E57452E4}"/>
               </a:ext>
             </a:extLst>
           </p:cNvPr>
@@ -1215,7 +1232,7 @@
     </p:spTree>
     <p:extLst>
       <p:ext uri="{BB962C8B-B14F-4D97-AF65-F5344CB8AC3E}">
-        <p14:creationId xmlns:p14="http://schemas.microsoft.com/office/powerpoint/2010/main" xmlns="" val="1606179182"/>
+        <p14:creationId xmlns:p14="http://schemas.microsoft.com/office/powerpoint/2010/main" val="1606179182"/>
       </p:ext>
     </p:extLst>
   </p:cSld>
@@ -1247,7 +1264,7 @@
           <p:cNvPr id="2" name="Title 1">
             <a:extLst>
               <a:ext uri="{FF2B5EF4-FFF2-40B4-BE49-F238E27FC236}">
-                <a16:creationId xmlns:a16="http://schemas.microsoft.com/office/drawing/2014/main" xmlns="" id="{3E512C4B-7C5B-4C9D-AE96-CE3F37900369}"/>
+                <a16:creationId xmlns:a16="http://schemas.microsoft.com/office/drawing/2014/main" id="{3E512C4B-7C5B-4C9D-AE96-CE3F37900369}"/>
               </a:ext>
             </a:extLst>
           </p:cNvPr>
@@ -1276,7 +1293,7 @@
           <p:cNvPr id="3" name="Content Placeholder 2">
             <a:extLst>
               <a:ext uri="{FF2B5EF4-FFF2-40B4-BE49-F238E27FC236}">
-                <a16:creationId xmlns:a16="http://schemas.microsoft.com/office/drawing/2014/main" xmlns="" id="{703188CD-6792-415A-8682-D925101A412B}"/>
+                <a16:creationId xmlns:a16="http://schemas.microsoft.com/office/drawing/2014/main" id="{703188CD-6792-415A-8682-D925101A412B}"/>
               </a:ext>
             </a:extLst>
           </p:cNvPr>
@@ -1339,7 +1356,7 @@
           <p:cNvPr id="4" name="Content Placeholder 3">
             <a:extLst>
               <a:ext uri="{FF2B5EF4-FFF2-40B4-BE49-F238E27FC236}">
-                <a16:creationId xmlns:a16="http://schemas.microsoft.com/office/drawing/2014/main" xmlns="" id="{24153D18-12C4-4B18-A320-85AC4F7FC272}"/>
+                <a16:creationId xmlns:a16="http://schemas.microsoft.com/office/drawing/2014/main" id="{24153D18-12C4-4B18-A320-85AC4F7FC272}"/>
               </a:ext>
             </a:extLst>
           </p:cNvPr>
@@ -1402,7 +1419,7 @@
           <p:cNvPr id="5" name="Date Placeholder 4">
             <a:extLst>
               <a:ext uri="{FF2B5EF4-FFF2-40B4-BE49-F238E27FC236}">
-                <a16:creationId xmlns:a16="http://schemas.microsoft.com/office/drawing/2014/main" xmlns="" id="{2BD81DEF-8719-4B1A-9093-26B0146668CA}"/>
+                <a16:creationId xmlns:a16="http://schemas.microsoft.com/office/drawing/2014/main" id="{2BD81DEF-8719-4B1A-9093-26B0146668CA}"/>
               </a:ext>
             </a:extLst>
           </p:cNvPr>
@@ -1421,7 +1438,7 @@
             <a:fld id="{45E299CC-B24E-4C4C-977B-77A5B3D21CEB}" type="datetimeFigureOut">
               <a:rPr lang="en-SG" smtClean="0"/>
               <a:pPr/>
-              <a:t>11/4/2019</a:t>
+              <a:t>13/4/2019</a:t>
             </a:fld>
             <a:endParaRPr lang="en-SG" dirty="0"/>
           </a:p>
@@ -1432,7 +1449,7 @@
           <p:cNvPr id="6" name="Footer Placeholder 5">
             <a:extLst>
               <a:ext uri="{FF2B5EF4-FFF2-40B4-BE49-F238E27FC236}">
-                <a16:creationId xmlns:a16="http://schemas.microsoft.com/office/drawing/2014/main" xmlns="" id="{905EC2E7-C27E-4C55-A700-BB93B8529C82}"/>
+                <a16:creationId xmlns:a16="http://schemas.microsoft.com/office/drawing/2014/main" id="{905EC2E7-C27E-4C55-A700-BB93B8529C82}"/>
               </a:ext>
             </a:extLst>
           </p:cNvPr>
@@ -1457,7 +1474,7 @@
           <p:cNvPr id="7" name="Slide Number Placeholder 6">
             <a:extLst>
               <a:ext uri="{FF2B5EF4-FFF2-40B4-BE49-F238E27FC236}">
-                <a16:creationId xmlns:a16="http://schemas.microsoft.com/office/drawing/2014/main" xmlns="" id="{FCC8BDC4-451B-42FF-B6BF-C0E39B6F156D}"/>
+                <a16:creationId xmlns:a16="http://schemas.microsoft.com/office/drawing/2014/main" id="{FCC8BDC4-451B-42FF-B6BF-C0E39B6F156D}"/>
               </a:ext>
             </a:extLst>
           </p:cNvPr>
@@ -1485,7 +1502,7 @@
     </p:spTree>
     <p:extLst>
       <p:ext uri="{BB962C8B-B14F-4D97-AF65-F5344CB8AC3E}">
-        <p14:creationId xmlns:p14="http://schemas.microsoft.com/office/powerpoint/2010/main" xmlns="" val="3514381980"/>
+        <p14:creationId xmlns:p14="http://schemas.microsoft.com/office/powerpoint/2010/main" val="3514381980"/>
       </p:ext>
     </p:extLst>
   </p:cSld>
@@ -1517,7 +1534,7 @@
           <p:cNvPr id="2" name="Title 1">
             <a:extLst>
               <a:ext uri="{FF2B5EF4-FFF2-40B4-BE49-F238E27FC236}">
-                <a16:creationId xmlns:a16="http://schemas.microsoft.com/office/drawing/2014/main" xmlns="" id="{C298CB0A-A018-4CCB-B989-AD9839C488E8}"/>
+                <a16:creationId xmlns:a16="http://schemas.microsoft.com/office/drawing/2014/main" id="{C298CB0A-A018-4CCB-B989-AD9839C488E8}"/>
               </a:ext>
             </a:extLst>
           </p:cNvPr>
@@ -1551,7 +1568,7 @@
           <p:cNvPr id="3" name="Text Placeholder 2">
             <a:extLst>
               <a:ext uri="{FF2B5EF4-FFF2-40B4-BE49-F238E27FC236}">
-                <a16:creationId xmlns:a16="http://schemas.microsoft.com/office/drawing/2014/main" xmlns="" id="{8A72536C-3977-4D9F-847D-6DC60E4F9EA2}"/>
+                <a16:creationId xmlns:a16="http://schemas.microsoft.com/office/drawing/2014/main" id="{8A72536C-3977-4D9F-847D-6DC60E4F9EA2}"/>
               </a:ext>
             </a:extLst>
           </p:cNvPr>
@@ -1622,7 +1639,7 @@
           <p:cNvPr id="4" name="Content Placeholder 3">
             <a:extLst>
               <a:ext uri="{FF2B5EF4-FFF2-40B4-BE49-F238E27FC236}">
-                <a16:creationId xmlns:a16="http://schemas.microsoft.com/office/drawing/2014/main" xmlns="" id="{21501F71-6457-4DD4-A904-157E9AAFCA78}"/>
+                <a16:creationId xmlns:a16="http://schemas.microsoft.com/office/drawing/2014/main" id="{21501F71-6457-4DD4-A904-157E9AAFCA78}"/>
               </a:ext>
             </a:extLst>
           </p:cNvPr>
@@ -1685,7 +1702,7 @@
           <p:cNvPr id="5" name="Text Placeholder 4">
             <a:extLst>
               <a:ext uri="{FF2B5EF4-FFF2-40B4-BE49-F238E27FC236}">
-                <a16:creationId xmlns:a16="http://schemas.microsoft.com/office/drawing/2014/main" xmlns="" id="{2B995843-4706-44B8-930E-AEA24EC07536}"/>
+                <a16:creationId xmlns:a16="http://schemas.microsoft.com/office/drawing/2014/main" id="{2B995843-4706-44B8-930E-AEA24EC07536}"/>
               </a:ext>
             </a:extLst>
           </p:cNvPr>
@@ -1756,7 +1773,7 @@
           <p:cNvPr id="6" name="Content Placeholder 5">
             <a:extLst>
               <a:ext uri="{FF2B5EF4-FFF2-40B4-BE49-F238E27FC236}">
-                <a16:creationId xmlns:a16="http://schemas.microsoft.com/office/drawing/2014/main" xmlns="" id="{2C0AC40B-3775-4FAC-991F-2C957046A8ED}"/>
+                <a16:creationId xmlns:a16="http://schemas.microsoft.com/office/drawing/2014/main" id="{2C0AC40B-3775-4FAC-991F-2C957046A8ED}"/>
               </a:ext>
             </a:extLst>
           </p:cNvPr>
@@ -1819,7 +1836,7 @@
           <p:cNvPr id="7" name="Date Placeholder 6">
             <a:extLst>
               <a:ext uri="{FF2B5EF4-FFF2-40B4-BE49-F238E27FC236}">
-                <a16:creationId xmlns:a16="http://schemas.microsoft.com/office/drawing/2014/main" xmlns="" id="{E497593D-EF34-488A-AB8F-1074CE6035AB}"/>
+                <a16:creationId xmlns:a16="http://schemas.microsoft.com/office/drawing/2014/main" id="{E497593D-EF34-488A-AB8F-1074CE6035AB}"/>
               </a:ext>
             </a:extLst>
           </p:cNvPr>
@@ -1838,7 +1855,7 @@
             <a:fld id="{45E299CC-B24E-4C4C-977B-77A5B3D21CEB}" type="datetimeFigureOut">
               <a:rPr lang="en-SG" smtClean="0"/>
               <a:pPr/>
-              <a:t>11/4/2019</a:t>
+              <a:t>13/4/2019</a:t>
             </a:fld>
             <a:endParaRPr lang="en-SG" dirty="0"/>
           </a:p>
@@ -1849,7 +1866,7 @@
           <p:cNvPr id="8" name="Footer Placeholder 7">
             <a:extLst>
               <a:ext uri="{FF2B5EF4-FFF2-40B4-BE49-F238E27FC236}">
-                <a16:creationId xmlns:a16="http://schemas.microsoft.com/office/drawing/2014/main" xmlns="" id="{94C845F4-FD35-4C85-86DE-530173EA5568}"/>
+                <a16:creationId xmlns:a16="http://schemas.microsoft.com/office/drawing/2014/main" id="{94C845F4-FD35-4C85-86DE-530173EA5568}"/>
               </a:ext>
             </a:extLst>
           </p:cNvPr>
@@ -1874,7 +1891,7 @@
           <p:cNvPr id="9" name="Slide Number Placeholder 8">
             <a:extLst>
               <a:ext uri="{FF2B5EF4-FFF2-40B4-BE49-F238E27FC236}">
-                <a16:creationId xmlns:a16="http://schemas.microsoft.com/office/drawing/2014/main" xmlns="" id="{92981AD3-34EB-4D1D-9EA5-957A756667E9}"/>
+                <a16:creationId xmlns:a16="http://schemas.microsoft.com/office/drawing/2014/main" id="{92981AD3-34EB-4D1D-9EA5-957A756667E9}"/>
               </a:ext>
             </a:extLst>
           </p:cNvPr>
@@ -1902,7 +1919,7 @@
     </p:spTree>
     <p:extLst>
       <p:ext uri="{BB962C8B-B14F-4D97-AF65-F5344CB8AC3E}">
-        <p14:creationId xmlns:p14="http://schemas.microsoft.com/office/powerpoint/2010/main" xmlns="" val="67771103"/>
+        <p14:creationId xmlns:p14="http://schemas.microsoft.com/office/powerpoint/2010/main" val="67771103"/>
       </p:ext>
     </p:extLst>
   </p:cSld>
@@ -1934,7 +1951,7 @@
           <p:cNvPr id="2" name="Title 1">
             <a:extLst>
               <a:ext uri="{FF2B5EF4-FFF2-40B4-BE49-F238E27FC236}">
-                <a16:creationId xmlns:a16="http://schemas.microsoft.com/office/drawing/2014/main" xmlns="" id="{93B155EC-D9C1-48E7-B5E3-538A7888E7FF}"/>
+                <a16:creationId xmlns:a16="http://schemas.microsoft.com/office/drawing/2014/main" id="{93B155EC-D9C1-48E7-B5E3-538A7888E7FF}"/>
               </a:ext>
             </a:extLst>
           </p:cNvPr>
@@ -1963,7 +1980,7 @@
           <p:cNvPr id="3" name="Date Placeholder 2">
             <a:extLst>
               <a:ext uri="{FF2B5EF4-FFF2-40B4-BE49-F238E27FC236}">
-                <a16:creationId xmlns:a16="http://schemas.microsoft.com/office/drawing/2014/main" xmlns="" id="{9FA299F8-135C-4134-B71A-3351C90089C9}"/>
+                <a16:creationId xmlns:a16="http://schemas.microsoft.com/office/drawing/2014/main" id="{9FA299F8-135C-4134-B71A-3351C90089C9}"/>
               </a:ext>
             </a:extLst>
           </p:cNvPr>
@@ -1982,7 +1999,7 @@
             <a:fld id="{45E299CC-B24E-4C4C-977B-77A5B3D21CEB}" type="datetimeFigureOut">
               <a:rPr lang="en-SG" smtClean="0"/>
               <a:pPr/>
-              <a:t>11/4/2019</a:t>
+              <a:t>13/4/2019</a:t>
             </a:fld>
             <a:endParaRPr lang="en-SG" dirty="0"/>
           </a:p>
@@ -1993,7 +2010,7 @@
           <p:cNvPr id="4" name="Footer Placeholder 3">
             <a:extLst>
               <a:ext uri="{FF2B5EF4-FFF2-40B4-BE49-F238E27FC236}">
-                <a16:creationId xmlns:a16="http://schemas.microsoft.com/office/drawing/2014/main" xmlns="" id="{523C1539-6390-4359-A637-FDD44FB97D1B}"/>
+                <a16:creationId xmlns:a16="http://schemas.microsoft.com/office/drawing/2014/main" id="{523C1539-6390-4359-A637-FDD44FB97D1B}"/>
               </a:ext>
             </a:extLst>
           </p:cNvPr>
@@ -2018,7 +2035,7 @@
           <p:cNvPr id="5" name="Slide Number Placeholder 4">
             <a:extLst>
               <a:ext uri="{FF2B5EF4-FFF2-40B4-BE49-F238E27FC236}">
-                <a16:creationId xmlns:a16="http://schemas.microsoft.com/office/drawing/2014/main" xmlns="" id="{53DE7556-5566-4071-9606-45F2341ACDA7}"/>
+                <a16:creationId xmlns:a16="http://schemas.microsoft.com/office/drawing/2014/main" id="{53DE7556-5566-4071-9606-45F2341ACDA7}"/>
               </a:ext>
             </a:extLst>
           </p:cNvPr>
@@ -2046,7 +2063,7 @@
     </p:spTree>
     <p:extLst>
       <p:ext uri="{BB962C8B-B14F-4D97-AF65-F5344CB8AC3E}">
-        <p14:creationId xmlns:p14="http://schemas.microsoft.com/office/powerpoint/2010/main" xmlns="" val="451135523"/>
+        <p14:creationId xmlns:p14="http://schemas.microsoft.com/office/powerpoint/2010/main" val="451135523"/>
       </p:ext>
     </p:extLst>
   </p:cSld>
@@ -2078,7 +2095,7 @@
           <p:cNvPr id="2" name="Date Placeholder 1">
             <a:extLst>
               <a:ext uri="{FF2B5EF4-FFF2-40B4-BE49-F238E27FC236}">
-                <a16:creationId xmlns:a16="http://schemas.microsoft.com/office/drawing/2014/main" xmlns="" id="{EAE1C86A-E378-4BBE-B257-9978FCB26769}"/>
+                <a16:creationId xmlns:a16="http://schemas.microsoft.com/office/drawing/2014/main" id="{EAE1C86A-E378-4BBE-B257-9978FCB26769}"/>
               </a:ext>
             </a:extLst>
           </p:cNvPr>
@@ -2097,7 +2114,7 @@
             <a:fld id="{45E299CC-B24E-4C4C-977B-77A5B3D21CEB}" type="datetimeFigureOut">
               <a:rPr lang="en-SG" smtClean="0"/>
               <a:pPr/>
-              <a:t>11/4/2019</a:t>
+              <a:t>13/4/2019</a:t>
             </a:fld>
             <a:endParaRPr lang="en-SG" dirty="0"/>
           </a:p>
@@ -2108,7 +2125,7 @@
           <p:cNvPr id="3" name="Footer Placeholder 2">
             <a:extLst>
               <a:ext uri="{FF2B5EF4-FFF2-40B4-BE49-F238E27FC236}">
-                <a16:creationId xmlns:a16="http://schemas.microsoft.com/office/drawing/2014/main" xmlns="" id="{B9473256-F63B-4F9B-A77B-ED5126BB4EB4}"/>
+                <a16:creationId xmlns:a16="http://schemas.microsoft.com/office/drawing/2014/main" id="{B9473256-F63B-4F9B-A77B-ED5126BB4EB4}"/>
               </a:ext>
             </a:extLst>
           </p:cNvPr>
@@ -2133,7 +2150,7 @@
           <p:cNvPr id="4" name="Slide Number Placeholder 3">
             <a:extLst>
               <a:ext uri="{FF2B5EF4-FFF2-40B4-BE49-F238E27FC236}">
-                <a16:creationId xmlns:a16="http://schemas.microsoft.com/office/drawing/2014/main" xmlns="" id="{04D9921A-958F-464F-A567-43FA65C0FAF7}"/>
+                <a16:creationId xmlns:a16="http://schemas.microsoft.com/office/drawing/2014/main" id="{04D9921A-958F-464F-A567-43FA65C0FAF7}"/>
               </a:ext>
             </a:extLst>
           </p:cNvPr>
@@ -2161,7 +2178,7 @@
     </p:spTree>
     <p:extLst>
       <p:ext uri="{BB962C8B-B14F-4D97-AF65-F5344CB8AC3E}">
-        <p14:creationId xmlns:p14="http://schemas.microsoft.com/office/powerpoint/2010/main" xmlns="" val="3241681854"/>
+        <p14:creationId xmlns:p14="http://schemas.microsoft.com/office/powerpoint/2010/main" val="3241681854"/>
       </p:ext>
     </p:extLst>
   </p:cSld>
@@ -2193,7 +2210,7 @@
           <p:cNvPr id="2" name="Title 1">
             <a:extLst>
               <a:ext uri="{FF2B5EF4-FFF2-40B4-BE49-F238E27FC236}">
-                <a16:creationId xmlns:a16="http://schemas.microsoft.com/office/drawing/2014/main" xmlns="" id="{CB6B154D-5381-4B4D-9B6B-1E95530FCAD6}"/>
+                <a16:creationId xmlns:a16="http://schemas.microsoft.com/office/drawing/2014/main" id="{CB6B154D-5381-4B4D-9B6B-1E95530FCAD6}"/>
               </a:ext>
             </a:extLst>
           </p:cNvPr>
@@ -2231,7 +2248,7 @@
           <p:cNvPr id="3" name="Content Placeholder 2">
             <a:extLst>
               <a:ext uri="{FF2B5EF4-FFF2-40B4-BE49-F238E27FC236}">
-                <a16:creationId xmlns:a16="http://schemas.microsoft.com/office/drawing/2014/main" xmlns="" id="{3F09B105-B152-46E9-9FB2-5C9B83CE9D6E}"/>
+                <a16:creationId xmlns:a16="http://schemas.microsoft.com/office/drawing/2014/main" id="{3F09B105-B152-46E9-9FB2-5C9B83CE9D6E}"/>
               </a:ext>
             </a:extLst>
           </p:cNvPr>
@@ -2322,7 +2339,7 @@
           <p:cNvPr id="4" name="Text Placeholder 3">
             <a:extLst>
               <a:ext uri="{FF2B5EF4-FFF2-40B4-BE49-F238E27FC236}">
-                <a16:creationId xmlns:a16="http://schemas.microsoft.com/office/drawing/2014/main" xmlns="" id="{DA85BB15-1799-450A-8529-74063C84623E}"/>
+                <a16:creationId xmlns:a16="http://schemas.microsoft.com/office/drawing/2014/main" id="{DA85BB15-1799-450A-8529-74063C84623E}"/>
               </a:ext>
             </a:extLst>
           </p:cNvPr>
@@ -2393,7 +2410,7 @@
           <p:cNvPr id="5" name="Date Placeholder 4">
             <a:extLst>
               <a:ext uri="{FF2B5EF4-FFF2-40B4-BE49-F238E27FC236}">
-                <a16:creationId xmlns:a16="http://schemas.microsoft.com/office/drawing/2014/main" xmlns="" id="{DB2DAE36-DC50-4CDA-BEC0-1934883094C2}"/>
+                <a16:creationId xmlns:a16="http://schemas.microsoft.com/office/drawing/2014/main" id="{DB2DAE36-DC50-4CDA-BEC0-1934883094C2}"/>
               </a:ext>
             </a:extLst>
           </p:cNvPr>
@@ -2412,7 +2429,7 @@
             <a:fld id="{45E299CC-B24E-4C4C-977B-77A5B3D21CEB}" type="datetimeFigureOut">
               <a:rPr lang="en-SG" smtClean="0"/>
               <a:pPr/>
-              <a:t>11/4/2019</a:t>
+              <a:t>13/4/2019</a:t>
             </a:fld>
             <a:endParaRPr lang="en-SG" dirty="0"/>
           </a:p>
@@ -2423,7 +2440,7 @@
           <p:cNvPr id="6" name="Footer Placeholder 5">
             <a:extLst>
               <a:ext uri="{FF2B5EF4-FFF2-40B4-BE49-F238E27FC236}">
-                <a16:creationId xmlns:a16="http://schemas.microsoft.com/office/drawing/2014/main" xmlns="" id="{835E4EC2-24D8-449D-8EDE-85808532534C}"/>
+                <a16:creationId xmlns:a16="http://schemas.microsoft.com/office/drawing/2014/main" id="{835E4EC2-24D8-449D-8EDE-85808532534C}"/>
               </a:ext>
             </a:extLst>
           </p:cNvPr>
@@ -2448,7 +2465,7 @@
           <p:cNvPr id="7" name="Slide Number Placeholder 6">
             <a:extLst>
               <a:ext uri="{FF2B5EF4-FFF2-40B4-BE49-F238E27FC236}">
-                <a16:creationId xmlns:a16="http://schemas.microsoft.com/office/drawing/2014/main" xmlns="" id="{F845E54A-1E7C-41FF-A29C-1DB490F2B8A6}"/>
+                <a16:creationId xmlns:a16="http://schemas.microsoft.com/office/drawing/2014/main" id="{F845E54A-1E7C-41FF-A29C-1DB490F2B8A6}"/>
               </a:ext>
             </a:extLst>
           </p:cNvPr>
@@ -2476,7 +2493,7 @@
     </p:spTree>
     <p:extLst>
       <p:ext uri="{BB962C8B-B14F-4D97-AF65-F5344CB8AC3E}">
-        <p14:creationId xmlns:p14="http://schemas.microsoft.com/office/powerpoint/2010/main" xmlns="" val="848554236"/>
+        <p14:creationId xmlns:p14="http://schemas.microsoft.com/office/powerpoint/2010/main" val="848554236"/>
       </p:ext>
     </p:extLst>
   </p:cSld>
@@ -2508,7 +2525,7 @@
           <p:cNvPr id="2" name="Title 1">
             <a:extLst>
               <a:ext uri="{FF2B5EF4-FFF2-40B4-BE49-F238E27FC236}">
-                <a16:creationId xmlns:a16="http://schemas.microsoft.com/office/drawing/2014/main" xmlns="" id="{28FD91E2-27F7-48DF-B49E-4DA666F6CD1F}"/>
+                <a16:creationId xmlns:a16="http://schemas.microsoft.com/office/drawing/2014/main" id="{28FD91E2-27F7-48DF-B49E-4DA666F6CD1F}"/>
               </a:ext>
             </a:extLst>
           </p:cNvPr>
@@ -2546,7 +2563,7 @@
           <p:cNvPr id="3" name="Picture Placeholder 2">
             <a:extLst>
               <a:ext uri="{FF2B5EF4-FFF2-40B4-BE49-F238E27FC236}">
-                <a16:creationId xmlns:a16="http://schemas.microsoft.com/office/drawing/2014/main" xmlns="" id="{14D30C0F-C165-4081-84D0-640DC3E35FAA}"/>
+                <a16:creationId xmlns:a16="http://schemas.microsoft.com/office/drawing/2014/main" id="{14D30C0F-C165-4081-84D0-640DC3E35FAA}"/>
               </a:ext>
             </a:extLst>
           </p:cNvPr>
@@ -2613,7 +2630,7 @@
           <p:cNvPr id="4" name="Text Placeholder 3">
             <a:extLst>
               <a:ext uri="{FF2B5EF4-FFF2-40B4-BE49-F238E27FC236}">
-                <a16:creationId xmlns:a16="http://schemas.microsoft.com/office/drawing/2014/main" xmlns="" id="{D9A5450C-FA28-42F6-80CD-95A38E3ED273}"/>
+                <a16:creationId xmlns:a16="http://schemas.microsoft.com/office/drawing/2014/main" id="{D9A5450C-FA28-42F6-80CD-95A38E3ED273}"/>
               </a:ext>
             </a:extLst>
           </p:cNvPr>
@@ -2684,7 +2701,7 @@
           <p:cNvPr id="5" name="Date Placeholder 4">
             <a:extLst>
               <a:ext uri="{FF2B5EF4-FFF2-40B4-BE49-F238E27FC236}">
-                <a16:creationId xmlns:a16="http://schemas.microsoft.com/office/drawing/2014/main" xmlns="" id="{A9C5B96D-1259-419C-83D1-8D0DBB8FD341}"/>
+                <a16:creationId xmlns:a16="http://schemas.microsoft.com/office/drawing/2014/main" id="{A9C5B96D-1259-419C-83D1-8D0DBB8FD341}"/>
               </a:ext>
             </a:extLst>
           </p:cNvPr>
@@ -2703,7 +2720,7 @@
             <a:fld id="{45E299CC-B24E-4C4C-977B-77A5B3D21CEB}" type="datetimeFigureOut">
               <a:rPr lang="en-SG" smtClean="0"/>
               <a:pPr/>
-              <a:t>11/4/2019</a:t>
+              <a:t>13/4/2019</a:t>
             </a:fld>
             <a:endParaRPr lang="en-SG" dirty="0"/>
           </a:p>
@@ -2714,7 +2731,7 @@
           <p:cNvPr id="6" name="Footer Placeholder 5">
             <a:extLst>
               <a:ext uri="{FF2B5EF4-FFF2-40B4-BE49-F238E27FC236}">
-                <a16:creationId xmlns:a16="http://schemas.microsoft.com/office/drawing/2014/main" xmlns="" id="{C135D0C5-3170-46BC-888D-6575081F043C}"/>
+                <a16:creationId xmlns:a16="http://schemas.microsoft.com/office/drawing/2014/main" id="{C135D0C5-3170-46BC-888D-6575081F043C}"/>
               </a:ext>
             </a:extLst>
           </p:cNvPr>
@@ -2739,7 +2756,7 @@
           <p:cNvPr id="7" name="Slide Number Placeholder 6">
             <a:extLst>
               <a:ext uri="{FF2B5EF4-FFF2-40B4-BE49-F238E27FC236}">
-                <a16:creationId xmlns:a16="http://schemas.microsoft.com/office/drawing/2014/main" xmlns="" id="{BC8AD96A-BFEA-460E-90D9-921DB33CB2CA}"/>
+                <a16:creationId xmlns:a16="http://schemas.microsoft.com/office/drawing/2014/main" id="{BC8AD96A-BFEA-460E-90D9-921DB33CB2CA}"/>
               </a:ext>
             </a:extLst>
           </p:cNvPr>
@@ -2767,7 +2784,7 @@
     </p:spTree>
     <p:extLst>
       <p:ext uri="{BB962C8B-B14F-4D97-AF65-F5344CB8AC3E}">
-        <p14:creationId xmlns:p14="http://schemas.microsoft.com/office/powerpoint/2010/main" xmlns="" val="3513491808"/>
+        <p14:creationId xmlns:p14="http://schemas.microsoft.com/office/powerpoint/2010/main" val="3513491808"/>
       </p:ext>
     </p:extLst>
   </p:cSld>
@@ -2804,7 +2821,7 @@
           <p:cNvPr id="2" name="Title Placeholder 1">
             <a:extLst>
               <a:ext uri="{FF2B5EF4-FFF2-40B4-BE49-F238E27FC236}">
-                <a16:creationId xmlns:a16="http://schemas.microsoft.com/office/drawing/2014/main" xmlns="" id="{030549FF-569A-4414-9799-428281B5270A}"/>
+                <a16:creationId xmlns:a16="http://schemas.microsoft.com/office/drawing/2014/main" id="{030549FF-569A-4414-9799-428281B5270A}"/>
               </a:ext>
             </a:extLst>
           </p:cNvPr>
@@ -2843,7 +2860,7 @@
           <p:cNvPr id="3" name="Text Placeholder 2">
             <a:extLst>
               <a:ext uri="{FF2B5EF4-FFF2-40B4-BE49-F238E27FC236}">
-                <a16:creationId xmlns:a16="http://schemas.microsoft.com/office/drawing/2014/main" xmlns="" id="{893B069A-D9E5-4801-BC00-78285710CD77}"/>
+                <a16:creationId xmlns:a16="http://schemas.microsoft.com/office/drawing/2014/main" id="{893B069A-D9E5-4801-BC00-78285710CD77}"/>
               </a:ext>
             </a:extLst>
           </p:cNvPr>
@@ -2911,7 +2928,7 @@
           <p:cNvPr id="4" name="Date Placeholder 3">
             <a:extLst>
               <a:ext uri="{FF2B5EF4-FFF2-40B4-BE49-F238E27FC236}">
-                <a16:creationId xmlns:a16="http://schemas.microsoft.com/office/drawing/2014/main" xmlns="" id="{4F10679A-A4CE-44EC-A197-C96B17348254}"/>
+                <a16:creationId xmlns:a16="http://schemas.microsoft.com/office/drawing/2014/main" id="{4F10679A-A4CE-44EC-A197-C96B17348254}"/>
               </a:ext>
             </a:extLst>
           </p:cNvPr>
@@ -2948,7 +2965,7 @@
             <a:fld id="{45E299CC-B24E-4C4C-977B-77A5B3D21CEB}" type="datetimeFigureOut">
               <a:rPr lang="en-SG" smtClean="0"/>
               <a:pPr/>
-              <a:t>11/4/2019</a:t>
+              <a:t>13/4/2019</a:t>
             </a:fld>
             <a:endParaRPr lang="en-SG" dirty="0"/>
           </a:p>
@@ -2959,7 +2976,7 @@
           <p:cNvPr id="5" name="Footer Placeholder 4">
             <a:extLst>
               <a:ext uri="{FF2B5EF4-FFF2-40B4-BE49-F238E27FC236}">
-                <a16:creationId xmlns:a16="http://schemas.microsoft.com/office/drawing/2014/main" xmlns="" id="{02AC525D-289E-4D06-B39F-7FD44A185C09}"/>
+                <a16:creationId xmlns:a16="http://schemas.microsoft.com/office/drawing/2014/main" id="{02AC525D-289E-4D06-B39F-7FD44A185C09}"/>
               </a:ext>
             </a:extLst>
           </p:cNvPr>
@@ -3002,7 +3019,7 @@
           <p:cNvPr id="6" name="Slide Number Placeholder 5">
             <a:extLst>
               <a:ext uri="{FF2B5EF4-FFF2-40B4-BE49-F238E27FC236}">
-                <a16:creationId xmlns:a16="http://schemas.microsoft.com/office/drawing/2014/main" xmlns="" id="{8802C0D6-942D-497C-8C71-7EA2E68322DB}"/>
+                <a16:creationId xmlns:a16="http://schemas.microsoft.com/office/drawing/2014/main" id="{8802C0D6-942D-497C-8C71-7EA2E68322DB}"/>
               </a:ext>
             </a:extLst>
           </p:cNvPr>
@@ -3048,7 +3065,7 @@
     </p:spTree>
     <p:extLst>
       <p:ext uri="{BB962C8B-B14F-4D97-AF65-F5344CB8AC3E}">
-        <p14:creationId xmlns:p14="http://schemas.microsoft.com/office/powerpoint/2010/main" xmlns="" val="2993723544"/>
+        <p14:creationId xmlns:p14="http://schemas.microsoft.com/office/powerpoint/2010/main" val="2993723544"/>
       </p:ext>
     </p:extLst>
   </p:cSld>
@@ -3371,7 +3388,7 @@
           <p:cNvPr id="5" name="Rectangle 65">
             <a:extLst>
               <a:ext uri="{FF2B5EF4-FFF2-40B4-BE49-F238E27FC236}">
-                <a16:creationId xmlns:a16="http://schemas.microsoft.com/office/drawing/2014/main" xmlns="" id="{8E3C357E-ABB5-41A9-A5C1-69A02DC38604}"/>
+                <a16:creationId xmlns:a16="http://schemas.microsoft.com/office/drawing/2014/main" id="{8E3C357E-ABB5-41A9-A5C1-69A02DC38604}"/>
               </a:ext>
             </a:extLst>
           </p:cNvPr>
@@ -3442,7 +3459,7 @@
           <p:cNvPr id="6" name="Rectangle 8">
             <a:extLst>
               <a:ext uri="{FF2B5EF4-FFF2-40B4-BE49-F238E27FC236}">
-                <a16:creationId xmlns:a16="http://schemas.microsoft.com/office/drawing/2014/main" xmlns="" id="{73EA49FA-4779-420D-8C5C-EE180E5D79D0}"/>
+                <a16:creationId xmlns:a16="http://schemas.microsoft.com/office/drawing/2014/main" id="{73EA49FA-4779-420D-8C5C-EE180E5D79D0}"/>
               </a:ext>
             </a:extLst>
           </p:cNvPr>
@@ -3526,7 +3543,7 @@
           <p:cNvPr id="7" name="Rectangle 62">
             <a:extLst>
               <a:ext uri="{FF2B5EF4-FFF2-40B4-BE49-F238E27FC236}">
-                <a16:creationId xmlns:a16="http://schemas.microsoft.com/office/drawing/2014/main" xmlns="" id="{89FAEFCA-D8A2-4BAE-9465-E32A8C6F0E7B}"/>
+                <a16:creationId xmlns:a16="http://schemas.microsoft.com/office/drawing/2014/main" id="{89FAEFCA-D8A2-4BAE-9465-E32A8C6F0E7B}"/>
               </a:ext>
             </a:extLst>
           </p:cNvPr>
@@ -3595,7 +3612,7 @@
           <p:cNvPr id="8" name="Rectangle 62">
             <a:extLst>
               <a:ext uri="{FF2B5EF4-FFF2-40B4-BE49-F238E27FC236}">
-                <a16:creationId xmlns:a16="http://schemas.microsoft.com/office/drawing/2014/main" xmlns="" id="{196BBDA1-90BC-471E-9E66-AF5E2130C384}"/>
+                <a16:creationId xmlns:a16="http://schemas.microsoft.com/office/drawing/2014/main" id="{196BBDA1-90BC-471E-9E66-AF5E2130C384}"/>
               </a:ext>
             </a:extLst>
           </p:cNvPr>
@@ -3675,7 +3692,7 @@
           <p:cNvPr id="9" name="Isosceles Triangle 102">
             <a:extLst>
               <a:ext uri="{FF2B5EF4-FFF2-40B4-BE49-F238E27FC236}">
-                <a16:creationId xmlns:a16="http://schemas.microsoft.com/office/drawing/2014/main" xmlns="" id="{89C120DC-1306-4ECC-9BF3-5683387CAC2E}"/>
+                <a16:creationId xmlns:a16="http://schemas.microsoft.com/office/drawing/2014/main" id="{89C120DC-1306-4ECC-9BF3-5683387CAC2E}"/>
               </a:ext>
             </a:extLst>
           </p:cNvPr>
@@ -3736,7 +3753,7 @@
           <p:cNvPr id="10" name="Straight Arrow Connector 9">
             <a:extLst>
               <a:ext uri="{FF2B5EF4-FFF2-40B4-BE49-F238E27FC236}">
-                <a16:creationId xmlns:a16="http://schemas.microsoft.com/office/drawing/2014/main" xmlns="" id="{C5047962-D635-4CCF-960C-774A175EDC0D}"/>
+                <a16:creationId xmlns:a16="http://schemas.microsoft.com/office/drawing/2014/main" id="{C5047962-D635-4CCF-960C-774A175EDC0D}"/>
               </a:ext>
             </a:extLst>
           </p:cNvPr>
@@ -3785,7 +3802,7 @@
           <p:cNvPr id="11" name="Elbow Connector 122">
             <a:extLst>
               <a:ext uri="{FF2B5EF4-FFF2-40B4-BE49-F238E27FC236}">
-                <a16:creationId xmlns:a16="http://schemas.microsoft.com/office/drawing/2014/main" xmlns="" id="{CE8DF955-1F71-4B34-B4E7-21541E34F173}"/>
+                <a16:creationId xmlns:a16="http://schemas.microsoft.com/office/drawing/2014/main" id="{CE8DF955-1F71-4B34-B4E7-21541E34F173}"/>
               </a:ext>
             </a:extLst>
           </p:cNvPr>
@@ -3834,7 +3851,7 @@
           <p:cNvPr id="12" name="Straight Connector 11">
             <a:extLst>
               <a:ext uri="{FF2B5EF4-FFF2-40B4-BE49-F238E27FC236}">
-                <a16:creationId xmlns:a16="http://schemas.microsoft.com/office/drawing/2014/main" xmlns="" id="{50D4C326-2E1D-4E48-B2BF-4A79B3764A69}"/>
+                <a16:creationId xmlns:a16="http://schemas.microsoft.com/office/drawing/2014/main" id="{50D4C326-2E1D-4E48-B2BF-4A79B3764A69}"/>
               </a:ext>
             </a:extLst>
           </p:cNvPr>
@@ -3883,7 +3900,7 @@
           <p:cNvPr id="13" name="Flowchart: Decision 96">
             <a:extLst>
               <a:ext uri="{FF2B5EF4-FFF2-40B4-BE49-F238E27FC236}">
-                <a16:creationId xmlns:a16="http://schemas.microsoft.com/office/drawing/2014/main" xmlns="" id="{7C3FF855-EC78-4D5F-8474-B26B4566D6D2}"/>
+                <a16:creationId xmlns:a16="http://schemas.microsoft.com/office/drawing/2014/main" id="{7C3FF855-EC78-4D5F-8474-B26B4566D6D2}"/>
               </a:ext>
             </a:extLst>
           </p:cNvPr>
@@ -3940,7 +3957,7 @@
           <p:cNvPr id="14" name="Elbow Connector 63">
             <a:extLst>
               <a:ext uri="{FF2B5EF4-FFF2-40B4-BE49-F238E27FC236}">
-                <a16:creationId xmlns:a16="http://schemas.microsoft.com/office/drawing/2014/main" xmlns="" id="{62F90075-15A2-4431-AC19-EB38E0E2218F}"/>
+                <a16:creationId xmlns:a16="http://schemas.microsoft.com/office/drawing/2014/main" id="{62F90075-15A2-4431-AC19-EB38E0E2218F}"/>
               </a:ext>
             </a:extLst>
           </p:cNvPr>
@@ -3992,7 +4009,7 @@
           <p:cNvPr id="15" name="Isosceles Triangle 102">
             <a:extLst>
               <a:ext uri="{FF2B5EF4-FFF2-40B4-BE49-F238E27FC236}">
-                <a16:creationId xmlns:a16="http://schemas.microsoft.com/office/drawing/2014/main" xmlns="" id="{C6DB5BE7-00B3-4309-9989-CC54E9523125}"/>
+                <a16:creationId xmlns:a16="http://schemas.microsoft.com/office/drawing/2014/main" id="{C6DB5BE7-00B3-4309-9989-CC54E9523125}"/>
               </a:ext>
             </a:extLst>
           </p:cNvPr>
@@ -4053,7 +4070,7 @@
           <p:cNvPr id="16" name="Elbow Connector 122">
             <a:extLst>
               <a:ext uri="{FF2B5EF4-FFF2-40B4-BE49-F238E27FC236}">
-                <a16:creationId xmlns:a16="http://schemas.microsoft.com/office/drawing/2014/main" xmlns="" id="{1A5EBAA3-4935-4D7A-963D-D7A0DC4A1790}"/>
+                <a16:creationId xmlns:a16="http://schemas.microsoft.com/office/drawing/2014/main" id="{1A5EBAA3-4935-4D7A-963D-D7A0DC4A1790}"/>
               </a:ext>
             </a:extLst>
           </p:cNvPr>
@@ -4105,7 +4122,7 @@
           <p:cNvPr id="17" name="Rectangle 8">
             <a:extLst>
               <a:ext uri="{FF2B5EF4-FFF2-40B4-BE49-F238E27FC236}">
-                <a16:creationId xmlns:a16="http://schemas.microsoft.com/office/drawing/2014/main" xmlns="" id="{BBDC8D3D-AD41-43EE-8084-774283A0A20F}"/>
+                <a16:creationId xmlns:a16="http://schemas.microsoft.com/office/drawing/2014/main" id="{BBDC8D3D-AD41-43EE-8084-774283A0A20F}"/>
               </a:ext>
             </a:extLst>
           </p:cNvPr>
@@ -4186,7 +4203,7 @@
           <p:cNvPr id="24" name="Rectangle 8">
             <a:extLst>
               <a:ext uri="{FF2B5EF4-FFF2-40B4-BE49-F238E27FC236}">
-                <a16:creationId xmlns:a16="http://schemas.microsoft.com/office/drawing/2014/main" xmlns="" id="{35B69C66-C857-4D8B-9B4B-058607D5DEC1}"/>
+                <a16:creationId xmlns:a16="http://schemas.microsoft.com/office/drawing/2014/main" id="{35B69C66-C857-4D8B-9B4B-058607D5DEC1}"/>
               </a:ext>
             </a:extLst>
           </p:cNvPr>
@@ -4267,7 +4284,7 @@
           <p:cNvPr id="27" name="Rectangle 8">
             <a:extLst>
               <a:ext uri="{FF2B5EF4-FFF2-40B4-BE49-F238E27FC236}">
-                <a16:creationId xmlns:a16="http://schemas.microsoft.com/office/drawing/2014/main" xmlns="" id="{74AE5BF5-DA18-4BF5-96BE-F42DFE3E455C}"/>
+                <a16:creationId xmlns:a16="http://schemas.microsoft.com/office/drawing/2014/main" id="{74AE5BF5-DA18-4BF5-96BE-F42DFE3E455C}"/>
               </a:ext>
             </a:extLst>
           </p:cNvPr>
@@ -4305,7 +4322,7 @@
           <a:p>
             <a:pPr algn="ctr"/>
             <a:r>
-              <a:rPr lang="en-US" sz="1030" b="1" dirty="0" smtClean="0">
+              <a:rPr lang="en-US" sz="1030" b="1" dirty="0">
                 <a:solidFill>
                   <a:schemeClr val="accent6">
                     <a:lumMod val="75000"/>
@@ -4318,7 +4335,7 @@
           <a:p>
             <a:pPr algn="ctr"/>
             <a:r>
-              <a:rPr lang="en-US" sz="1030" b="1" dirty="0" smtClean="0">
+              <a:rPr lang="en-US" sz="1030" b="1" dirty="0">
                 <a:solidFill>
                   <a:schemeClr val="accent6">
                     <a:lumMod val="75000"/>
@@ -4342,7 +4359,7 @@
           <p:cNvPr id="28" name="Elbow Connector 122">
             <a:extLst>
               <a:ext uri="{FF2B5EF4-FFF2-40B4-BE49-F238E27FC236}">
-                <a16:creationId xmlns:a16="http://schemas.microsoft.com/office/drawing/2014/main" xmlns="" id="{A80466DF-9A8C-4296-A612-F392652DC6CD}"/>
+                <a16:creationId xmlns:a16="http://schemas.microsoft.com/office/drawing/2014/main" id="{A80466DF-9A8C-4296-A612-F392652DC6CD}"/>
               </a:ext>
             </a:extLst>
           </p:cNvPr>
@@ -4387,7 +4404,1964 @@
     </p:spTree>
     <p:extLst>
       <p:ext uri="{BB962C8B-B14F-4D97-AF65-F5344CB8AC3E}">
-        <p14:creationId xmlns:p14="http://schemas.microsoft.com/office/powerpoint/2010/main" xmlns="" val="3895757043"/>
+        <p14:creationId xmlns:p14="http://schemas.microsoft.com/office/powerpoint/2010/main" val="3895757043"/>
+      </p:ext>
+    </p:extLst>
+  </p:cSld>
+  <p:clrMapOvr>
+    <a:masterClrMapping/>
+  </p:clrMapOvr>
+</p:sld>
+</file>
+
+<file path=ppt/slides/slide2.xml><?xml version="1.0" encoding="utf-8"?>
+<p:sld xmlns:a="http://schemas.openxmlformats.org/drawingml/2006/main" xmlns:r="http://schemas.openxmlformats.org/officeDocument/2006/relationships" xmlns:p="http://schemas.openxmlformats.org/presentationml/2006/main">
+  <p:cSld>
+    <p:spTree>
+      <p:nvGrpSpPr>
+        <p:cNvPr id="1" name=""/>
+        <p:cNvGrpSpPr/>
+        <p:nvPr/>
+      </p:nvGrpSpPr>
+      <p:grpSpPr>
+        <a:xfrm>
+          <a:off x="0" y="0"/>
+          <a:ext cx="0" cy="0"/>
+          <a:chOff x="0" y="0"/>
+          <a:chExt cx="0" cy="0"/>
+        </a:xfrm>
+      </p:grpSpPr>
+      <p:sp>
+        <p:nvSpPr>
+          <p:cNvPr id="25" name="Rectangle 65">
+            <a:extLst>
+              <a:ext uri="{FF2B5EF4-FFF2-40B4-BE49-F238E27FC236}">
+                <a16:creationId xmlns:a16="http://schemas.microsoft.com/office/drawing/2014/main" id="{56F94869-BF76-4F17-B8D2-64C0F83702A4}"/>
+              </a:ext>
+            </a:extLst>
+          </p:cNvPr>
+          <p:cNvSpPr/>
+          <p:nvPr/>
+        </p:nvSpPr>
+        <p:spPr>
+          <a:xfrm>
+            <a:off x="2171699" y="1269876"/>
+            <a:ext cx="7905751" cy="3749164"/>
+          </a:xfrm>
+          <a:prstGeom prst="roundRect">
+            <a:avLst>
+              <a:gd name="adj" fmla="val 3484"/>
+            </a:avLst>
+          </a:prstGeom>
+          <a:solidFill>
+            <a:schemeClr val="accent6">
+              <a:lumMod val="20000"/>
+              <a:lumOff val="80000"/>
+            </a:schemeClr>
+          </a:solidFill>
+          <a:ln w="19050">
+            <a:noFill/>
+          </a:ln>
+          <a:effectLst/>
+        </p:spPr>
+        <p:style>
+          <a:lnRef idx="1">
+            <a:schemeClr val="accent2"/>
+          </a:lnRef>
+          <a:fillRef idx="2">
+            <a:schemeClr val="accent2"/>
+          </a:fillRef>
+          <a:effectRef idx="1">
+            <a:schemeClr val="accent2"/>
+          </a:effectRef>
+          <a:fontRef idx="minor">
+            <a:schemeClr val="dk1"/>
+          </a:fontRef>
+        </p:style>
+        <p:txBody>
+          <a:bodyPr rtlCol="0" anchor="t"/>
+          <a:lstStyle/>
+          <a:p>
+            <a:r>
+              <a:rPr lang="en-US" sz="1200" b="1" dirty="0">
+                <a:solidFill>
+                  <a:schemeClr val="accent6">
+                    <a:lumMod val="75000"/>
+                  </a:schemeClr>
+                </a:solidFill>
+              </a:rPr>
+              <a:t>Course Storage</a:t>
+            </a:r>
+            <a:endParaRPr lang="en-SG" sz="1200" b="1" dirty="0">
+              <a:solidFill>
+                <a:schemeClr val="accent6">
+                  <a:lumMod val="75000"/>
+                </a:schemeClr>
+              </a:solidFill>
+            </a:endParaRPr>
+          </a:p>
+        </p:txBody>
+      </p:sp>
+      <p:sp>
+        <p:nvSpPr>
+          <p:cNvPr id="26" name="Rectangle 8">
+            <a:extLst>
+              <a:ext uri="{FF2B5EF4-FFF2-40B4-BE49-F238E27FC236}">
+                <a16:creationId xmlns:a16="http://schemas.microsoft.com/office/drawing/2014/main" id="{BA16EA88-C2C7-410C-957A-245530029433}"/>
+              </a:ext>
+            </a:extLst>
+          </p:cNvPr>
+          <p:cNvSpPr/>
+          <p:nvPr/>
+        </p:nvSpPr>
+        <p:spPr>
+          <a:xfrm>
+            <a:off x="4101274" y="2454084"/>
+            <a:ext cx="1323049" cy="346760"/>
+          </a:xfrm>
+          <a:prstGeom prst="rect">
+            <a:avLst/>
+          </a:prstGeom>
+          <a:solidFill>
+            <a:schemeClr val="accent6">
+              <a:lumMod val="75000"/>
+            </a:schemeClr>
+          </a:solidFill>
+          <a:ln w="19050">
+            <a:solidFill>
+              <a:schemeClr val="accent6">
+                <a:lumMod val="75000"/>
+              </a:schemeClr>
+            </a:solidFill>
+          </a:ln>
+          <a:effectLst/>
+        </p:spPr>
+        <p:style>
+          <a:lnRef idx="1">
+            <a:schemeClr val="accent2"/>
+          </a:lnRef>
+          <a:fillRef idx="2">
+            <a:schemeClr val="accent2"/>
+          </a:fillRef>
+          <a:effectRef idx="1">
+            <a:schemeClr val="accent2"/>
+          </a:effectRef>
+          <a:fontRef idx="minor">
+            <a:schemeClr val="dk1"/>
+          </a:fontRef>
+        </p:style>
+        <p:txBody>
+          <a:bodyPr rtlCol="0" anchor="ctr"/>
+          <a:lstStyle/>
+          <a:p>
+            <a:pPr algn="ctr"/>
+            <a:r>
+              <a:rPr lang="en-US" sz="1050" dirty="0">
+                <a:solidFill>
+                  <a:schemeClr val="bg1"/>
+                </a:solidFill>
+              </a:rPr>
+              <a:t>&lt;&lt;interface&gt;&gt;</a:t>
+            </a:r>
+            <a:br>
+              <a:rPr lang="en-US" sz="1050" dirty="0">
+                <a:solidFill>
+                  <a:schemeClr val="bg1"/>
+                </a:solidFill>
+              </a:rPr>
+            </a:br>
+            <a:r>
+              <a:rPr lang="en-US" sz="1050" dirty="0" err="1">
+                <a:solidFill>
+                  <a:schemeClr val="bg1"/>
+                </a:solidFill>
+              </a:rPr>
+              <a:t>CourseStorage</a:t>
+            </a:r>
+            <a:endParaRPr lang="en-SG" sz="1050" dirty="0">
+              <a:solidFill>
+                <a:schemeClr val="bg1"/>
+              </a:solidFill>
+            </a:endParaRPr>
+          </a:p>
+        </p:txBody>
+      </p:sp>
+      <p:sp>
+        <p:nvSpPr>
+          <p:cNvPr id="27" name="Rectangle 62">
+            <a:extLst>
+              <a:ext uri="{FF2B5EF4-FFF2-40B4-BE49-F238E27FC236}">
+                <a16:creationId xmlns:a16="http://schemas.microsoft.com/office/drawing/2014/main" id="{574F2244-E82E-4A39-8201-0F20AC04E671}"/>
+              </a:ext>
+            </a:extLst>
+          </p:cNvPr>
+          <p:cNvSpPr/>
+          <p:nvPr/>
+        </p:nvSpPr>
+        <p:spPr>
+          <a:xfrm rot="16200000">
+            <a:off x="2757910" y="2465081"/>
+            <a:ext cx="1361696" cy="346760"/>
+          </a:xfrm>
+          <a:prstGeom prst="rect">
+            <a:avLst/>
+          </a:prstGeom>
+          <a:solidFill>
+            <a:schemeClr val="accent6">
+              <a:lumMod val="75000"/>
+            </a:schemeClr>
+          </a:solidFill>
+          <a:ln w="19050">
+            <a:solidFill>
+              <a:schemeClr val="accent6">
+                <a:lumMod val="75000"/>
+              </a:schemeClr>
+            </a:solidFill>
+          </a:ln>
+          <a:effectLst/>
+        </p:spPr>
+        <p:style>
+          <a:lnRef idx="1">
+            <a:schemeClr val="accent2"/>
+          </a:lnRef>
+          <a:fillRef idx="2">
+            <a:schemeClr val="accent2"/>
+          </a:fillRef>
+          <a:effectRef idx="1">
+            <a:schemeClr val="accent2"/>
+          </a:effectRef>
+          <a:fontRef idx="minor">
+            <a:schemeClr val="dk1"/>
+          </a:fontRef>
+        </p:style>
+        <p:txBody>
+          <a:bodyPr rtlCol="0" anchor="ctr"/>
+          <a:lstStyle/>
+          <a:p>
+            <a:pPr algn="ctr"/>
+            <a:r>
+              <a:rPr lang="en-SG" sz="1050" dirty="0" err="1">
+                <a:solidFill>
+                  <a:schemeClr val="bg1"/>
+                </a:solidFill>
+              </a:rPr>
+              <a:t>CourseManager</a:t>
+            </a:r>
+            <a:endParaRPr lang="en-SG" sz="1050" dirty="0">
+              <a:solidFill>
+                <a:schemeClr val="bg1"/>
+              </a:solidFill>
+            </a:endParaRPr>
+          </a:p>
+        </p:txBody>
+      </p:sp>
+      <p:sp>
+        <p:nvSpPr>
+          <p:cNvPr id="28" name="Rectangle 62">
+            <a:extLst>
+              <a:ext uri="{FF2B5EF4-FFF2-40B4-BE49-F238E27FC236}">
+                <a16:creationId xmlns:a16="http://schemas.microsoft.com/office/drawing/2014/main" id="{5A8B944D-85CA-4F06-BAFF-DE1DC00500B8}"/>
+              </a:ext>
+            </a:extLst>
+          </p:cNvPr>
+          <p:cNvSpPr/>
+          <p:nvPr/>
+        </p:nvSpPr>
+        <p:spPr>
+          <a:xfrm rot="16200000">
+            <a:off x="2015587" y="2470198"/>
+            <a:ext cx="1236826" cy="471963"/>
+          </a:xfrm>
+          <a:prstGeom prst="rect">
+            <a:avLst/>
+          </a:prstGeom>
+          <a:solidFill>
+            <a:schemeClr val="accent6">
+              <a:lumMod val="75000"/>
+            </a:schemeClr>
+          </a:solidFill>
+          <a:ln w="19050">
+            <a:solidFill>
+              <a:schemeClr val="accent6">
+                <a:lumMod val="75000"/>
+              </a:schemeClr>
+            </a:solidFill>
+          </a:ln>
+          <a:effectLst/>
+        </p:spPr>
+        <p:style>
+          <a:lnRef idx="1">
+            <a:schemeClr val="accent2"/>
+          </a:lnRef>
+          <a:fillRef idx="2">
+            <a:schemeClr val="accent2"/>
+          </a:fillRef>
+          <a:effectRef idx="1">
+            <a:schemeClr val="accent2"/>
+          </a:effectRef>
+          <a:fontRef idx="minor">
+            <a:schemeClr val="dk1"/>
+          </a:fontRef>
+        </p:style>
+        <p:txBody>
+          <a:bodyPr rtlCol="0" anchor="ctr"/>
+          <a:lstStyle/>
+          <a:p>
+            <a:pPr algn="ctr"/>
+            <a:r>
+              <a:rPr lang="en-US" sz="1050" dirty="0">
+                <a:solidFill>
+                  <a:schemeClr val="bg1"/>
+                </a:solidFill>
+              </a:rPr>
+              <a:t>&lt;&lt;interface&gt;&gt;</a:t>
+            </a:r>
+          </a:p>
+          <a:p>
+            <a:pPr algn="ctr"/>
+            <a:r>
+              <a:rPr lang="en-US" sz="1050" dirty="0" err="1">
+                <a:solidFill>
+                  <a:schemeClr val="bg1"/>
+                </a:solidFill>
+              </a:rPr>
+              <a:t>CourseStorage</a:t>
+            </a:r>
+            <a:endParaRPr lang="en-SG" sz="1050" dirty="0">
+              <a:solidFill>
+                <a:schemeClr val="bg1"/>
+              </a:solidFill>
+            </a:endParaRPr>
+          </a:p>
+        </p:txBody>
+      </p:sp>
+      <p:sp>
+        <p:nvSpPr>
+          <p:cNvPr id="29" name="Isosceles Triangle 102">
+            <a:extLst>
+              <a:ext uri="{FF2B5EF4-FFF2-40B4-BE49-F238E27FC236}">
+                <a16:creationId xmlns:a16="http://schemas.microsoft.com/office/drawing/2014/main" id="{888D0679-DDB9-4D4A-9F84-6DFCABB03101}"/>
+              </a:ext>
+            </a:extLst>
+          </p:cNvPr>
+          <p:cNvSpPr/>
+          <p:nvPr/>
+        </p:nvSpPr>
+        <p:spPr>
+          <a:xfrm rot="16200000">
+            <a:off x="2824374" y="2545395"/>
+            <a:ext cx="270504" cy="175523"/>
+          </a:xfrm>
+          <a:prstGeom prst="triangle">
+            <a:avLst/>
+          </a:prstGeom>
+          <a:solidFill>
+            <a:schemeClr val="accent6">
+              <a:lumMod val="75000"/>
+            </a:schemeClr>
+          </a:solidFill>
+          <a:ln w="19050">
+            <a:solidFill>
+              <a:schemeClr val="accent6">
+                <a:lumMod val="75000"/>
+              </a:schemeClr>
+            </a:solidFill>
+          </a:ln>
+          <a:effectLst/>
+        </p:spPr>
+        <p:style>
+          <a:lnRef idx="1">
+            <a:schemeClr val="accent2"/>
+          </a:lnRef>
+          <a:fillRef idx="2">
+            <a:schemeClr val="accent2"/>
+          </a:fillRef>
+          <a:effectRef idx="1">
+            <a:schemeClr val="accent2"/>
+          </a:effectRef>
+          <a:fontRef idx="minor">
+            <a:schemeClr val="dk1"/>
+          </a:fontRef>
+        </p:style>
+        <p:txBody>
+          <a:bodyPr rtlCol="0" anchor="ctr"/>
+          <a:lstStyle/>
+          <a:p>
+            <a:pPr algn="ctr"/>
+            <a:endParaRPr lang="en-SG" sz="1050" dirty="0">
+              <a:solidFill>
+                <a:schemeClr val="bg1"/>
+              </a:solidFill>
+            </a:endParaRPr>
+          </a:p>
+        </p:txBody>
+      </p:sp>
+      <p:cxnSp>
+        <p:nvCxnSpPr>
+          <p:cNvPr id="30" name="Straight Arrow Connector 29">
+            <a:extLst>
+              <a:ext uri="{FF2B5EF4-FFF2-40B4-BE49-F238E27FC236}">
+                <a16:creationId xmlns:a16="http://schemas.microsoft.com/office/drawing/2014/main" id="{CC995136-A4E9-4FF2-8183-A07811FD144C}"/>
+              </a:ext>
+            </a:extLst>
+          </p:cNvPr>
+          <p:cNvCxnSpPr>
+            <a:stCxn id="33" idx="3"/>
+            <a:endCxn id="26" idx="1"/>
+          </p:cNvCxnSpPr>
+          <p:nvPr/>
+        </p:nvCxnSpPr>
+        <p:spPr>
+          <a:xfrm>
+            <a:off x="3871588" y="2627464"/>
+            <a:ext cx="229686" cy="0"/>
+          </a:xfrm>
+          <a:prstGeom prst="straightConnector1">
+            <a:avLst/>
+          </a:prstGeom>
+          <a:ln w="19050">
+            <a:solidFill>
+              <a:schemeClr val="accent6">
+                <a:lumMod val="75000"/>
+              </a:schemeClr>
+            </a:solidFill>
+            <a:headEnd type="none" w="med" len="med"/>
+            <a:tailEnd type="arrow" w="med" len="med"/>
+          </a:ln>
+          <a:effectLst/>
+        </p:spPr>
+        <p:style>
+          <a:lnRef idx="1">
+            <a:schemeClr val="accent2"/>
+          </a:lnRef>
+          <a:fillRef idx="2">
+            <a:schemeClr val="accent2"/>
+          </a:fillRef>
+          <a:effectRef idx="1">
+            <a:schemeClr val="accent2"/>
+          </a:effectRef>
+          <a:fontRef idx="minor">
+            <a:schemeClr val="dk1"/>
+          </a:fontRef>
+        </p:style>
+      </p:cxnSp>
+      <p:cxnSp>
+        <p:nvCxnSpPr>
+          <p:cNvPr id="31" name="Elbow Connector 122">
+            <a:extLst>
+              <a:ext uri="{FF2B5EF4-FFF2-40B4-BE49-F238E27FC236}">
+                <a16:creationId xmlns:a16="http://schemas.microsoft.com/office/drawing/2014/main" id="{D610C2FE-E62E-49E1-AACE-3381B175365E}"/>
+              </a:ext>
+            </a:extLst>
+          </p:cNvPr>
+          <p:cNvCxnSpPr>
+            <a:cxnSpLocks/>
+          </p:cNvCxnSpPr>
+          <p:nvPr/>
+        </p:nvCxnSpPr>
+        <p:spPr>
+          <a:xfrm>
+            <a:off x="1978470" y="2633157"/>
+            <a:ext cx="419548" cy="2860"/>
+          </a:xfrm>
+          <a:prstGeom prst="bentConnector3">
+            <a:avLst>
+              <a:gd name="adj1" fmla="val 50000"/>
+            </a:avLst>
+          </a:prstGeom>
+          <a:ln w="19050">
+            <a:solidFill>
+              <a:schemeClr val="bg1">
+                <a:lumMod val="75000"/>
+              </a:schemeClr>
+            </a:solidFill>
+            <a:prstDash val="sysDot"/>
+            <a:headEnd type="none" w="med" len="med"/>
+            <a:tailEnd type="arrow" w="med" len="med"/>
+          </a:ln>
+          <a:effectLst/>
+        </p:spPr>
+        <p:style>
+          <a:lnRef idx="1">
+            <a:schemeClr val="accent2"/>
+          </a:lnRef>
+          <a:fillRef idx="2">
+            <a:schemeClr val="accent2"/>
+          </a:fillRef>
+          <a:effectRef idx="1">
+            <a:schemeClr val="accent2"/>
+          </a:effectRef>
+          <a:fontRef idx="minor">
+            <a:schemeClr val="dk1"/>
+          </a:fontRef>
+        </p:style>
+      </p:cxnSp>
+      <p:cxnSp>
+        <p:nvCxnSpPr>
+          <p:cNvPr id="32" name="Straight Connector 31">
+            <a:extLst>
+              <a:ext uri="{FF2B5EF4-FFF2-40B4-BE49-F238E27FC236}">
+                <a16:creationId xmlns:a16="http://schemas.microsoft.com/office/drawing/2014/main" id="{86492FC5-04FB-4953-B342-91BA71C863D6}"/>
+              </a:ext>
+            </a:extLst>
+          </p:cNvPr>
+          <p:cNvCxnSpPr>
+            <a:stCxn id="29" idx="3"/>
+          </p:cNvCxnSpPr>
+          <p:nvPr/>
+        </p:nvCxnSpPr>
+        <p:spPr>
+          <a:xfrm flipV="1">
+            <a:off x="3047388" y="2633156"/>
+            <a:ext cx="216105" cy="1"/>
+          </a:xfrm>
+          <a:prstGeom prst="line">
+            <a:avLst/>
+          </a:prstGeom>
+          <a:ln w="19050">
+            <a:solidFill>
+              <a:schemeClr val="accent6">
+                <a:lumMod val="75000"/>
+              </a:schemeClr>
+            </a:solidFill>
+            <a:prstDash val="sysDot"/>
+            <a:headEnd type="none" w="med" len="med"/>
+            <a:tailEnd type="none" w="med" len="med"/>
+          </a:ln>
+          <a:effectLst/>
+        </p:spPr>
+        <p:style>
+          <a:lnRef idx="1">
+            <a:schemeClr val="accent2"/>
+          </a:lnRef>
+          <a:fillRef idx="2">
+            <a:schemeClr val="accent2"/>
+          </a:fillRef>
+          <a:effectRef idx="1">
+            <a:schemeClr val="accent2"/>
+          </a:effectRef>
+          <a:fontRef idx="minor">
+            <a:schemeClr val="dk1"/>
+          </a:fontRef>
+        </p:style>
+      </p:cxnSp>
+      <p:sp>
+        <p:nvSpPr>
+          <p:cNvPr id="33" name="Flowchart: Decision 96">
+            <a:extLst>
+              <a:ext uri="{FF2B5EF4-FFF2-40B4-BE49-F238E27FC236}">
+                <a16:creationId xmlns:a16="http://schemas.microsoft.com/office/drawing/2014/main" id="{53A91D57-6DE4-4327-A250-7EB9B16DA334}"/>
+              </a:ext>
+            </a:extLst>
+          </p:cNvPr>
+          <p:cNvSpPr/>
+          <p:nvPr/>
+        </p:nvSpPr>
+        <p:spPr>
+          <a:xfrm>
+            <a:off x="3635540" y="2540774"/>
+            <a:ext cx="236048" cy="173380"/>
+          </a:xfrm>
+          <a:prstGeom prst="flowChartDecision">
+            <a:avLst/>
+          </a:prstGeom>
+          <a:noFill/>
+          <a:ln w="19050">
+            <a:solidFill>
+              <a:schemeClr val="accent6">
+                <a:lumMod val="75000"/>
+              </a:schemeClr>
+            </a:solidFill>
+          </a:ln>
+          <a:effectLst/>
+        </p:spPr>
+        <p:style>
+          <a:lnRef idx="1">
+            <a:schemeClr val="accent2"/>
+          </a:lnRef>
+          <a:fillRef idx="2">
+            <a:schemeClr val="accent2"/>
+          </a:fillRef>
+          <a:effectRef idx="1">
+            <a:schemeClr val="accent2"/>
+          </a:effectRef>
+          <a:fontRef idx="minor">
+            <a:schemeClr val="dk1"/>
+          </a:fontRef>
+        </p:style>
+        <p:txBody>
+          <a:bodyPr rtlCol="0" anchor="ctr"/>
+          <a:lstStyle/>
+          <a:p>
+            <a:pPr algn="ctr"/>
+            <a:endParaRPr lang="en-US" sz="1050" dirty="0">
+              <a:solidFill>
+                <a:schemeClr val="bg1"/>
+              </a:solidFill>
+            </a:endParaRPr>
+          </a:p>
+        </p:txBody>
+      </p:sp>
+      <p:cxnSp>
+        <p:nvCxnSpPr>
+          <p:cNvPr id="34" name="Elbow Connector 63">
+            <a:extLst>
+              <a:ext uri="{FF2B5EF4-FFF2-40B4-BE49-F238E27FC236}">
+                <a16:creationId xmlns:a16="http://schemas.microsoft.com/office/drawing/2014/main" id="{B035F1D6-902B-421A-AC76-2B823BCBBA4B}"/>
+              </a:ext>
+            </a:extLst>
+          </p:cNvPr>
+          <p:cNvCxnSpPr>
+            <a:stCxn id="35" idx="3"/>
+            <a:endCxn id="37" idx="1"/>
+          </p:cNvCxnSpPr>
+          <p:nvPr/>
+        </p:nvCxnSpPr>
+        <p:spPr>
+          <a:xfrm>
+            <a:off x="5628841" y="2632414"/>
+            <a:ext cx="86159" cy="0"/>
+          </a:xfrm>
+          <a:prstGeom prst="straightConnector1">
+            <a:avLst/>
+          </a:prstGeom>
+          <a:ln w="19050">
+            <a:solidFill>
+              <a:schemeClr val="accent6">
+                <a:lumMod val="75000"/>
+              </a:schemeClr>
+            </a:solidFill>
+            <a:prstDash val="sysDot"/>
+            <a:headEnd type="none" w="med" len="med"/>
+            <a:tailEnd type="none" w="med" len="med"/>
+          </a:ln>
+          <a:effectLst/>
+        </p:spPr>
+        <p:style>
+          <a:lnRef idx="1">
+            <a:schemeClr val="accent2"/>
+          </a:lnRef>
+          <a:fillRef idx="2">
+            <a:schemeClr val="accent2"/>
+          </a:fillRef>
+          <a:effectRef idx="1">
+            <a:schemeClr val="accent2"/>
+          </a:effectRef>
+          <a:fontRef idx="minor">
+            <a:schemeClr val="dk1"/>
+          </a:fontRef>
+        </p:style>
+      </p:cxnSp>
+      <p:sp>
+        <p:nvSpPr>
+          <p:cNvPr id="35" name="Isosceles Triangle 102">
+            <a:extLst>
+              <a:ext uri="{FF2B5EF4-FFF2-40B4-BE49-F238E27FC236}">
+                <a16:creationId xmlns:a16="http://schemas.microsoft.com/office/drawing/2014/main" id="{7157F904-26F1-42F8-A374-116B6E6D5EC8}"/>
+              </a:ext>
+            </a:extLst>
+          </p:cNvPr>
+          <p:cNvSpPr/>
+          <p:nvPr/>
+        </p:nvSpPr>
+        <p:spPr>
+          <a:xfrm rot="5400000" flipV="1">
+            <a:off x="5405827" y="2544652"/>
+            <a:ext cx="270504" cy="175523"/>
+          </a:xfrm>
+          <a:prstGeom prst="triangle">
+            <a:avLst/>
+          </a:prstGeom>
+          <a:solidFill>
+            <a:schemeClr val="accent6">
+              <a:lumMod val="75000"/>
+            </a:schemeClr>
+          </a:solidFill>
+          <a:ln w="19050">
+            <a:solidFill>
+              <a:schemeClr val="accent6">
+                <a:lumMod val="75000"/>
+              </a:schemeClr>
+            </a:solidFill>
+          </a:ln>
+          <a:effectLst/>
+        </p:spPr>
+        <p:style>
+          <a:lnRef idx="1">
+            <a:schemeClr val="accent2"/>
+          </a:lnRef>
+          <a:fillRef idx="2">
+            <a:schemeClr val="accent2"/>
+          </a:fillRef>
+          <a:effectRef idx="1">
+            <a:schemeClr val="accent2"/>
+          </a:effectRef>
+          <a:fontRef idx="minor">
+            <a:schemeClr val="dk1"/>
+          </a:fontRef>
+        </p:style>
+        <p:txBody>
+          <a:bodyPr rtlCol="0" anchor="ctr"/>
+          <a:lstStyle/>
+          <a:p>
+            <a:pPr algn="ctr"/>
+            <a:endParaRPr lang="en-SG" sz="1050" dirty="0">
+              <a:solidFill>
+                <a:schemeClr val="bg1"/>
+              </a:solidFill>
+            </a:endParaRPr>
+          </a:p>
+        </p:txBody>
+      </p:sp>
+      <p:cxnSp>
+        <p:nvCxnSpPr>
+          <p:cNvPr id="36" name="Elbow Connector 122">
+            <a:extLst>
+              <a:ext uri="{FF2B5EF4-FFF2-40B4-BE49-F238E27FC236}">
+                <a16:creationId xmlns:a16="http://schemas.microsoft.com/office/drawing/2014/main" id="{1815D5C3-5E0A-46DA-8A82-53D42C678122}"/>
+              </a:ext>
+            </a:extLst>
+          </p:cNvPr>
+          <p:cNvCxnSpPr>
+            <a:stCxn id="37" idx="3"/>
+            <a:endCxn id="38" idx="1"/>
+          </p:cNvCxnSpPr>
+          <p:nvPr/>
+        </p:nvCxnSpPr>
+        <p:spPr>
+          <a:xfrm flipV="1">
+            <a:off x="6884835" y="2632413"/>
+            <a:ext cx="279544" cy="1"/>
+          </a:xfrm>
+          <a:prstGeom prst="straightConnector1">
+            <a:avLst/>
+          </a:prstGeom>
+          <a:ln w="19050">
+            <a:solidFill>
+              <a:schemeClr val="accent6">
+                <a:lumMod val="75000"/>
+              </a:schemeClr>
+            </a:solidFill>
+            <a:prstDash val="sysDot"/>
+            <a:headEnd type="none" w="med" len="med"/>
+            <a:tailEnd type="arrow" w="med" len="med"/>
+          </a:ln>
+          <a:effectLst/>
+        </p:spPr>
+        <p:style>
+          <a:lnRef idx="1">
+            <a:schemeClr val="accent2"/>
+          </a:lnRef>
+          <a:fillRef idx="2">
+            <a:schemeClr val="accent2"/>
+          </a:fillRef>
+          <a:effectRef idx="1">
+            <a:schemeClr val="accent2"/>
+          </a:effectRef>
+          <a:fontRef idx="minor">
+            <a:schemeClr val="dk1"/>
+          </a:fontRef>
+        </p:style>
+      </p:cxnSp>
+      <p:sp>
+        <p:nvSpPr>
+          <p:cNvPr id="37" name="Rectangle 8">
+            <a:extLst>
+              <a:ext uri="{FF2B5EF4-FFF2-40B4-BE49-F238E27FC236}">
+                <a16:creationId xmlns:a16="http://schemas.microsoft.com/office/drawing/2014/main" id="{755E1C97-945F-4113-95C6-62D42DCC9928}"/>
+              </a:ext>
+            </a:extLst>
+          </p:cNvPr>
+          <p:cNvSpPr/>
+          <p:nvPr/>
+        </p:nvSpPr>
+        <p:spPr>
+          <a:xfrm>
+            <a:off x="5715000" y="2459034"/>
+            <a:ext cx="1169835" cy="346760"/>
+          </a:xfrm>
+          <a:prstGeom prst="rect">
+            <a:avLst/>
+          </a:prstGeom>
+          <a:ln w="19050"/>
+          <a:effectLst/>
+        </p:spPr>
+        <p:style>
+          <a:lnRef idx="1">
+            <a:schemeClr val="accent6"/>
+          </a:lnRef>
+          <a:fillRef idx="2">
+            <a:schemeClr val="accent6"/>
+          </a:fillRef>
+          <a:effectRef idx="1">
+            <a:schemeClr val="accent6"/>
+          </a:effectRef>
+          <a:fontRef idx="minor">
+            <a:schemeClr val="dk1"/>
+          </a:fontRef>
+        </p:style>
+        <p:txBody>
+          <a:bodyPr rtlCol="0" anchor="ctr"/>
+          <a:lstStyle/>
+          <a:p>
+            <a:pPr algn="ctr"/>
+            <a:r>
+              <a:rPr lang="en-US" sz="1050" b="1" dirty="0" err="1">
+                <a:solidFill>
+                  <a:schemeClr val="accent6">
+                    <a:lumMod val="75000"/>
+                  </a:schemeClr>
+                </a:solidFill>
+              </a:rPr>
+              <a:t>JsonCourse</a:t>
+            </a:r>
+            <a:endParaRPr lang="en-US" sz="1050" b="1" dirty="0">
+              <a:solidFill>
+                <a:schemeClr val="accent6">
+                  <a:lumMod val="75000"/>
+                </a:schemeClr>
+              </a:solidFill>
+            </a:endParaRPr>
+          </a:p>
+          <a:p>
+            <a:pPr algn="ctr"/>
+            <a:r>
+              <a:rPr lang="en-US" sz="1050" b="1" dirty="0">
+                <a:solidFill>
+                  <a:schemeClr val="accent6">
+                    <a:lumMod val="75000"/>
+                  </a:schemeClr>
+                </a:solidFill>
+              </a:rPr>
+              <a:t>Storage</a:t>
+            </a:r>
+            <a:endParaRPr lang="en-SG" sz="1050" b="1" dirty="0">
+              <a:solidFill>
+                <a:schemeClr val="accent6">
+                  <a:lumMod val="75000"/>
+                </a:schemeClr>
+              </a:solidFill>
+            </a:endParaRPr>
+          </a:p>
+        </p:txBody>
+      </p:sp>
+      <p:sp>
+        <p:nvSpPr>
+          <p:cNvPr id="38" name="Rectangle 8">
+            <a:extLst>
+              <a:ext uri="{FF2B5EF4-FFF2-40B4-BE49-F238E27FC236}">
+                <a16:creationId xmlns:a16="http://schemas.microsoft.com/office/drawing/2014/main" id="{53ED7ABB-7BCC-43F9-8679-0EF8AE926375}"/>
+              </a:ext>
+            </a:extLst>
+          </p:cNvPr>
+          <p:cNvSpPr/>
+          <p:nvPr/>
+        </p:nvSpPr>
+        <p:spPr>
+          <a:xfrm>
+            <a:off x="7164379" y="2459033"/>
+            <a:ext cx="1200707" cy="346760"/>
+          </a:xfrm>
+          <a:prstGeom prst="rect">
+            <a:avLst/>
+          </a:prstGeom>
+          <a:ln w="19050"/>
+          <a:effectLst/>
+        </p:spPr>
+        <p:style>
+          <a:lnRef idx="1">
+            <a:schemeClr val="accent6"/>
+          </a:lnRef>
+          <a:fillRef idx="2">
+            <a:schemeClr val="accent6"/>
+          </a:fillRef>
+          <a:effectRef idx="1">
+            <a:schemeClr val="accent6"/>
+          </a:effectRef>
+          <a:fontRef idx="minor">
+            <a:schemeClr val="dk1"/>
+          </a:fontRef>
+        </p:style>
+        <p:txBody>
+          <a:bodyPr rtlCol="0" anchor="ctr"/>
+          <a:lstStyle/>
+          <a:p>
+            <a:pPr algn="ctr"/>
+            <a:r>
+              <a:rPr lang="en-US" sz="1050" b="1" dirty="0">
+                <a:solidFill>
+                  <a:schemeClr val="accent6">
+                    <a:lumMod val="75000"/>
+                  </a:schemeClr>
+                </a:solidFill>
+              </a:rPr>
+              <a:t>JsonSerializable</a:t>
+            </a:r>
+            <a:br>
+              <a:rPr lang="en-US" sz="1050" b="1" dirty="0">
+                <a:solidFill>
+                  <a:schemeClr val="accent6">
+                    <a:lumMod val="75000"/>
+                  </a:schemeClr>
+                </a:solidFill>
+              </a:rPr>
+            </a:br>
+            <a:r>
+              <a:rPr lang="en-US" sz="1050" b="1" dirty="0" err="1">
+                <a:solidFill>
+                  <a:schemeClr val="accent6">
+                    <a:lumMod val="75000"/>
+                  </a:schemeClr>
+                </a:solidFill>
+              </a:rPr>
+              <a:t>CourseList</a:t>
+            </a:r>
+            <a:endParaRPr lang="en-SG" sz="1050" b="1" dirty="0">
+              <a:solidFill>
+                <a:schemeClr val="accent6">
+                  <a:lumMod val="75000"/>
+                </a:schemeClr>
+              </a:solidFill>
+            </a:endParaRPr>
+          </a:p>
+        </p:txBody>
+      </p:sp>
+      <p:sp>
+        <p:nvSpPr>
+          <p:cNvPr id="39" name="Rectangle 8">
+            <a:extLst>
+              <a:ext uri="{FF2B5EF4-FFF2-40B4-BE49-F238E27FC236}">
+                <a16:creationId xmlns:a16="http://schemas.microsoft.com/office/drawing/2014/main" id="{EDE5ED31-578C-48BF-B772-D57F76DB8922}"/>
+              </a:ext>
+            </a:extLst>
+          </p:cNvPr>
+          <p:cNvSpPr/>
+          <p:nvPr/>
+        </p:nvSpPr>
+        <p:spPr>
+          <a:xfrm>
+            <a:off x="8578446" y="2459033"/>
+            <a:ext cx="1259718" cy="346760"/>
+          </a:xfrm>
+          <a:prstGeom prst="rect">
+            <a:avLst/>
+          </a:prstGeom>
+          <a:ln w="19050"/>
+          <a:effectLst/>
+        </p:spPr>
+        <p:style>
+          <a:lnRef idx="1">
+            <a:schemeClr val="accent6"/>
+          </a:lnRef>
+          <a:fillRef idx="2">
+            <a:schemeClr val="accent6"/>
+          </a:fillRef>
+          <a:effectRef idx="1">
+            <a:schemeClr val="accent6"/>
+          </a:effectRef>
+          <a:fontRef idx="minor">
+            <a:schemeClr val="dk1"/>
+          </a:fontRef>
+        </p:style>
+        <p:txBody>
+          <a:bodyPr rtlCol="0" anchor="ctr"/>
+          <a:lstStyle/>
+          <a:p>
+            <a:pPr algn="ctr"/>
+            <a:r>
+              <a:rPr lang="en-US" sz="1030" b="1" dirty="0">
+                <a:solidFill>
+                  <a:schemeClr val="accent6">
+                    <a:lumMod val="75000"/>
+                  </a:schemeClr>
+                </a:solidFill>
+              </a:rPr>
+              <a:t>JsonAdapted</a:t>
+            </a:r>
+          </a:p>
+          <a:p>
+            <a:pPr algn="ctr"/>
+            <a:r>
+              <a:rPr lang="en-US" sz="1030" b="1" dirty="0">
+                <a:solidFill>
+                  <a:schemeClr val="accent6">
+                    <a:lumMod val="75000"/>
+                  </a:schemeClr>
+                </a:solidFill>
+              </a:rPr>
+              <a:t>Course</a:t>
+            </a:r>
+            <a:endParaRPr lang="en-SG" sz="1030" b="1" dirty="0">
+              <a:solidFill>
+                <a:schemeClr val="accent6">
+                  <a:lumMod val="75000"/>
+                </a:schemeClr>
+              </a:solidFill>
+            </a:endParaRPr>
+          </a:p>
+        </p:txBody>
+      </p:sp>
+      <p:cxnSp>
+        <p:nvCxnSpPr>
+          <p:cNvPr id="40" name="Elbow Connector 122">
+            <a:extLst>
+              <a:ext uri="{FF2B5EF4-FFF2-40B4-BE49-F238E27FC236}">
+                <a16:creationId xmlns:a16="http://schemas.microsoft.com/office/drawing/2014/main" id="{954ED4D8-9949-42C2-B54D-9FEE0DB4D932}"/>
+              </a:ext>
+            </a:extLst>
+          </p:cNvPr>
+          <p:cNvCxnSpPr>
+            <a:cxnSpLocks/>
+            <a:stCxn id="38" idx="3"/>
+            <a:endCxn id="39" idx="1"/>
+          </p:cNvCxnSpPr>
+          <p:nvPr/>
+        </p:nvCxnSpPr>
+        <p:spPr>
+          <a:xfrm>
+            <a:off x="8365086" y="2632413"/>
+            <a:ext cx="213360" cy="0"/>
+          </a:xfrm>
+          <a:prstGeom prst="straightConnector1">
+            <a:avLst/>
+          </a:prstGeom>
+          <a:ln w="19050">
+            <a:prstDash val="sysDot"/>
+            <a:headEnd type="none" w="med" len="med"/>
+            <a:tailEnd type="arrow" w="med" len="med"/>
+          </a:ln>
+          <a:effectLst/>
+        </p:spPr>
+        <p:style>
+          <a:lnRef idx="1">
+            <a:schemeClr val="accent6"/>
+          </a:lnRef>
+          <a:fillRef idx="2">
+            <a:schemeClr val="accent6"/>
+          </a:fillRef>
+          <a:effectRef idx="1">
+            <a:schemeClr val="accent6"/>
+          </a:effectRef>
+          <a:fontRef idx="minor">
+            <a:schemeClr val="dk1"/>
+          </a:fontRef>
+        </p:style>
+      </p:cxnSp>
+      <p:sp>
+        <p:nvSpPr>
+          <p:cNvPr id="41" name="Rectangle 8">
+            <a:extLst>
+              <a:ext uri="{FF2B5EF4-FFF2-40B4-BE49-F238E27FC236}">
+                <a16:creationId xmlns:a16="http://schemas.microsoft.com/office/drawing/2014/main" id="{9BE86EC7-CB1B-4965-9C4E-B5ED6E757B87}"/>
+              </a:ext>
+            </a:extLst>
+          </p:cNvPr>
+          <p:cNvSpPr/>
+          <p:nvPr/>
+        </p:nvSpPr>
+        <p:spPr>
+          <a:xfrm>
+            <a:off x="8524845" y="3429000"/>
+            <a:ext cx="1347874" cy="466728"/>
+          </a:xfrm>
+          <a:prstGeom prst="rect">
+            <a:avLst/>
+          </a:prstGeom>
+          <a:ln w="19050"/>
+          <a:effectLst/>
+        </p:spPr>
+        <p:style>
+          <a:lnRef idx="1">
+            <a:schemeClr val="accent6"/>
+          </a:lnRef>
+          <a:fillRef idx="2">
+            <a:schemeClr val="accent6"/>
+          </a:fillRef>
+          <a:effectRef idx="1">
+            <a:schemeClr val="accent6"/>
+          </a:effectRef>
+          <a:fontRef idx="minor">
+            <a:schemeClr val="dk1"/>
+          </a:fontRef>
+        </p:style>
+        <p:txBody>
+          <a:bodyPr rtlCol="0" anchor="ctr"/>
+          <a:lstStyle/>
+          <a:p>
+            <a:pPr algn="ctr"/>
+            <a:r>
+              <a:rPr lang="en-US" sz="1030" b="1" dirty="0">
+                <a:solidFill>
+                  <a:schemeClr val="accent6">
+                    <a:lumMod val="75000"/>
+                  </a:schemeClr>
+                </a:solidFill>
+              </a:rPr>
+              <a:t>&lt;&lt;interface&gt;&gt;</a:t>
+            </a:r>
+          </a:p>
+          <a:p>
+            <a:pPr algn="ctr"/>
+            <a:r>
+              <a:rPr lang="en-US" sz="1030" b="1" dirty="0" err="1">
+                <a:solidFill>
+                  <a:schemeClr val="accent6">
+                    <a:lumMod val="75000"/>
+                  </a:schemeClr>
+                </a:solidFill>
+              </a:rPr>
+              <a:t>JsonAdapted</a:t>
+            </a:r>
+            <a:endParaRPr lang="en-US" sz="1030" b="1" dirty="0">
+              <a:solidFill>
+                <a:schemeClr val="accent6">
+                  <a:lumMod val="75000"/>
+                </a:schemeClr>
+              </a:solidFill>
+            </a:endParaRPr>
+          </a:p>
+          <a:p>
+            <a:pPr algn="ctr"/>
+            <a:r>
+              <a:rPr lang="en-US" sz="1030" b="1" dirty="0" err="1">
+                <a:solidFill>
+                  <a:schemeClr val="accent6">
+                    <a:lumMod val="75000"/>
+                  </a:schemeClr>
+                </a:solidFill>
+              </a:rPr>
+              <a:t>CourseRequirement</a:t>
+            </a:r>
+            <a:endParaRPr lang="en-SG" sz="1030" b="1" dirty="0">
+              <a:solidFill>
+                <a:schemeClr val="accent6">
+                  <a:lumMod val="75000"/>
+                </a:schemeClr>
+              </a:solidFill>
+            </a:endParaRPr>
+          </a:p>
+        </p:txBody>
+      </p:sp>
+      <p:cxnSp>
+        <p:nvCxnSpPr>
+          <p:cNvPr id="42" name="Straight Arrow Connector 41">
+            <a:extLst>
+              <a:ext uri="{FF2B5EF4-FFF2-40B4-BE49-F238E27FC236}">
+                <a16:creationId xmlns:a16="http://schemas.microsoft.com/office/drawing/2014/main" id="{E3D04A29-8588-4FA9-A533-7665719B6F10}"/>
+              </a:ext>
+            </a:extLst>
+          </p:cNvPr>
+          <p:cNvCxnSpPr>
+            <a:cxnSpLocks/>
+            <a:stCxn id="43" idx="3"/>
+            <a:endCxn id="41" idx="0"/>
+          </p:cNvCxnSpPr>
+          <p:nvPr/>
+        </p:nvCxnSpPr>
+        <p:spPr>
+          <a:xfrm>
+            <a:off x="9198782" y="3065544"/>
+            <a:ext cx="0" cy="363456"/>
+          </a:xfrm>
+          <a:prstGeom prst="straightConnector1">
+            <a:avLst/>
+          </a:prstGeom>
+          <a:ln w="19050">
+            <a:solidFill>
+              <a:schemeClr val="accent6">
+                <a:lumMod val="75000"/>
+              </a:schemeClr>
+            </a:solidFill>
+            <a:headEnd type="none" w="med" len="med"/>
+            <a:tailEnd type="arrow" w="med" len="med"/>
+          </a:ln>
+          <a:effectLst/>
+        </p:spPr>
+        <p:style>
+          <a:lnRef idx="1">
+            <a:schemeClr val="accent2"/>
+          </a:lnRef>
+          <a:fillRef idx="2">
+            <a:schemeClr val="accent2"/>
+          </a:fillRef>
+          <a:effectRef idx="1">
+            <a:schemeClr val="accent2"/>
+          </a:effectRef>
+          <a:fontRef idx="minor">
+            <a:schemeClr val="dk1"/>
+          </a:fontRef>
+        </p:style>
+      </p:cxnSp>
+      <p:sp>
+        <p:nvSpPr>
+          <p:cNvPr id="43" name="Flowchart: Decision 96">
+            <a:extLst>
+              <a:ext uri="{FF2B5EF4-FFF2-40B4-BE49-F238E27FC236}">
+                <a16:creationId xmlns:a16="http://schemas.microsoft.com/office/drawing/2014/main" id="{B2847221-54B2-4969-98CD-BFA74E5EC9DA}"/>
+              </a:ext>
+            </a:extLst>
+          </p:cNvPr>
+          <p:cNvSpPr/>
+          <p:nvPr/>
+        </p:nvSpPr>
+        <p:spPr>
+          <a:xfrm rot="5400000">
+            <a:off x="9080758" y="2860830"/>
+            <a:ext cx="236048" cy="173380"/>
+          </a:xfrm>
+          <a:prstGeom prst="flowChartDecision">
+            <a:avLst/>
+          </a:prstGeom>
+          <a:noFill/>
+          <a:ln w="19050">
+            <a:solidFill>
+              <a:schemeClr val="accent6">
+                <a:lumMod val="75000"/>
+              </a:schemeClr>
+            </a:solidFill>
+          </a:ln>
+          <a:effectLst/>
+        </p:spPr>
+        <p:style>
+          <a:lnRef idx="1">
+            <a:schemeClr val="accent2"/>
+          </a:lnRef>
+          <a:fillRef idx="2">
+            <a:schemeClr val="accent2"/>
+          </a:fillRef>
+          <a:effectRef idx="1">
+            <a:schemeClr val="accent2"/>
+          </a:effectRef>
+          <a:fontRef idx="minor">
+            <a:schemeClr val="dk1"/>
+          </a:fontRef>
+        </p:style>
+        <p:txBody>
+          <a:bodyPr rtlCol="0" anchor="ctr"/>
+          <a:lstStyle/>
+          <a:p>
+            <a:pPr algn="ctr"/>
+            <a:endParaRPr lang="en-US" sz="1050" dirty="0">
+              <a:solidFill>
+                <a:schemeClr val="bg1"/>
+              </a:solidFill>
+            </a:endParaRPr>
+          </a:p>
+        </p:txBody>
+      </p:sp>
+      <p:sp>
+        <p:nvSpPr>
+          <p:cNvPr id="46" name="Rectangle 8">
+            <a:extLst>
+              <a:ext uri="{FF2B5EF4-FFF2-40B4-BE49-F238E27FC236}">
+                <a16:creationId xmlns:a16="http://schemas.microsoft.com/office/drawing/2014/main" id="{CF97205F-04D2-4A59-8162-6D1AE11C4511}"/>
+              </a:ext>
+            </a:extLst>
+          </p:cNvPr>
+          <p:cNvSpPr/>
+          <p:nvPr/>
+        </p:nvSpPr>
+        <p:spPr>
+          <a:xfrm>
+            <a:off x="6022665" y="3478966"/>
+            <a:ext cx="1509512" cy="346760"/>
+          </a:xfrm>
+          <a:prstGeom prst="rect">
+            <a:avLst/>
+          </a:prstGeom>
+          <a:ln w="19050"/>
+          <a:effectLst/>
+        </p:spPr>
+        <p:style>
+          <a:lnRef idx="1">
+            <a:schemeClr val="accent6"/>
+          </a:lnRef>
+          <a:fillRef idx="2">
+            <a:schemeClr val="accent6"/>
+          </a:fillRef>
+          <a:effectRef idx="1">
+            <a:schemeClr val="accent6"/>
+          </a:effectRef>
+          <a:fontRef idx="minor">
+            <a:schemeClr val="dk1"/>
+          </a:fontRef>
+        </p:style>
+        <p:txBody>
+          <a:bodyPr rtlCol="0" anchor="ctr"/>
+          <a:lstStyle/>
+          <a:p>
+            <a:pPr algn="ctr"/>
+            <a:r>
+              <a:rPr lang="en-US" sz="1030" b="1" dirty="0" err="1">
+                <a:solidFill>
+                  <a:schemeClr val="accent6">
+                    <a:lumMod val="75000"/>
+                  </a:schemeClr>
+                </a:solidFill>
+              </a:rPr>
+              <a:t>JsonAdaptedPrimitive</a:t>
+            </a:r>
+            <a:endParaRPr lang="en-US" sz="1030" b="1" dirty="0">
+              <a:solidFill>
+                <a:schemeClr val="accent6">
+                  <a:lumMod val="75000"/>
+                </a:schemeClr>
+              </a:solidFill>
+            </a:endParaRPr>
+          </a:p>
+          <a:p>
+            <a:pPr algn="ctr"/>
+            <a:r>
+              <a:rPr lang="en-US" sz="1030" b="1" dirty="0" err="1">
+                <a:solidFill>
+                  <a:schemeClr val="accent6">
+                    <a:lumMod val="75000"/>
+                  </a:schemeClr>
+                </a:solidFill>
+              </a:rPr>
+              <a:t>CourseRequirement</a:t>
+            </a:r>
+            <a:endParaRPr lang="en-SG" sz="1030" b="1" dirty="0">
+              <a:solidFill>
+                <a:schemeClr val="accent6">
+                  <a:lumMod val="75000"/>
+                </a:schemeClr>
+              </a:solidFill>
+            </a:endParaRPr>
+          </a:p>
+        </p:txBody>
+      </p:sp>
+      <p:sp>
+        <p:nvSpPr>
+          <p:cNvPr id="51" name="Rectangle 8">
+            <a:extLst>
+              <a:ext uri="{FF2B5EF4-FFF2-40B4-BE49-F238E27FC236}">
+                <a16:creationId xmlns:a16="http://schemas.microsoft.com/office/drawing/2014/main" id="{1247CEF9-AF0E-42F4-ACE9-000682E8E4B9}"/>
+              </a:ext>
+            </a:extLst>
+          </p:cNvPr>
+          <p:cNvSpPr/>
+          <p:nvPr/>
+        </p:nvSpPr>
+        <p:spPr>
+          <a:xfrm>
+            <a:off x="6022664" y="4325518"/>
+            <a:ext cx="1509512" cy="346760"/>
+          </a:xfrm>
+          <a:prstGeom prst="rect">
+            <a:avLst/>
+          </a:prstGeom>
+          <a:ln w="19050"/>
+          <a:effectLst/>
+        </p:spPr>
+        <p:style>
+          <a:lnRef idx="1">
+            <a:schemeClr val="accent6"/>
+          </a:lnRef>
+          <a:fillRef idx="2">
+            <a:schemeClr val="accent6"/>
+          </a:fillRef>
+          <a:effectRef idx="1">
+            <a:schemeClr val="accent6"/>
+          </a:effectRef>
+          <a:fontRef idx="minor">
+            <a:schemeClr val="dk1"/>
+          </a:fontRef>
+        </p:style>
+        <p:txBody>
+          <a:bodyPr rtlCol="0" anchor="ctr"/>
+          <a:lstStyle/>
+          <a:p>
+            <a:pPr algn="ctr"/>
+            <a:r>
+              <a:rPr lang="en-US" sz="1030" b="1" dirty="0" err="1">
+                <a:solidFill>
+                  <a:schemeClr val="accent6">
+                    <a:lumMod val="75000"/>
+                  </a:schemeClr>
+                </a:solidFill>
+              </a:rPr>
+              <a:t>JsonAdaptedComposite</a:t>
+            </a:r>
+            <a:endParaRPr lang="en-US" sz="1030" b="1" dirty="0">
+              <a:solidFill>
+                <a:schemeClr val="accent6">
+                  <a:lumMod val="75000"/>
+                </a:schemeClr>
+              </a:solidFill>
+            </a:endParaRPr>
+          </a:p>
+          <a:p>
+            <a:pPr algn="ctr"/>
+            <a:r>
+              <a:rPr lang="en-US" sz="1030" b="1" dirty="0" err="1">
+                <a:solidFill>
+                  <a:schemeClr val="accent6">
+                    <a:lumMod val="75000"/>
+                  </a:schemeClr>
+                </a:solidFill>
+              </a:rPr>
+              <a:t>CourseRequirement</a:t>
+            </a:r>
+            <a:endParaRPr lang="en-SG" sz="1030" b="1" dirty="0">
+              <a:solidFill>
+                <a:schemeClr val="accent6">
+                  <a:lumMod val="75000"/>
+                </a:schemeClr>
+              </a:solidFill>
+            </a:endParaRPr>
+          </a:p>
+        </p:txBody>
+      </p:sp>
+      <p:cxnSp>
+        <p:nvCxnSpPr>
+          <p:cNvPr id="52" name="Elbow Connector 63">
+            <a:extLst>
+              <a:ext uri="{FF2B5EF4-FFF2-40B4-BE49-F238E27FC236}">
+                <a16:creationId xmlns:a16="http://schemas.microsoft.com/office/drawing/2014/main" id="{649C97A6-184C-4BE3-A0BF-0637665140C6}"/>
+              </a:ext>
+            </a:extLst>
+          </p:cNvPr>
+          <p:cNvCxnSpPr>
+            <a:cxnSpLocks/>
+            <a:stCxn id="53" idx="3"/>
+            <a:endCxn id="46" idx="3"/>
+          </p:cNvCxnSpPr>
+          <p:nvPr/>
+        </p:nvCxnSpPr>
+        <p:spPr>
+          <a:xfrm flipH="1" flipV="1">
+            <a:off x="7532177" y="3652346"/>
+            <a:ext cx="799058" cy="10018"/>
+          </a:xfrm>
+          <a:prstGeom prst="straightConnector1">
+            <a:avLst/>
+          </a:prstGeom>
+          <a:ln w="19050">
+            <a:solidFill>
+              <a:schemeClr val="accent6">
+                <a:lumMod val="75000"/>
+              </a:schemeClr>
+            </a:solidFill>
+            <a:prstDash val="sysDot"/>
+            <a:headEnd type="none" w="med" len="med"/>
+            <a:tailEnd type="none" w="med" len="med"/>
+          </a:ln>
+          <a:effectLst/>
+        </p:spPr>
+        <p:style>
+          <a:lnRef idx="1">
+            <a:schemeClr val="accent2"/>
+          </a:lnRef>
+          <a:fillRef idx="2">
+            <a:schemeClr val="accent2"/>
+          </a:fillRef>
+          <a:effectRef idx="1">
+            <a:schemeClr val="accent2"/>
+          </a:effectRef>
+          <a:fontRef idx="minor">
+            <a:schemeClr val="dk1"/>
+          </a:fontRef>
+        </p:style>
+      </p:cxnSp>
+      <p:sp>
+        <p:nvSpPr>
+          <p:cNvPr id="53" name="Isosceles Triangle 102">
+            <a:extLst>
+              <a:ext uri="{FF2B5EF4-FFF2-40B4-BE49-F238E27FC236}">
+                <a16:creationId xmlns:a16="http://schemas.microsoft.com/office/drawing/2014/main" id="{547849BE-7F79-4F0D-AC3B-10147DFFBFCC}"/>
+              </a:ext>
+            </a:extLst>
+          </p:cNvPr>
+          <p:cNvSpPr/>
+          <p:nvPr/>
+        </p:nvSpPr>
+        <p:spPr>
+          <a:xfrm rot="16200000" flipV="1">
+            <a:off x="8283744" y="3574602"/>
+            <a:ext cx="270504" cy="175523"/>
+          </a:xfrm>
+          <a:prstGeom prst="triangle">
+            <a:avLst/>
+          </a:prstGeom>
+          <a:solidFill>
+            <a:schemeClr val="accent6">
+              <a:lumMod val="75000"/>
+            </a:schemeClr>
+          </a:solidFill>
+          <a:ln w="19050">
+            <a:solidFill>
+              <a:schemeClr val="accent6">
+                <a:lumMod val="75000"/>
+              </a:schemeClr>
+            </a:solidFill>
+          </a:ln>
+          <a:effectLst/>
+        </p:spPr>
+        <p:style>
+          <a:lnRef idx="1">
+            <a:schemeClr val="accent2"/>
+          </a:lnRef>
+          <a:fillRef idx="2">
+            <a:schemeClr val="accent2"/>
+          </a:fillRef>
+          <a:effectRef idx="1">
+            <a:schemeClr val="accent2"/>
+          </a:effectRef>
+          <a:fontRef idx="minor">
+            <a:schemeClr val="dk1"/>
+          </a:fontRef>
+        </p:style>
+        <p:txBody>
+          <a:bodyPr rtlCol="0" anchor="ctr"/>
+          <a:lstStyle/>
+          <a:p>
+            <a:pPr algn="ctr"/>
+            <a:endParaRPr lang="en-SG" sz="1050" dirty="0">
+              <a:solidFill>
+                <a:schemeClr val="bg1"/>
+              </a:solidFill>
+            </a:endParaRPr>
+          </a:p>
+        </p:txBody>
+      </p:sp>
+      <p:cxnSp>
+        <p:nvCxnSpPr>
+          <p:cNvPr id="59" name="Elbow Connector 63">
+            <a:extLst>
+              <a:ext uri="{FF2B5EF4-FFF2-40B4-BE49-F238E27FC236}">
+                <a16:creationId xmlns:a16="http://schemas.microsoft.com/office/drawing/2014/main" id="{B5E54620-E9C6-48BB-935C-E1D556BE6930}"/>
+              </a:ext>
+            </a:extLst>
+          </p:cNvPr>
+          <p:cNvCxnSpPr>
+            <a:cxnSpLocks/>
+            <a:stCxn id="53" idx="3"/>
+            <a:endCxn id="51" idx="3"/>
+          </p:cNvCxnSpPr>
+          <p:nvPr/>
+        </p:nvCxnSpPr>
+        <p:spPr>
+          <a:xfrm rot="10800000" flipV="1">
+            <a:off x="7532177" y="3662364"/>
+            <a:ext cx="799059" cy="836534"/>
+          </a:xfrm>
+          <a:prstGeom prst="bentConnector3">
+            <a:avLst>
+              <a:gd name="adj1" fmla="val 50000"/>
+            </a:avLst>
+          </a:prstGeom>
+          <a:ln w="19050">
+            <a:solidFill>
+              <a:schemeClr val="accent6">
+                <a:lumMod val="75000"/>
+              </a:schemeClr>
+            </a:solidFill>
+            <a:prstDash val="sysDot"/>
+            <a:headEnd type="none" w="med" len="med"/>
+            <a:tailEnd type="none" w="med" len="med"/>
+          </a:ln>
+          <a:effectLst/>
+        </p:spPr>
+        <p:style>
+          <a:lnRef idx="1">
+            <a:schemeClr val="accent2"/>
+          </a:lnRef>
+          <a:fillRef idx="2">
+            <a:schemeClr val="accent2"/>
+          </a:fillRef>
+          <a:effectRef idx="1">
+            <a:schemeClr val="accent2"/>
+          </a:effectRef>
+          <a:fontRef idx="minor">
+            <a:schemeClr val="dk1"/>
+          </a:fontRef>
+        </p:style>
+      </p:cxnSp>
+      <p:sp>
+        <p:nvSpPr>
+          <p:cNvPr id="63" name="Flowchart: Decision 96">
+            <a:extLst>
+              <a:ext uri="{FF2B5EF4-FFF2-40B4-BE49-F238E27FC236}">
+                <a16:creationId xmlns:a16="http://schemas.microsoft.com/office/drawing/2014/main" id="{B50FED20-BC5D-4009-A0CD-AFD96F40CBDB}"/>
+              </a:ext>
+            </a:extLst>
+          </p:cNvPr>
+          <p:cNvSpPr/>
+          <p:nvPr/>
+        </p:nvSpPr>
+        <p:spPr>
+          <a:xfrm>
+            <a:off x="6659396" y="4702097"/>
+            <a:ext cx="236048" cy="247193"/>
+          </a:xfrm>
+          <a:prstGeom prst="flowChartDecision">
+            <a:avLst/>
+          </a:prstGeom>
+          <a:solidFill>
+            <a:schemeClr val="accent6">
+              <a:lumMod val="75000"/>
+            </a:schemeClr>
+          </a:solidFill>
+          <a:ln w="19050">
+            <a:solidFill>
+              <a:schemeClr val="accent6">
+                <a:lumMod val="75000"/>
+              </a:schemeClr>
+            </a:solidFill>
+          </a:ln>
+          <a:effectLst/>
+        </p:spPr>
+        <p:style>
+          <a:lnRef idx="1">
+            <a:schemeClr val="accent2"/>
+          </a:lnRef>
+          <a:fillRef idx="2">
+            <a:schemeClr val="accent2"/>
+          </a:fillRef>
+          <a:effectRef idx="1">
+            <a:schemeClr val="accent2"/>
+          </a:effectRef>
+          <a:fontRef idx="minor">
+            <a:schemeClr val="dk1"/>
+          </a:fontRef>
+        </p:style>
+        <p:txBody>
+          <a:bodyPr rtlCol="0" anchor="ctr"/>
+          <a:lstStyle/>
+          <a:p>
+            <a:pPr algn="ctr"/>
+            <a:endParaRPr lang="en-US" sz="1050" dirty="0">
+              <a:solidFill>
+                <a:schemeClr val="bg1"/>
+              </a:solidFill>
+            </a:endParaRPr>
+          </a:p>
+        </p:txBody>
+      </p:sp>
+      <p:cxnSp>
+        <p:nvCxnSpPr>
+          <p:cNvPr id="64" name="Elbow Connector 63">
+            <a:extLst>
+              <a:ext uri="{FF2B5EF4-FFF2-40B4-BE49-F238E27FC236}">
+                <a16:creationId xmlns:a16="http://schemas.microsoft.com/office/drawing/2014/main" id="{F003FBB7-C3F2-4E6C-AC2F-AF529752A286}"/>
+              </a:ext>
+            </a:extLst>
+          </p:cNvPr>
+          <p:cNvCxnSpPr>
+            <a:cxnSpLocks/>
+            <a:stCxn id="41" idx="2"/>
+            <a:endCxn id="63" idx="3"/>
+          </p:cNvCxnSpPr>
+          <p:nvPr/>
+        </p:nvCxnSpPr>
+        <p:spPr>
+          <a:xfrm rot="5400000">
+            <a:off x="7582130" y="3209042"/>
+            <a:ext cx="929966" cy="2303338"/>
+          </a:xfrm>
+          <a:prstGeom prst="bentConnector2">
+            <a:avLst/>
+          </a:prstGeom>
+          <a:ln>
+            <a:solidFill>
+              <a:schemeClr val="accent6">
+                <a:lumMod val="75000"/>
+              </a:schemeClr>
+            </a:solidFill>
+            <a:headEnd type="arrow" w="med" len="med"/>
+            <a:tailEnd type="none" w="med" len="med"/>
+          </a:ln>
+        </p:spPr>
+        <p:style>
+          <a:lnRef idx="3">
+            <a:schemeClr val="accent6"/>
+          </a:lnRef>
+          <a:fillRef idx="0">
+            <a:schemeClr val="accent6"/>
+          </a:fillRef>
+          <a:effectRef idx="2">
+            <a:schemeClr val="accent6"/>
+          </a:effectRef>
+          <a:fontRef idx="minor">
+            <a:schemeClr val="tx1"/>
+          </a:fontRef>
+        </p:style>
+      </p:cxnSp>
+      <p:sp>
+        <p:nvSpPr>
+          <p:cNvPr id="67" name="TextBox 66">
+            <a:extLst>
+              <a:ext uri="{FF2B5EF4-FFF2-40B4-BE49-F238E27FC236}">
+                <a16:creationId xmlns:a16="http://schemas.microsoft.com/office/drawing/2014/main" id="{C407A80A-557A-4EAC-AAAA-6FE5A175EB88}"/>
+              </a:ext>
+            </a:extLst>
+          </p:cNvPr>
+          <p:cNvSpPr txBox="1"/>
+          <p:nvPr/>
+        </p:nvSpPr>
+        <p:spPr>
+          <a:xfrm>
+            <a:off x="9198782" y="3891280"/>
+            <a:ext cx="276176" cy="261610"/>
+          </a:xfrm>
+          <a:prstGeom prst="rect">
+            <a:avLst/>
+          </a:prstGeom>
+          <a:noFill/>
+        </p:spPr>
+        <p:txBody>
+          <a:bodyPr wrap="square" rtlCol="0">
+            <a:spAutoFit/>
+          </a:bodyPr>
+          <a:lstStyle/>
+          <a:p>
+            <a:r>
+              <a:rPr lang="en-SG" sz="1100" dirty="0">
+                <a:solidFill>
+                  <a:schemeClr val="accent6">
+                    <a:lumMod val="75000"/>
+                  </a:schemeClr>
+                </a:solidFill>
+              </a:rPr>
+              <a:t>2</a:t>
+            </a:r>
+          </a:p>
+        </p:txBody>
+      </p:sp>
+      <p:sp>
+        <p:nvSpPr>
+          <p:cNvPr id="78" name="Flowchart: Decision 96">
+            <a:extLst>
+              <a:ext uri="{FF2B5EF4-FFF2-40B4-BE49-F238E27FC236}">
+                <a16:creationId xmlns:a16="http://schemas.microsoft.com/office/drawing/2014/main" id="{27A985C9-FF5C-4439-B1E5-647FA5B62961}"/>
+              </a:ext>
+            </a:extLst>
+          </p:cNvPr>
+          <p:cNvSpPr/>
+          <p:nvPr/>
+        </p:nvSpPr>
+        <p:spPr>
+          <a:xfrm rot="10800000">
+            <a:off x="5768530" y="3565656"/>
+            <a:ext cx="236048" cy="173380"/>
+          </a:xfrm>
+          <a:prstGeom prst="flowChartDecision">
+            <a:avLst/>
+          </a:prstGeom>
+          <a:noFill/>
+          <a:ln w="19050">
+            <a:solidFill>
+              <a:schemeClr val="accent6">
+                <a:lumMod val="75000"/>
+              </a:schemeClr>
+            </a:solidFill>
+          </a:ln>
+          <a:effectLst/>
+        </p:spPr>
+        <p:style>
+          <a:lnRef idx="1">
+            <a:schemeClr val="accent2"/>
+          </a:lnRef>
+          <a:fillRef idx="2">
+            <a:schemeClr val="accent2"/>
+          </a:fillRef>
+          <a:effectRef idx="1">
+            <a:schemeClr val="accent2"/>
+          </a:effectRef>
+          <a:fontRef idx="minor">
+            <a:schemeClr val="dk1"/>
+          </a:fontRef>
+        </p:style>
+        <p:txBody>
+          <a:bodyPr rtlCol="0" anchor="ctr"/>
+          <a:lstStyle/>
+          <a:p>
+            <a:pPr algn="ctr"/>
+            <a:endParaRPr lang="en-US" sz="1050" dirty="0">
+              <a:solidFill>
+                <a:schemeClr val="bg1"/>
+              </a:solidFill>
+            </a:endParaRPr>
+          </a:p>
+        </p:txBody>
+      </p:sp>
+      <p:cxnSp>
+        <p:nvCxnSpPr>
+          <p:cNvPr id="79" name="Elbow Connector 63">
+            <a:extLst>
+              <a:ext uri="{FF2B5EF4-FFF2-40B4-BE49-F238E27FC236}">
+                <a16:creationId xmlns:a16="http://schemas.microsoft.com/office/drawing/2014/main" id="{371272D4-495D-4617-904F-6B8453FE5A40}"/>
+              </a:ext>
+            </a:extLst>
+          </p:cNvPr>
+          <p:cNvCxnSpPr>
+            <a:cxnSpLocks/>
+            <a:stCxn id="83" idx="3"/>
+            <a:endCxn id="78" idx="3"/>
+          </p:cNvCxnSpPr>
+          <p:nvPr/>
+        </p:nvCxnSpPr>
+        <p:spPr>
+          <a:xfrm flipV="1">
+            <a:off x="5375323" y="3652346"/>
+            <a:ext cx="393207" cy="5009"/>
+          </a:xfrm>
+          <a:prstGeom prst="straightConnector1">
+            <a:avLst/>
+          </a:prstGeom>
+          <a:ln>
+            <a:solidFill>
+              <a:schemeClr val="accent6">
+                <a:lumMod val="75000"/>
+              </a:schemeClr>
+            </a:solidFill>
+            <a:headEnd type="arrow" w="med" len="med"/>
+            <a:tailEnd type="none" w="med" len="med"/>
+          </a:ln>
+        </p:spPr>
+        <p:style>
+          <a:lnRef idx="3">
+            <a:schemeClr val="accent6"/>
+          </a:lnRef>
+          <a:fillRef idx="0">
+            <a:schemeClr val="accent6"/>
+          </a:fillRef>
+          <a:effectRef idx="2">
+            <a:schemeClr val="accent6"/>
+          </a:effectRef>
+          <a:fontRef idx="minor">
+            <a:schemeClr val="tx1"/>
+          </a:fontRef>
+        </p:style>
+      </p:cxnSp>
+      <p:sp>
+        <p:nvSpPr>
+          <p:cNvPr id="83" name="Rectangle 8">
+            <a:extLst>
+              <a:ext uri="{FF2B5EF4-FFF2-40B4-BE49-F238E27FC236}">
+                <a16:creationId xmlns:a16="http://schemas.microsoft.com/office/drawing/2014/main" id="{AF08BB85-0EB0-4CAA-B658-373753D7CDAC}"/>
+              </a:ext>
+            </a:extLst>
+          </p:cNvPr>
+          <p:cNvSpPr/>
+          <p:nvPr/>
+        </p:nvSpPr>
+        <p:spPr>
+          <a:xfrm>
+            <a:off x="4080640" y="3483975"/>
+            <a:ext cx="1294683" cy="346760"/>
+          </a:xfrm>
+          <a:prstGeom prst="rect">
+            <a:avLst/>
+          </a:prstGeom>
+          <a:ln w="19050"/>
+          <a:effectLst/>
+        </p:spPr>
+        <p:style>
+          <a:lnRef idx="1">
+            <a:schemeClr val="accent6"/>
+          </a:lnRef>
+          <a:fillRef idx="2">
+            <a:schemeClr val="accent6"/>
+          </a:fillRef>
+          <a:effectRef idx="1">
+            <a:schemeClr val="accent6"/>
+          </a:effectRef>
+          <a:fontRef idx="minor">
+            <a:schemeClr val="dk1"/>
+          </a:fontRef>
+        </p:style>
+        <p:txBody>
+          <a:bodyPr rtlCol="0" anchor="ctr"/>
+          <a:lstStyle/>
+          <a:p>
+            <a:pPr algn="ctr"/>
+            <a:r>
+              <a:rPr lang="en-US" sz="1030" b="1" dirty="0" err="1">
+                <a:solidFill>
+                  <a:schemeClr val="accent6">
+                    <a:lumMod val="75000"/>
+                  </a:schemeClr>
+                </a:solidFill>
+              </a:rPr>
+              <a:t>JsonAdapted</a:t>
+            </a:r>
+            <a:endParaRPr lang="en-US" sz="1030" b="1" dirty="0">
+              <a:solidFill>
+                <a:schemeClr val="accent6">
+                  <a:lumMod val="75000"/>
+                </a:schemeClr>
+              </a:solidFill>
+            </a:endParaRPr>
+          </a:p>
+          <a:p>
+            <a:pPr algn="ctr"/>
+            <a:r>
+              <a:rPr lang="en-US" sz="1030" b="1" dirty="0">
+                <a:solidFill>
+                  <a:schemeClr val="accent6">
+                    <a:lumMod val="75000"/>
+                  </a:schemeClr>
+                </a:solidFill>
+              </a:rPr>
+              <a:t>Condition</a:t>
+            </a:r>
+            <a:endParaRPr lang="en-SG" sz="1030" b="1" dirty="0">
+              <a:solidFill>
+                <a:schemeClr val="accent6">
+                  <a:lumMod val="75000"/>
+                </a:schemeClr>
+              </a:solidFill>
+            </a:endParaRPr>
+          </a:p>
+        </p:txBody>
+      </p:sp>
+      <p:sp>
+        <p:nvSpPr>
+          <p:cNvPr id="97" name="TextBox 96">
+            <a:extLst>
+              <a:ext uri="{FF2B5EF4-FFF2-40B4-BE49-F238E27FC236}">
+                <a16:creationId xmlns:a16="http://schemas.microsoft.com/office/drawing/2014/main" id="{E1A4E9BA-2CBC-46DC-B4C4-07E065E086C7}"/>
+              </a:ext>
+            </a:extLst>
+          </p:cNvPr>
+          <p:cNvSpPr txBox="1"/>
+          <p:nvPr/>
+        </p:nvSpPr>
+        <p:spPr>
+          <a:xfrm>
+            <a:off x="5362698" y="3421074"/>
+            <a:ext cx="433949" cy="261610"/>
+          </a:xfrm>
+          <a:prstGeom prst="rect">
+            <a:avLst/>
+          </a:prstGeom>
+          <a:noFill/>
+        </p:spPr>
+        <p:txBody>
+          <a:bodyPr wrap="square" rtlCol="0">
+            <a:spAutoFit/>
+          </a:bodyPr>
+          <a:lstStyle/>
+          <a:p>
+            <a:r>
+              <a:rPr lang="en-SG" sz="1100" dirty="0">
+                <a:solidFill>
+                  <a:schemeClr val="accent6">
+                    <a:lumMod val="75000"/>
+                  </a:schemeClr>
+                </a:solidFill>
+              </a:rPr>
+              <a:t>1..*</a:t>
+            </a:r>
+          </a:p>
+        </p:txBody>
+      </p:sp>
+    </p:spTree>
+    <p:extLst>
+      <p:ext uri="{BB962C8B-B14F-4D97-AF65-F5344CB8AC3E}">
+        <p14:creationId xmlns:p14="http://schemas.microsoft.com/office/powerpoint/2010/main" val="3554453643"/>
       </p:ext>
     </p:extLst>
   </p:cSld>
@@ -4686,7 +6660,7 @@
   <a:extraClrSchemeLst/>
   <a:extLst>
     <a:ext uri="{05A4C25C-085E-4340-85A3-A5531E510DB2}">
-      <thm15:themeFamily xmlns:thm15="http://schemas.microsoft.com/office/thememl/2012/main" xmlns="" name="Office Theme" id="{62F939B6-93AF-4DB8-9C6B-D6C7DFDC589F}" vid="{4A3C46E8-61CC-4603-A589-7422A47A8E4A}"/>
+      <thm15:themeFamily xmlns:thm15="http://schemas.microsoft.com/office/thememl/2012/main" name="Office Theme" id="{62F939B6-93AF-4DB8-9C6B-D6C7DFDC589F}" vid="{4A3C46E8-61CC-4603-A589-7422A47A8E4A}"/>
     </a:ext>
   </a:extLst>
 </a:theme>
